--- a/Presentation/OpenZ.pptx
+++ b/Presentation/OpenZ.pptx
@@ -315,7 +315,7 @@
             <a:fld id="{B61BEF0D-F0BB-DE4B-95CE-6DB70DBA9567}" type="datetimeFigureOut">
               <a:rPr lang="en-US" dirty="0"/>
               <a:pPr/>
-              <a:t>2/26/2020</a:t>
+              <a:t>4/20/2020</a:t>
             </a:fld>
             <a:endParaRPr lang="en-US" dirty="0"/>
           </a:p>
@@ -748,7 +748,7 @@
             <a:fld id="{B61BEF0D-F0BB-DE4B-95CE-6DB70DBA9567}" type="datetimeFigureOut">
               <a:rPr lang="en-US" dirty="0"/>
               <a:pPr/>
-              <a:t>2/26/2020</a:t>
+              <a:t>4/20/2020</a:t>
             </a:fld>
             <a:endParaRPr lang="en-US" dirty="0"/>
           </a:p>
@@ -997,7 +997,7 @@
             <a:fld id="{B61BEF0D-F0BB-DE4B-95CE-6DB70DBA9567}" type="datetimeFigureOut">
               <a:rPr lang="en-US" dirty="0"/>
               <a:pPr/>
-              <a:t>2/26/2020</a:t>
+              <a:t>4/20/2020</a:t>
             </a:fld>
             <a:endParaRPr lang="en-US" dirty="0"/>
           </a:p>
@@ -1304,7 +1304,7 @@
             <a:fld id="{B61BEF0D-F0BB-DE4B-95CE-6DB70DBA9567}" type="datetimeFigureOut">
               <a:rPr lang="en-US" dirty="0"/>
               <a:pPr/>
-              <a:t>2/26/2020</a:t>
+              <a:t>4/20/2020</a:t>
             </a:fld>
             <a:endParaRPr lang="en-US" dirty="0"/>
           </a:p>
@@ -1621,7 +1621,7 @@
             <a:fld id="{B61BEF0D-F0BB-DE4B-95CE-6DB70DBA9567}" type="datetimeFigureOut">
               <a:rPr lang="en-US" dirty="0"/>
               <a:pPr/>
-              <a:t>2/26/2020</a:t>
+              <a:t>4/20/2020</a:t>
             </a:fld>
             <a:endParaRPr lang="en-US" dirty="0"/>
           </a:p>
@@ -1922,7 +1922,7 @@
             <a:fld id="{B61BEF0D-F0BB-DE4B-95CE-6DB70DBA9567}" type="datetimeFigureOut">
               <a:rPr lang="en-US" dirty="0"/>
               <a:pPr/>
-              <a:t>2/26/2020</a:t>
+              <a:t>4/20/2020</a:t>
             </a:fld>
             <a:endParaRPr lang="en-US" dirty="0"/>
           </a:p>
@@ -2288,7 +2288,7 @@
             <a:fld id="{B61BEF0D-F0BB-DE4B-95CE-6DB70DBA9567}" type="datetimeFigureOut">
               <a:rPr lang="en-US" dirty="0"/>
               <a:pPr/>
-              <a:t>2/26/2020</a:t>
+              <a:t>4/20/2020</a:t>
             </a:fld>
             <a:endParaRPr lang="en-US" dirty="0"/>
           </a:p>
@@ -2462,7 +2462,7 @@
             <a:fld id="{B61BEF0D-F0BB-DE4B-95CE-6DB70DBA9567}" type="datetimeFigureOut">
               <a:rPr lang="en-US" dirty="0"/>
               <a:pPr/>
-              <a:t>2/26/2020</a:t>
+              <a:t>4/20/2020</a:t>
             </a:fld>
             <a:endParaRPr lang="en-US" dirty="0"/>
           </a:p>
@@ -2642,7 +2642,7 @@
             <a:fld id="{B61BEF0D-F0BB-DE4B-95CE-6DB70DBA9567}" type="datetimeFigureOut">
               <a:rPr lang="en-US" dirty="0"/>
               <a:pPr/>
-              <a:t>2/26/2020</a:t>
+              <a:t>4/20/2020</a:t>
             </a:fld>
             <a:endParaRPr lang="en-US" dirty="0"/>
           </a:p>
@@ -2812,7 +2812,7 @@
             <a:fld id="{B61BEF0D-F0BB-DE4B-95CE-6DB70DBA9567}" type="datetimeFigureOut">
               <a:rPr lang="en-US" dirty="0"/>
               <a:pPr/>
-              <a:t>2/26/2020</a:t>
+              <a:t>4/20/2020</a:t>
             </a:fld>
             <a:endParaRPr lang="en-US" dirty="0"/>
           </a:p>
@@ -3061,7 +3061,7 @@
             <a:fld id="{B61BEF0D-F0BB-DE4B-95CE-6DB70DBA9567}" type="datetimeFigureOut">
               <a:rPr lang="en-US" dirty="0"/>
               <a:pPr/>
-              <a:t>2/26/2020</a:t>
+              <a:t>4/20/2020</a:t>
             </a:fld>
             <a:endParaRPr lang="en-US" dirty="0"/>
           </a:p>
@@ -3296,7 +3296,7 @@
             <a:fld id="{B61BEF0D-F0BB-DE4B-95CE-6DB70DBA9567}" type="datetimeFigureOut">
               <a:rPr lang="en-US" dirty="0"/>
               <a:pPr/>
-              <a:t>2/26/2020</a:t>
+              <a:t>4/20/2020</a:t>
             </a:fld>
             <a:endParaRPr lang="en-US" dirty="0"/>
           </a:p>
@@ -3677,7 +3677,7 @@
             <a:fld id="{B61BEF0D-F0BB-DE4B-95CE-6DB70DBA9567}" type="datetimeFigureOut">
               <a:rPr lang="en-US" dirty="0"/>
               <a:pPr/>
-              <a:t>2/26/2020</a:t>
+              <a:t>4/20/2020</a:t>
             </a:fld>
             <a:endParaRPr lang="en-US" dirty="0"/>
           </a:p>
@@ -3796,7 +3796,7 @@
             <a:fld id="{B61BEF0D-F0BB-DE4B-95CE-6DB70DBA9567}" type="datetimeFigureOut">
               <a:rPr lang="en-US" dirty="0"/>
               <a:pPr/>
-              <a:t>2/26/2020</a:t>
+              <a:t>4/20/2020</a:t>
             </a:fld>
             <a:endParaRPr lang="en-US" dirty="0"/>
           </a:p>
@@ -3893,7 +3893,7 @@
             <a:fld id="{B61BEF0D-F0BB-DE4B-95CE-6DB70DBA9567}" type="datetimeFigureOut">
               <a:rPr lang="en-US" dirty="0"/>
               <a:pPr/>
-              <a:t>2/26/2020</a:t>
+              <a:t>4/20/2020</a:t>
             </a:fld>
             <a:endParaRPr lang="en-US" dirty="0"/>
           </a:p>
@@ -4148,7 +4148,7 @@
             <a:fld id="{B61BEF0D-F0BB-DE4B-95CE-6DB70DBA9567}" type="datetimeFigureOut">
               <a:rPr lang="en-US" dirty="0"/>
               <a:pPr/>
-              <a:t>2/26/2020</a:t>
+              <a:t>4/20/2020</a:t>
             </a:fld>
             <a:endParaRPr lang="en-US" dirty="0"/>
           </a:p>
@@ -4428,7 +4428,7 @@
             <a:fld id="{B61BEF0D-F0BB-DE4B-95CE-6DB70DBA9567}" type="datetimeFigureOut">
               <a:rPr lang="en-US" dirty="0"/>
               <a:pPr/>
-              <a:t>2/26/2020</a:t>
+              <a:t>4/20/2020</a:t>
             </a:fld>
             <a:endParaRPr lang="en-US" dirty="0"/>
           </a:p>
@@ -4834,7 +4834,7 @@
             <a:fld id="{B61BEF0D-F0BB-DE4B-95CE-6DB70DBA9567}" type="datetimeFigureOut">
               <a:rPr lang="en-US" dirty="0"/>
               <a:pPr/>
-              <a:t>2/26/2020</a:t>
+              <a:t>4/20/2020</a:t>
             </a:fld>
             <a:endParaRPr lang="en-US" dirty="0"/>
           </a:p>
@@ -5952,18 +5952,18 @@
 <file path=ppt/theme/theme1.xml><?xml version="1.0" encoding="utf-8"?>
 <a:theme xmlns:a="http://schemas.openxmlformats.org/drawingml/2006/main" name="Slice">
   <a:themeElements>
-    <a:clrScheme name="Slice">
+    <a:clrScheme name="OpenZ">
       <a:dk1>
         <a:sysClr val="windowText" lastClr="000000"/>
       </a:dk1>
       <a:lt1>
-        <a:sysClr val="window" lastClr="FFFFFF"/>
+        <a:srgbClr val="7F7F7F"/>
       </a:lt1>
       <a:dk2>
-        <a:srgbClr val="AD2E03"/>
+        <a:srgbClr val="8F2803"/>
       </a:dk2>
       <a:lt2>
-        <a:srgbClr val="D75626"/>
+        <a:srgbClr val="8F2803"/>
       </a:lt2>
       <a:accent1>
         <a:srgbClr val="760603"/>

--- a/Presentation/OpenZ.pptx
+++ b/Presentation/OpenZ.pptx
@@ -5957,7 +5957,7 @@
         <a:sysClr val="windowText" lastClr="000000"/>
       </a:dk1>
       <a:lt1>
-        <a:srgbClr val="7F7F7F"/>
+        <a:srgbClr val="969696"/>
       </a:lt1>
       <a:dk2>
         <a:srgbClr val="8F2803"/>

--- a/Presentation/OpenZ.pptx
+++ b/Presentation/OpenZ.pptx
@@ -6,12 +6,17 @@
   </p:sldMasterIdLst>
   <p:sldIdLst>
     <p:sldId id="256" r:id="rId2"/>
-    <p:sldId id="257" r:id="rId3"/>
-    <p:sldId id="258" r:id="rId4"/>
-    <p:sldId id="259" r:id="rId5"/>
-    <p:sldId id="260" r:id="rId6"/>
-    <p:sldId id="261" r:id="rId7"/>
-    <p:sldId id="262" r:id="rId8"/>
+    <p:sldId id="263" r:id="rId3"/>
+    <p:sldId id="262" r:id="rId4"/>
+    <p:sldId id="266" r:id="rId5"/>
+    <p:sldId id="257" r:id="rId6"/>
+    <p:sldId id="264" r:id="rId7"/>
+    <p:sldId id="258" r:id="rId8"/>
+    <p:sldId id="265" r:id="rId9"/>
+    <p:sldId id="259" r:id="rId10"/>
+    <p:sldId id="267" r:id="rId11"/>
+    <p:sldId id="260" r:id="rId12"/>
+    <p:sldId id="261" r:id="rId13"/>
   </p:sldIdLst>
   <p:sldSz cx="12192000" cy="6858000"/>
   <p:notesSz cx="6858000" cy="9144000"/>
@@ -315,7 +320,7 @@
             <a:fld id="{B61BEF0D-F0BB-DE4B-95CE-6DB70DBA9567}" type="datetimeFigureOut">
               <a:rPr lang="en-US" dirty="0"/>
               <a:pPr/>
-              <a:t>4/20/2020</a:t>
+              <a:t>4/21/2020</a:t>
             </a:fld>
             <a:endParaRPr lang="en-US" dirty="0"/>
           </a:p>
@@ -748,7 +753,7 @@
             <a:fld id="{B61BEF0D-F0BB-DE4B-95CE-6DB70DBA9567}" type="datetimeFigureOut">
               <a:rPr lang="en-US" dirty="0"/>
               <a:pPr/>
-              <a:t>4/20/2020</a:t>
+              <a:t>4/21/2020</a:t>
             </a:fld>
             <a:endParaRPr lang="en-US" dirty="0"/>
           </a:p>
@@ -997,7 +1002,7 @@
             <a:fld id="{B61BEF0D-F0BB-DE4B-95CE-6DB70DBA9567}" type="datetimeFigureOut">
               <a:rPr lang="en-US" dirty="0"/>
               <a:pPr/>
-              <a:t>4/20/2020</a:t>
+              <a:t>4/21/2020</a:t>
             </a:fld>
             <a:endParaRPr lang="en-US" dirty="0"/>
           </a:p>
@@ -1304,7 +1309,7 @@
             <a:fld id="{B61BEF0D-F0BB-DE4B-95CE-6DB70DBA9567}" type="datetimeFigureOut">
               <a:rPr lang="en-US" dirty="0"/>
               <a:pPr/>
-              <a:t>4/20/2020</a:t>
+              <a:t>4/21/2020</a:t>
             </a:fld>
             <a:endParaRPr lang="en-US" dirty="0"/>
           </a:p>
@@ -1621,7 +1626,7 @@
             <a:fld id="{B61BEF0D-F0BB-DE4B-95CE-6DB70DBA9567}" type="datetimeFigureOut">
               <a:rPr lang="en-US" dirty="0"/>
               <a:pPr/>
-              <a:t>4/20/2020</a:t>
+              <a:t>4/21/2020</a:t>
             </a:fld>
             <a:endParaRPr lang="en-US" dirty="0"/>
           </a:p>
@@ -1922,7 +1927,7 @@
             <a:fld id="{B61BEF0D-F0BB-DE4B-95CE-6DB70DBA9567}" type="datetimeFigureOut">
               <a:rPr lang="en-US" dirty="0"/>
               <a:pPr/>
-              <a:t>4/20/2020</a:t>
+              <a:t>4/21/2020</a:t>
             </a:fld>
             <a:endParaRPr lang="en-US" dirty="0"/>
           </a:p>
@@ -2288,7 +2293,7 @@
             <a:fld id="{B61BEF0D-F0BB-DE4B-95CE-6DB70DBA9567}" type="datetimeFigureOut">
               <a:rPr lang="en-US" dirty="0"/>
               <a:pPr/>
-              <a:t>4/20/2020</a:t>
+              <a:t>4/21/2020</a:t>
             </a:fld>
             <a:endParaRPr lang="en-US" dirty="0"/>
           </a:p>
@@ -2462,7 +2467,7 @@
             <a:fld id="{B61BEF0D-F0BB-DE4B-95CE-6DB70DBA9567}" type="datetimeFigureOut">
               <a:rPr lang="en-US" dirty="0"/>
               <a:pPr/>
-              <a:t>4/20/2020</a:t>
+              <a:t>4/21/2020</a:t>
             </a:fld>
             <a:endParaRPr lang="en-US" dirty="0"/>
           </a:p>
@@ -2642,7 +2647,7 @@
             <a:fld id="{B61BEF0D-F0BB-DE4B-95CE-6DB70DBA9567}" type="datetimeFigureOut">
               <a:rPr lang="en-US" dirty="0"/>
               <a:pPr/>
-              <a:t>4/20/2020</a:t>
+              <a:t>4/21/2020</a:t>
             </a:fld>
             <a:endParaRPr lang="en-US" dirty="0"/>
           </a:p>
@@ -2812,7 +2817,7 @@
             <a:fld id="{B61BEF0D-F0BB-DE4B-95CE-6DB70DBA9567}" type="datetimeFigureOut">
               <a:rPr lang="en-US" dirty="0"/>
               <a:pPr/>
-              <a:t>4/20/2020</a:t>
+              <a:t>4/21/2020</a:t>
             </a:fld>
             <a:endParaRPr lang="en-US" dirty="0"/>
           </a:p>
@@ -3061,7 +3066,7 @@
             <a:fld id="{B61BEF0D-F0BB-DE4B-95CE-6DB70DBA9567}" type="datetimeFigureOut">
               <a:rPr lang="en-US" dirty="0"/>
               <a:pPr/>
-              <a:t>4/20/2020</a:t>
+              <a:t>4/21/2020</a:t>
             </a:fld>
             <a:endParaRPr lang="en-US" dirty="0"/>
           </a:p>
@@ -3296,7 +3301,7 @@
             <a:fld id="{B61BEF0D-F0BB-DE4B-95CE-6DB70DBA9567}" type="datetimeFigureOut">
               <a:rPr lang="en-US" dirty="0"/>
               <a:pPr/>
-              <a:t>4/20/2020</a:t>
+              <a:t>4/21/2020</a:t>
             </a:fld>
             <a:endParaRPr lang="en-US" dirty="0"/>
           </a:p>
@@ -3677,7 +3682,7 @@
             <a:fld id="{B61BEF0D-F0BB-DE4B-95CE-6DB70DBA9567}" type="datetimeFigureOut">
               <a:rPr lang="en-US" dirty="0"/>
               <a:pPr/>
-              <a:t>4/20/2020</a:t>
+              <a:t>4/21/2020</a:t>
             </a:fld>
             <a:endParaRPr lang="en-US" dirty="0"/>
           </a:p>
@@ -3796,7 +3801,7 @@
             <a:fld id="{B61BEF0D-F0BB-DE4B-95CE-6DB70DBA9567}" type="datetimeFigureOut">
               <a:rPr lang="en-US" dirty="0"/>
               <a:pPr/>
-              <a:t>4/20/2020</a:t>
+              <a:t>4/21/2020</a:t>
             </a:fld>
             <a:endParaRPr lang="en-US" dirty="0"/>
           </a:p>
@@ -3893,7 +3898,7 @@
             <a:fld id="{B61BEF0D-F0BB-DE4B-95CE-6DB70DBA9567}" type="datetimeFigureOut">
               <a:rPr lang="en-US" dirty="0"/>
               <a:pPr/>
-              <a:t>4/20/2020</a:t>
+              <a:t>4/21/2020</a:t>
             </a:fld>
             <a:endParaRPr lang="en-US" dirty="0"/>
           </a:p>
@@ -4148,7 +4153,7 @@
             <a:fld id="{B61BEF0D-F0BB-DE4B-95CE-6DB70DBA9567}" type="datetimeFigureOut">
               <a:rPr lang="en-US" dirty="0"/>
               <a:pPr/>
-              <a:t>4/20/2020</a:t>
+              <a:t>4/21/2020</a:t>
             </a:fld>
             <a:endParaRPr lang="en-US" dirty="0"/>
           </a:p>
@@ -4428,7 +4433,7 @@
             <a:fld id="{B61BEF0D-F0BB-DE4B-95CE-6DB70DBA9567}" type="datetimeFigureOut">
               <a:rPr lang="en-US" dirty="0"/>
               <a:pPr/>
-              <a:t>4/20/2020</a:t>
+              <a:t>4/21/2020</a:t>
             </a:fld>
             <a:endParaRPr lang="en-US" dirty="0"/>
           </a:p>
@@ -4834,7 +4839,7 @@
             <a:fld id="{B61BEF0D-F0BB-DE4B-95CE-6DB70DBA9567}" type="datetimeFigureOut">
               <a:rPr lang="en-US" dirty="0"/>
               <a:pPr/>
-              <a:t>4/20/2020</a:t>
+              <a:t>4/21/2020</a:t>
             </a:fld>
             <a:endParaRPr lang="en-US" dirty="0"/>
           </a:p>
@@ -5338,6 +5343,32 @@
 <file path=ppt/slides/slide1.xml><?xml version="1.0" encoding="utf-8"?>
 <p:sld xmlns:a="http://schemas.openxmlformats.org/drawingml/2006/main" xmlns:r="http://schemas.openxmlformats.org/officeDocument/2006/relationships" xmlns:p="http://schemas.openxmlformats.org/presentationml/2006/main">
   <p:cSld>
+    <p:bg>
+      <p:bgPr>
+        <a:gradFill rotWithShape="1">
+          <a:gsLst>
+            <a:gs pos="10000">
+              <a:schemeClr val="bg1">
+                <a:tint val="97000"/>
+                <a:hueMod val="142000"/>
+                <a:satMod val="200000"/>
+                <a:lumMod val="118000"/>
+              </a:schemeClr>
+            </a:gs>
+            <a:gs pos="100000">
+              <a:schemeClr val="bg1">
+                <a:shade val="94000"/>
+                <a:hueMod val="22000"/>
+                <a:satMod val="220000"/>
+                <a:lumMod val="62000"/>
+              </a:schemeClr>
+            </a:gs>
+          </a:gsLst>
+          <a:lin ang="6120000" scaled="1"/>
+        </a:gradFill>
+        <a:effectLst/>
+      </p:bgPr>
+    </p:bg>
     <p:spTree>
       <p:nvGrpSpPr>
         <p:cNvPr id="1" name=""/>
@@ -5352,6 +5383,384 @@
           <a:chExt cx="0" cy="0"/>
         </a:xfrm>
       </p:grpSpPr>
+      <p:grpSp>
+        <p:nvGrpSpPr>
+          <p:cNvPr id="16" name="Group 15">
+            <a:extLst>
+              <a:ext uri="{FF2B5EF4-FFF2-40B4-BE49-F238E27FC236}">
+                <a16:creationId xmlns:a16="http://schemas.microsoft.com/office/drawing/2014/main" id="{DBBFBB23-9099-4EED-A21E-63DB81DD9BB5}"/>
+              </a:ext>
+              <a:ext uri="{C183D7F6-B498-43B3-948B-1728B52AA6E4}">
+                <adec:decorative xmlns:adec="http://schemas.microsoft.com/office/drawing/2017/decorative" val="1"/>
+              </a:ext>
+            </a:extLst>
+          </p:cNvPr>
+          <p:cNvGrpSpPr>
+            <a:grpSpLocks noGrp="1" noUngrp="1" noRot="1" noChangeAspect="1" noMove="1" noResize="1"/>
+          </p:cNvGrpSpPr>
+          <p:nvPr>
+            <p:extLst>
+              <p:ext uri="{386F3935-93C4-4BCD-93E2-E3B085C9AB24}">
+                <p16:designElem xmlns:p16="http://schemas.microsoft.com/office/powerpoint/2015/main" val="1"/>
+              </p:ext>
+            </p:extLst>
+          </p:nvPr>
+        </p:nvGrpSpPr>
+        <p:grpSpPr>
+          <a:xfrm>
+            <a:off x="9206969" y="2963333"/>
+            <a:ext cx="2981858" cy="3208867"/>
+            <a:chOff x="9206969" y="2963333"/>
+            <a:chExt cx="2981858" cy="3208867"/>
+          </a:xfrm>
+        </p:grpSpPr>
+        <p:cxnSp>
+          <p:nvCxnSpPr>
+            <p:cNvPr id="17" name="Straight Connector 16">
+              <a:extLst>
+                <a:ext uri="{FF2B5EF4-FFF2-40B4-BE49-F238E27FC236}">
+                  <a16:creationId xmlns:a16="http://schemas.microsoft.com/office/drawing/2014/main" id="{E0176E0E-9EAC-418B-9F10-1C3B7C87680A}"/>
+                </a:ext>
+                <a:ext uri="{C183D7F6-B498-43B3-948B-1728B52AA6E4}">
+                  <adec:decorative xmlns:adec="http://schemas.microsoft.com/office/drawing/2017/decorative" val="1"/>
+                </a:ext>
+              </a:extLst>
+            </p:cNvPr>
+            <p:cNvCxnSpPr/>
+            <p:nvPr>
+              <p:extLst>
+                <p:ext uri="{386F3935-93C4-4BCD-93E2-E3B085C9AB24}">
+                  <p16:designElem xmlns:p16="http://schemas.microsoft.com/office/powerpoint/2015/main" val="1"/>
+                </p:ext>
+              </p:extLst>
+            </p:nvPr>
+          </p:nvCxnSpPr>
+          <p:spPr>
+            <a:xfrm flipH="1">
+              <a:off x="11276012" y="2963333"/>
+              <a:ext cx="912814" cy="912812"/>
+            </a:xfrm>
+            <a:prstGeom prst="line">
+              <a:avLst/>
+            </a:prstGeom>
+            <a:ln w="9525">
+              <a:solidFill>
+                <a:schemeClr val="tx1"/>
+              </a:solidFill>
+            </a:ln>
+          </p:spPr>
+          <p:style>
+            <a:lnRef idx="2">
+              <a:schemeClr val="accent1"/>
+            </a:lnRef>
+            <a:fillRef idx="0">
+              <a:schemeClr val="accent1"/>
+            </a:fillRef>
+            <a:effectRef idx="1">
+              <a:schemeClr val="accent1"/>
+            </a:effectRef>
+            <a:fontRef idx="minor">
+              <a:schemeClr val="tx1"/>
+            </a:fontRef>
+          </p:style>
+        </p:cxnSp>
+        <p:cxnSp>
+          <p:nvCxnSpPr>
+            <p:cNvPr id="18" name="Straight Connector 17">
+              <a:extLst>
+                <a:ext uri="{FF2B5EF4-FFF2-40B4-BE49-F238E27FC236}">
+                  <a16:creationId xmlns:a16="http://schemas.microsoft.com/office/drawing/2014/main" id="{7E6232F6-EAAE-46E6-A5FA-8825F3ED4D9E}"/>
+                </a:ext>
+                <a:ext uri="{C183D7F6-B498-43B3-948B-1728B52AA6E4}">
+                  <adec:decorative xmlns:adec="http://schemas.microsoft.com/office/drawing/2017/decorative" val="1"/>
+                </a:ext>
+              </a:extLst>
+            </p:cNvPr>
+            <p:cNvCxnSpPr/>
+            <p:nvPr>
+              <p:extLst>
+                <p:ext uri="{386F3935-93C4-4BCD-93E2-E3B085C9AB24}">
+                  <p16:designElem xmlns:p16="http://schemas.microsoft.com/office/powerpoint/2015/main" val="1"/>
+                </p:ext>
+              </p:extLst>
+            </p:nvPr>
+          </p:nvCxnSpPr>
+          <p:spPr>
+            <a:xfrm flipH="1">
+              <a:off x="9206969" y="3190344"/>
+              <a:ext cx="2981857" cy="2981856"/>
+            </a:xfrm>
+            <a:prstGeom prst="line">
+              <a:avLst/>
+            </a:prstGeom>
+            <a:ln w="9525">
+              <a:solidFill>
+                <a:schemeClr val="tx1"/>
+              </a:solidFill>
+            </a:ln>
+          </p:spPr>
+          <p:style>
+            <a:lnRef idx="2">
+              <a:schemeClr val="accent1"/>
+            </a:lnRef>
+            <a:fillRef idx="0">
+              <a:schemeClr val="accent1"/>
+            </a:fillRef>
+            <a:effectRef idx="1">
+              <a:schemeClr val="accent1"/>
+            </a:effectRef>
+            <a:fontRef idx="minor">
+              <a:schemeClr val="tx1"/>
+            </a:fontRef>
+          </p:style>
+        </p:cxnSp>
+        <p:cxnSp>
+          <p:nvCxnSpPr>
+            <p:cNvPr id="19" name="Straight Connector 18">
+              <a:extLst>
+                <a:ext uri="{FF2B5EF4-FFF2-40B4-BE49-F238E27FC236}">
+                  <a16:creationId xmlns:a16="http://schemas.microsoft.com/office/drawing/2014/main" id="{C5D6ECA4-641F-488A-A1F4-48097D57C9E0}"/>
+                </a:ext>
+                <a:ext uri="{C183D7F6-B498-43B3-948B-1728B52AA6E4}">
+                  <adec:decorative xmlns:adec="http://schemas.microsoft.com/office/drawing/2017/decorative" val="1"/>
+                </a:ext>
+              </a:extLst>
+            </p:cNvPr>
+            <p:cNvCxnSpPr/>
+            <p:nvPr>
+              <p:extLst>
+                <p:ext uri="{386F3935-93C4-4BCD-93E2-E3B085C9AB24}">
+                  <p16:designElem xmlns:p16="http://schemas.microsoft.com/office/powerpoint/2015/main" val="1"/>
+                </p:ext>
+              </p:extLst>
+            </p:nvPr>
+          </p:nvCxnSpPr>
+          <p:spPr>
+            <a:xfrm flipH="1">
+              <a:off x="10292292" y="3285067"/>
+              <a:ext cx="1896534" cy="1896533"/>
+            </a:xfrm>
+            <a:prstGeom prst="line">
+              <a:avLst/>
+            </a:prstGeom>
+            <a:ln w="9525">
+              <a:solidFill>
+                <a:schemeClr val="tx1"/>
+              </a:solidFill>
+            </a:ln>
+          </p:spPr>
+          <p:style>
+            <a:lnRef idx="2">
+              <a:schemeClr val="accent1"/>
+            </a:lnRef>
+            <a:fillRef idx="0">
+              <a:schemeClr val="accent1"/>
+            </a:fillRef>
+            <a:effectRef idx="1">
+              <a:schemeClr val="accent1"/>
+            </a:effectRef>
+            <a:fontRef idx="minor">
+              <a:schemeClr val="tx1"/>
+            </a:fontRef>
+          </p:style>
+        </p:cxnSp>
+        <p:cxnSp>
+          <p:nvCxnSpPr>
+            <p:cNvPr id="20" name="Straight Connector 19">
+              <a:extLst>
+                <a:ext uri="{FF2B5EF4-FFF2-40B4-BE49-F238E27FC236}">
+                  <a16:creationId xmlns:a16="http://schemas.microsoft.com/office/drawing/2014/main" id="{01CE0BF8-C15D-48B8-96DA-91479180BB1E}"/>
+                </a:ext>
+                <a:ext uri="{C183D7F6-B498-43B3-948B-1728B52AA6E4}">
+                  <adec:decorative xmlns:adec="http://schemas.microsoft.com/office/drawing/2017/decorative" val="1"/>
+                </a:ext>
+              </a:extLst>
+            </p:cNvPr>
+            <p:cNvCxnSpPr/>
+            <p:nvPr>
+              <p:extLst>
+                <p:ext uri="{386F3935-93C4-4BCD-93E2-E3B085C9AB24}">
+                  <p16:designElem xmlns:p16="http://schemas.microsoft.com/office/powerpoint/2015/main" val="1"/>
+                </p:ext>
+              </p:extLst>
+            </p:nvPr>
+          </p:nvCxnSpPr>
+          <p:spPr>
+            <a:xfrm flipH="1">
+              <a:off x="10443103" y="3131080"/>
+              <a:ext cx="1745722" cy="1745720"/>
+            </a:xfrm>
+            <a:prstGeom prst="line">
+              <a:avLst/>
+            </a:prstGeom>
+            <a:ln w="28575">
+              <a:solidFill>
+                <a:schemeClr val="tx1"/>
+              </a:solidFill>
+            </a:ln>
+          </p:spPr>
+          <p:style>
+            <a:lnRef idx="2">
+              <a:schemeClr val="accent1"/>
+            </a:lnRef>
+            <a:fillRef idx="0">
+              <a:schemeClr val="accent1"/>
+            </a:fillRef>
+            <a:effectRef idx="1">
+              <a:schemeClr val="accent1"/>
+            </a:effectRef>
+            <a:fontRef idx="minor">
+              <a:schemeClr val="tx1"/>
+            </a:fontRef>
+          </p:style>
+        </p:cxnSp>
+        <p:cxnSp>
+          <p:nvCxnSpPr>
+            <p:cNvPr id="21" name="Straight Connector 20">
+              <a:extLst>
+                <a:ext uri="{FF2B5EF4-FFF2-40B4-BE49-F238E27FC236}">
+                  <a16:creationId xmlns:a16="http://schemas.microsoft.com/office/drawing/2014/main" id="{97DC08EB-EFDD-4CAC-89C9-140A44D641A6}"/>
+                </a:ext>
+                <a:ext uri="{C183D7F6-B498-43B3-948B-1728B52AA6E4}">
+                  <adec:decorative xmlns:adec="http://schemas.microsoft.com/office/drawing/2017/decorative" val="1"/>
+                </a:ext>
+              </a:extLst>
+            </p:cNvPr>
+            <p:cNvCxnSpPr/>
+            <p:nvPr>
+              <p:extLst>
+                <p:ext uri="{386F3935-93C4-4BCD-93E2-E3B085C9AB24}">
+                  <p16:designElem xmlns:p16="http://schemas.microsoft.com/office/powerpoint/2015/main" val="1"/>
+                </p:ext>
+              </p:extLst>
+            </p:nvPr>
+          </p:nvCxnSpPr>
+          <p:spPr>
+            <a:xfrm flipH="1">
+              <a:off x="10918826" y="3683001"/>
+              <a:ext cx="1270001" cy="1269999"/>
+            </a:xfrm>
+            <a:prstGeom prst="line">
+              <a:avLst/>
+            </a:prstGeom>
+            <a:ln w="28575">
+              <a:solidFill>
+                <a:schemeClr val="tx1"/>
+              </a:solidFill>
+            </a:ln>
+          </p:spPr>
+          <p:style>
+            <a:lnRef idx="2">
+              <a:schemeClr val="accent1"/>
+            </a:lnRef>
+            <a:fillRef idx="0">
+              <a:schemeClr val="accent1"/>
+            </a:fillRef>
+            <a:effectRef idx="1">
+              <a:schemeClr val="accent1"/>
+            </a:effectRef>
+            <a:fontRef idx="minor">
+              <a:schemeClr val="tx1"/>
+            </a:fontRef>
+          </p:style>
+        </p:cxnSp>
+      </p:grpSp>
+      <p:sp useBgFill="1">
+        <p:nvSpPr>
+          <p:cNvPr id="23" name="Rectangle 22">
+            <a:extLst>
+              <a:ext uri="{FF2B5EF4-FFF2-40B4-BE49-F238E27FC236}">
+                <a16:creationId xmlns:a16="http://schemas.microsoft.com/office/drawing/2014/main" id="{064A9068-5E56-45C7-94DF-51D98A4DCACA}"/>
+              </a:ext>
+              <a:ext uri="{C183D7F6-B498-43B3-948B-1728B52AA6E4}">
+                <adec:decorative xmlns:adec="http://schemas.microsoft.com/office/drawing/2017/decorative" val="1"/>
+              </a:ext>
+            </a:extLst>
+          </p:cNvPr>
+          <p:cNvSpPr>
+            <a:spLocks noGrp="1" noRot="1" noChangeAspect="1" noMove="1" noResize="1" noEditPoints="1" noAdjustHandles="1" noChangeArrowheads="1" noChangeShapeType="1" noTextEdit="1"/>
+          </p:cNvSpPr>
+          <p:nvPr>
+            <p:extLst>
+              <p:ext uri="{386F3935-93C4-4BCD-93E2-E3B085C9AB24}">
+                <p16:designElem xmlns:p16="http://schemas.microsoft.com/office/powerpoint/2015/main" val="1"/>
+              </p:ext>
+            </p:extLst>
+          </p:nvPr>
+        </p:nvSpPr>
+        <p:spPr>
+          <a:xfrm>
+            <a:off x="-3175" y="0"/>
+            <a:ext cx="12192000" cy="6858000"/>
+          </a:xfrm>
+          <a:prstGeom prst="rect">
+            <a:avLst/>
+          </a:prstGeom>
+          <a:ln>
+            <a:noFill/>
+          </a:ln>
+        </p:spPr>
+        <p:style>
+          <a:lnRef idx="2">
+            <a:schemeClr val="accent1">
+              <a:shade val="50000"/>
+            </a:schemeClr>
+          </a:lnRef>
+          <a:fillRef idx="1">
+            <a:schemeClr val="accent1"/>
+          </a:fillRef>
+          <a:effectRef idx="0">
+            <a:schemeClr val="accent1"/>
+          </a:effectRef>
+          <a:fontRef idx="minor">
+            <a:schemeClr val="lt1"/>
+          </a:fontRef>
+        </p:style>
+        <p:txBody>
+          <a:bodyPr rtlCol="0" anchor="ctr"/>
+          <a:lstStyle/>
+          <a:p>
+            <a:pPr algn="ctr"/>
+            <a:endParaRPr lang="en-US"/>
+          </a:p>
+        </p:txBody>
+      </p:sp>
+      <p:pic>
+        <p:nvPicPr>
+          <p:cNvPr id="11" name="Picture 10">
+            <a:extLst>
+              <a:ext uri="{FF2B5EF4-FFF2-40B4-BE49-F238E27FC236}">
+                <a16:creationId xmlns:a16="http://schemas.microsoft.com/office/drawing/2014/main" id="{40C1F631-533B-4B38-AE39-AB1296286272}"/>
+              </a:ext>
+            </a:extLst>
+          </p:cNvPr>
+          <p:cNvPicPr>
+            <a:picLocks noChangeAspect="1"/>
+          </p:cNvPicPr>
+          <p:nvPr/>
+        </p:nvPicPr>
+        <p:blipFill rotWithShape="1">
+          <a:blip r:embed="rId2" cstate="print">
+            <a:alphaModFix amt="25000"/>
+            <a:extLst>
+              <a:ext uri="{28A0092B-C50C-407E-A947-70E740481C1C}">
+                <a14:useLocalDpi xmlns:a14="http://schemas.microsoft.com/office/drawing/2010/main" val="0"/>
+              </a:ext>
+            </a:extLst>
+          </a:blip>
+          <a:srcRect/>
+          <a:stretch/>
+        </p:blipFill>
+        <p:spPr>
+          <a:xfrm>
+            <a:off x="0" y="0"/>
+            <a:ext cx="12192000" cy="6858000"/>
+          </a:xfrm>
+          <a:prstGeom prst="rect">
+            <a:avLst/>
+          </a:prstGeom>
+        </p:spPr>
+      </p:pic>
       <p:sp>
         <p:nvSpPr>
           <p:cNvPr id="2" name="Title 1"/>
@@ -5362,84 +5771,520 @@
             <p:ph type="ctrTitle"/>
           </p:nvPr>
         </p:nvSpPr>
-        <p:spPr/>
-        <p:txBody>
-          <a:bodyPr/>
+        <p:spPr>
+          <a:xfrm>
+            <a:off x="212813" y="74359"/>
+            <a:ext cx="4512534" cy="1507067"/>
+          </a:xfrm>
+        </p:spPr>
+        <p:txBody>
+          <a:bodyPr vert="horz" lIns="91440" tIns="45720" rIns="91440" bIns="45720" rtlCol="0" anchor="ctr">
+            <a:noAutofit/>
+          </a:bodyPr>
           <a:lstStyle/>
           <a:p>
             <a:r>
-              <a:rPr lang="en-US" err="1">
-                <a:cs typeface="Calibri Light"/>
+              <a:rPr lang="en-US" sz="6600" u="sng" dirty="0">
+                <a:latin typeface="Copperplate Gothic Bold" panose="020E0705020206020404" pitchFamily="34" charset="0"/>
               </a:rPr>
-              <a:t>O</a:t>
-            </a:r>
-            <a:r>
-              <a:rPr lang="en-US" cap="none" err="1">
-                <a:cs typeface="Calibri Light"/>
-              </a:rPr>
-              <a:t>pen</a:t>
-            </a:r>
-            <a:r>
-              <a:rPr lang="en-US" err="1">
-                <a:cs typeface="Calibri Light"/>
+              <a:t>Open</a:t>
+            </a:r>
+            <a:r>
+              <a:rPr lang="en-US" sz="8000" u="sng" dirty="0">
+                <a:latin typeface="Copperplate Gothic Bold" panose="020E0705020206020404" pitchFamily="34" charset="0"/>
               </a:rPr>
               <a:t>Z</a:t>
             </a:r>
-            <a:endParaRPr lang="en-US" err="1"/>
-          </a:p>
-        </p:txBody>
-      </p:sp>
-      <p:sp>
-        <p:nvSpPr>
-          <p:cNvPr id="3" name="Subtitle 2"/>
-          <p:cNvSpPr>
-            <a:spLocks noGrp="1"/>
-          </p:cNvSpPr>
-          <p:nvPr>
-            <p:ph type="subTitle" idx="1"/>
-          </p:nvPr>
-        </p:nvSpPr>
-        <p:spPr/>
-        <p:txBody>
-          <a:bodyPr vert="horz" lIns="91440" tIns="45720" rIns="91440" bIns="45720" rtlCol="0" anchor="t">
+          </a:p>
+        </p:txBody>
+      </p:sp>
+      <p:sp>
+        <p:nvSpPr>
+          <p:cNvPr id="5" name="TextBox 4">
+            <a:extLst>
+              <a:ext uri="{FF2B5EF4-FFF2-40B4-BE49-F238E27FC236}">
+                <a16:creationId xmlns:a16="http://schemas.microsoft.com/office/drawing/2014/main" id="{8734BDD5-62D8-409E-9692-9E8FC5326D65}"/>
+              </a:ext>
+            </a:extLst>
+          </p:cNvPr>
+          <p:cNvSpPr txBox="1"/>
+          <p:nvPr/>
+        </p:nvSpPr>
+        <p:spPr>
+          <a:xfrm>
+            <a:off x="617631" y="1816928"/>
+            <a:ext cx="2723490" cy="2840566"/>
+          </a:xfrm>
+          <a:prstGeom prst="rect">
+            <a:avLst/>
+          </a:prstGeom>
+        </p:spPr>
+        <p:txBody>
+          <a:bodyPr vert="horz" lIns="91440" tIns="45720" rIns="91440" bIns="45720" rtlCol="0" anchor="ctr">
             <a:normAutofit/>
           </a:bodyPr>
           <a:lstStyle/>
           <a:p>
-            <a:r>
-              <a:rPr lang="en-US" err="1">
-                <a:cs typeface="Calibri"/>
+            <a:pPr defTabSz="457200">
+              <a:spcBef>
+                <a:spcPct val="20000"/>
+              </a:spcBef>
+              <a:spcAft>
+                <a:spcPts val="600"/>
+              </a:spcAft>
+              <a:buClr>
+                <a:schemeClr val="tx1"/>
+              </a:buClr>
+              <a:buSzPct val="80000"/>
+            </a:pPr>
+            <a:r>
+              <a:rPr lang="en-US" dirty="0"/>
+              <a:t>Team Members:</a:t>
+            </a:r>
+          </a:p>
+          <a:p>
+            <a:pPr marL="285750" indent="-285750" defTabSz="457200">
+              <a:spcBef>
+                <a:spcPct val="20000"/>
+              </a:spcBef>
+              <a:spcAft>
+                <a:spcPts val="600"/>
+              </a:spcAft>
+              <a:buClr>
+                <a:schemeClr val="tx1"/>
+              </a:buClr>
+              <a:buSzPct val="80000"/>
+              <a:buFont typeface="Arial" panose="020B0604020202020204" pitchFamily="34" charset="0"/>
+              <a:buChar char="•"/>
+            </a:pPr>
+            <a:r>
+              <a:rPr lang="en-US" dirty="0"/>
+              <a:t>Alyssa Abram</a:t>
+            </a:r>
+          </a:p>
+          <a:p>
+            <a:pPr marL="285750" indent="-285750" defTabSz="457200">
+              <a:spcBef>
+                <a:spcPct val="20000"/>
+              </a:spcBef>
+              <a:spcAft>
+                <a:spcPts val="600"/>
+              </a:spcAft>
+              <a:buClr>
+                <a:schemeClr val="tx1"/>
+              </a:buClr>
+              <a:buSzPct val="80000"/>
+              <a:buFont typeface="Arial" panose="020B0604020202020204" pitchFamily="34" charset="0"/>
+              <a:buChar char="•"/>
+            </a:pPr>
+            <a:r>
+              <a:rPr lang="en-US" dirty="0"/>
+              <a:t>Joshua Bonner</a:t>
+            </a:r>
+          </a:p>
+          <a:p>
+            <a:pPr marL="285750" indent="-285750" defTabSz="457200">
+              <a:spcBef>
+                <a:spcPct val="20000"/>
+              </a:spcBef>
+              <a:spcAft>
+                <a:spcPts val="600"/>
+              </a:spcAft>
+              <a:buClr>
+                <a:schemeClr val="tx1"/>
+              </a:buClr>
+              <a:buSzPct val="80000"/>
+              <a:buFont typeface="Arial" panose="020B0604020202020204" pitchFamily="34" charset="0"/>
+              <a:buChar char="•"/>
+            </a:pPr>
+            <a:r>
+              <a:rPr lang="en-US" dirty="0"/>
+              <a:t>Richard Bowers</a:t>
+            </a:r>
+          </a:p>
+          <a:p>
+            <a:pPr marL="285750" indent="-285750" defTabSz="457200">
+              <a:spcBef>
+                <a:spcPct val="20000"/>
+              </a:spcBef>
+              <a:spcAft>
+                <a:spcPts val="600"/>
+              </a:spcAft>
+              <a:buClr>
+                <a:schemeClr val="tx1"/>
+              </a:buClr>
+              <a:buSzPct val="80000"/>
+              <a:buFont typeface="Arial" panose="020B0604020202020204" pitchFamily="34" charset="0"/>
+              <a:buChar char="•"/>
+            </a:pPr>
+            <a:r>
+              <a:rPr lang="en-US" dirty="0"/>
+              <a:t>Jonathan Edsell</a:t>
+            </a:r>
+          </a:p>
+          <a:p>
+            <a:pPr marL="285750" indent="-285750" defTabSz="457200">
+              <a:spcBef>
+                <a:spcPct val="20000"/>
+              </a:spcBef>
+              <a:spcAft>
+                <a:spcPts val="600"/>
+              </a:spcAft>
+              <a:buClr>
+                <a:schemeClr val="tx1"/>
+              </a:buClr>
+              <a:buSzPct val="80000"/>
+              <a:buFont typeface="Arial" panose="020B0604020202020204" pitchFamily="34" charset="0"/>
+              <a:buChar char="•"/>
+            </a:pPr>
+            <a:r>
+              <a:rPr lang="en-US" dirty="0"/>
+              <a:t>Jacob Gallucci</a:t>
+            </a:r>
+          </a:p>
+          <a:p>
+            <a:pPr marL="285750" indent="-285750" defTabSz="457200">
+              <a:spcBef>
+                <a:spcPct val="20000"/>
+              </a:spcBef>
+              <a:spcAft>
+                <a:spcPts val="600"/>
+              </a:spcAft>
+              <a:buClr>
+                <a:schemeClr val="tx1"/>
+              </a:buClr>
+              <a:buSzPct val="80000"/>
+              <a:buFont typeface="Arial" panose="020B0604020202020204" pitchFamily="34" charset="0"/>
+              <a:buChar char="•"/>
+            </a:pPr>
+            <a:r>
+              <a:rPr lang="en-US" dirty="0"/>
+              <a:t>Ariel Rupp</a:t>
+            </a:r>
+          </a:p>
+        </p:txBody>
+      </p:sp>
+      <p:grpSp>
+        <p:nvGrpSpPr>
+          <p:cNvPr id="25" name="Group 24">
+            <a:extLst>
+              <a:ext uri="{FF2B5EF4-FFF2-40B4-BE49-F238E27FC236}">
+                <a16:creationId xmlns:a16="http://schemas.microsoft.com/office/drawing/2014/main" id="{4C426A88-3DF8-4B68-B9A2-D4FA08743EC0}"/>
+              </a:ext>
+              <a:ext uri="{C183D7F6-B498-43B3-948B-1728B52AA6E4}">
+                <adec:decorative xmlns:adec="http://schemas.microsoft.com/office/drawing/2017/decorative" val="1"/>
+              </a:ext>
+            </a:extLst>
+          </p:cNvPr>
+          <p:cNvGrpSpPr>
+            <a:grpSpLocks noGrp="1" noUngrp="1" noRot="1" noChangeAspect="1" noMove="1" noResize="1"/>
+          </p:cNvGrpSpPr>
+          <p:nvPr>
+            <p:extLst>
+              <p:ext uri="{386F3935-93C4-4BCD-93E2-E3B085C9AB24}">
+                <p16:designElem xmlns:p16="http://schemas.microsoft.com/office/powerpoint/2015/main" val="1"/>
+              </p:ext>
+            </p:extLst>
+          </p:nvPr>
+        </p:nvGrpSpPr>
+        <p:grpSpPr>
+          <a:xfrm>
+            <a:off x="9206969" y="2963333"/>
+            <a:ext cx="2981858" cy="3208867"/>
+            <a:chOff x="9206969" y="2963333"/>
+            <a:chExt cx="2981858" cy="3208867"/>
+          </a:xfrm>
+        </p:grpSpPr>
+        <p:cxnSp>
+          <p:nvCxnSpPr>
+            <p:cNvPr id="26" name="Straight Connector 25">
+              <a:extLst>
+                <a:ext uri="{FF2B5EF4-FFF2-40B4-BE49-F238E27FC236}">
+                  <a16:creationId xmlns:a16="http://schemas.microsoft.com/office/drawing/2014/main" id="{2D005652-BE5E-4AC3-AFB0-834E39F92777}"/>
+                </a:ext>
+                <a:ext uri="{C183D7F6-B498-43B3-948B-1728B52AA6E4}">
+                  <adec:decorative xmlns:adec="http://schemas.microsoft.com/office/drawing/2017/decorative" val="1"/>
+                </a:ext>
+              </a:extLst>
+            </p:cNvPr>
+            <p:cNvCxnSpPr/>
+            <p:nvPr>
+              <p:extLst>
+                <p:ext uri="{386F3935-93C4-4BCD-93E2-E3B085C9AB24}">
+                  <p16:designElem xmlns:p16="http://schemas.microsoft.com/office/powerpoint/2015/main" val="1"/>
+                </p:ext>
+              </p:extLst>
+            </p:nvPr>
+          </p:nvCxnSpPr>
+          <p:spPr>
+            <a:xfrm flipH="1">
+              <a:off x="11276012" y="2963333"/>
+              <a:ext cx="912814" cy="912812"/>
+            </a:xfrm>
+            <a:prstGeom prst="line">
+              <a:avLst/>
+            </a:prstGeom>
+            <a:ln w="9525">
+              <a:solidFill>
+                <a:schemeClr val="tx1"/>
+              </a:solidFill>
+            </a:ln>
+          </p:spPr>
+          <p:style>
+            <a:lnRef idx="2">
+              <a:schemeClr val="accent1"/>
+            </a:lnRef>
+            <a:fillRef idx="0">
+              <a:schemeClr val="accent1"/>
+            </a:fillRef>
+            <a:effectRef idx="1">
+              <a:schemeClr val="accent1"/>
+            </a:effectRef>
+            <a:fontRef idx="minor">
+              <a:schemeClr val="tx1"/>
+            </a:fontRef>
+          </p:style>
+        </p:cxnSp>
+        <p:cxnSp>
+          <p:nvCxnSpPr>
+            <p:cNvPr id="27" name="Straight Connector 26">
+              <a:extLst>
+                <a:ext uri="{FF2B5EF4-FFF2-40B4-BE49-F238E27FC236}">
+                  <a16:creationId xmlns:a16="http://schemas.microsoft.com/office/drawing/2014/main" id="{6D705EB3-FA30-4D1D-B165-4B325947D295}"/>
+                </a:ext>
+                <a:ext uri="{C183D7F6-B498-43B3-948B-1728B52AA6E4}">
+                  <adec:decorative xmlns:adec="http://schemas.microsoft.com/office/drawing/2017/decorative" val="1"/>
+                </a:ext>
+              </a:extLst>
+            </p:cNvPr>
+            <p:cNvCxnSpPr/>
+            <p:nvPr>
+              <p:extLst>
+                <p:ext uri="{386F3935-93C4-4BCD-93E2-E3B085C9AB24}">
+                  <p16:designElem xmlns:p16="http://schemas.microsoft.com/office/powerpoint/2015/main" val="1"/>
+                </p:ext>
+              </p:extLst>
+            </p:nvPr>
+          </p:nvCxnSpPr>
+          <p:spPr>
+            <a:xfrm flipH="1">
+              <a:off x="9206969" y="3190344"/>
+              <a:ext cx="2981857" cy="2981856"/>
+            </a:xfrm>
+            <a:prstGeom prst="line">
+              <a:avLst/>
+            </a:prstGeom>
+            <a:ln w="9525">
+              <a:solidFill>
+                <a:schemeClr val="tx1"/>
+              </a:solidFill>
+            </a:ln>
+          </p:spPr>
+          <p:style>
+            <a:lnRef idx="2">
+              <a:schemeClr val="accent1"/>
+            </a:lnRef>
+            <a:fillRef idx="0">
+              <a:schemeClr val="accent1"/>
+            </a:fillRef>
+            <a:effectRef idx="1">
+              <a:schemeClr val="accent1"/>
+            </a:effectRef>
+            <a:fontRef idx="minor">
+              <a:schemeClr val="tx1"/>
+            </a:fontRef>
+          </p:style>
+        </p:cxnSp>
+        <p:cxnSp>
+          <p:nvCxnSpPr>
+            <p:cNvPr id="28" name="Straight Connector 27">
+              <a:extLst>
+                <a:ext uri="{FF2B5EF4-FFF2-40B4-BE49-F238E27FC236}">
+                  <a16:creationId xmlns:a16="http://schemas.microsoft.com/office/drawing/2014/main" id="{BE3C0096-1670-4A0F-AB22-9CD678ACE5CE}"/>
+                </a:ext>
+                <a:ext uri="{C183D7F6-B498-43B3-948B-1728B52AA6E4}">
+                  <adec:decorative xmlns:adec="http://schemas.microsoft.com/office/drawing/2017/decorative" val="1"/>
+                </a:ext>
+              </a:extLst>
+            </p:cNvPr>
+            <p:cNvCxnSpPr/>
+            <p:nvPr>
+              <p:extLst>
+                <p:ext uri="{386F3935-93C4-4BCD-93E2-E3B085C9AB24}">
+                  <p16:designElem xmlns:p16="http://schemas.microsoft.com/office/powerpoint/2015/main" val="1"/>
+                </p:ext>
+              </p:extLst>
+            </p:nvPr>
+          </p:nvCxnSpPr>
+          <p:spPr>
+            <a:xfrm flipH="1">
+              <a:off x="10292292" y="3285067"/>
+              <a:ext cx="1896534" cy="1896533"/>
+            </a:xfrm>
+            <a:prstGeom prst="line">
+              <a:avLst/>
+            </a:prstGeom>
+            <a:ln w="9525">
+              <a:solidFill>
+                <a:schemeClr val="tx1"/>
+              </a:solidFill>
+            </a:ln>
+          </p:spPr>
+          <p:style>
+            <a:lnRef idx="2">
+              <a:schemeClr val="accent1"/>
+            </a:lnRef>
+            <a:fillRef idx="0">
+              <a:schemeClr val="accent1"/>
+            </a:fillRef>
+            <a:effectRef idx="1">
+              <a:schemeClr val="accent1"/>
+            </a:effectRef>
+            <a:fontRef idx="minor">
+              <a:schemeClr val="tx1"/>
+            </a:fontRef>
+          </p:style>
+        </p:cxnSp>
+        <p:cxnSp>
+          <p:nvCxnSpPr>
+            <p:cNvPr id="29" name="Straight Connector 28">
+              <a:extLst>
+                <a:ext uri="{FF2B5EF4-FFF2-40B4-BE49-F238E27FC236}">
+                  <a16:creationId xmlns:a16="http://schemas.microsoft.com/office/drawing/2014/main" id="{1A046895-62AF-4642-A877-93275E23474F}"/>
+                </a:ext>
+                <a:ext uri="{C183D7F6-B498-43B3-948B-1728B52AA6E4}">
+                  <adec:decorative xmlns:adec="http://schemas.microsoft.com/office/drawing/2017/decorative" val="1"/>
+                </a:ext>
+              </a:extLst>
+            </p:cNvPr>
+            <p:cNvCxnSpPr/>
+            <p:nvPr>
+              <p:extLst>
+                <p:ext uri="{386F3935-93C4-4BCD-93E2-E3B085C9AB24}">
+                  <p16:designElem xmlns:p16="http://schemas.microsoft.com/office/powerpoint/2015/main" val="1"/>
+                </p:ext>
+              </p:extLst>
+            </p:nvPr>
+          </p:nvCxnSpPr>
+          <p:spPr>
+            <a:xfrm flipH="1">
+              <a:off x="10443103" y="3131080"/>
+              <a:ext cx="1745722" cy="1745720"/>
+            </a:xfrm>
+            <a:prstGeom prst="line">
+              <a:avLst/>
+            </a:prstGeom>
+            <a:ln w="28575">
+              <a:solidFill>
+                <a:schemeClr val="tx1"/>
+              </a:solidFill>
+            </a:ln>
+          </p:spPr>
+          <p:style>
+            <a:lnRef idx="2">
+              <a:schemeClr val="accent1"/>
+            </a:lnRef>
+            <a:fillRef idx="0">
+              <a:schemeClr val="accent1"/>
+            </a:fillRef>
+            <a:effectRef idx="1">
+              <a:schemeClr val="accent1"/>
+            </a:effectRef>
+            <a:fontRef idx="minor">
+              <a:schemeClr val="tx1"/>
+            </a:fontRef>
+          </p:style>
+        </p:cxnSp>
+        <p:cxnSp>
+          <p:nvCxnSpPr>
+            <p:cNvPr id="30" name="Straight Connector 29">
+              <a:extLst>
+                <a:ext uri="{FF2B5EF4-FFF2-40B4-BE49-F238E27FC236}">
+                  <a16:creationId xmlns:a16="http://schemas.microsoft.com/office/drawing/2014/main" id="{27E26277-C888-43BE-AA5D-6608EFEE198B}"/>
+                </a:ext>
+                <a:ext uri="{C183D7F6-B498-43B3-948B-1728B52AA6E4}">
+                  <adec:decorative xmlns:adec="http://schemas.microsoft.com/office/drawing/2017/decorative" val="1"/>
+                </a:ext>
+              </a:extLst>
+            </p:cNvPr>
+            <p:cNvCxnSpPr/>
+            <p:nvPr>
+              <p:extLst>
+                <p:ext uri="{386F3935-93C4-4BCD-93E2-E3B085C9AB24}">
+                  <p16:designElem xmlns:p16="http://schemas.microsoft.com/office/powerpoint/2015/main" val="1"/>
+                </p:ext>
+              </p:extLst>
+            </p:nvPr>
+          </p:nvCxnSpPr>
+          <p:spPr>
+            <a:xfrm flipH="1">
+              <a:off x="10918826" y="3683001"/>
+              <a:ext cx="1270001" cy="1269999"/>
+            </a:xfrm>
+            <a:prstGeom prst="line">
+              <a:avLst/>
+            </a:prstGeom>
+            <a:ln w="28575">
+              <a:solidFill>
+                <a:schemeClr val="tx1"/>
+              </a:solidFill>
+            </a:ln>
+          </p:spPr>
+          <p:style>
+            <a:lnRef idx="2">
+              <a:schemeClr val="accent1"/>
+            </a:lnRef>
+            <a:fillRef idx="0">
+              <a:schemeClr val="accent1"/>
+            </a:fillRef>
+            <a:effectRef idx="1">
+              <a:schemeClr val="accent1"/>
+            </a:effectRef>
+            <a:fontRef idx="minor">
+              <a:schemeClr val="tx1"/>
+            </a:fontRef>
+          </p:style>
+        </p:cxnSp>
+      </p:grpSp>
+      <p:sp>
+        <p:nvSpPr>
+          <p:cNvPr id="4" name="TextBox 3">
+            <a:extLst>
+              <a:ext uri="{FF2B5EF4-FFF2-40B4-BE49-F238E27FC236}">
+                <a16:creationId xmlns:a16="http://schemas.microsoft.com/office/drawing/2014/main" id="{76C7A2FF-5E8C-4853-9394-7A34A3B9D7F5}"/>
+              </a:ext>
+            </a:extLst>
+          </p:cNvPr>
+          <p:cNvSpPr txBox="1"/>
+          <p:nvPr/>
+        </p:nvSpPr>
+        <p:spPr>
+          <a:xfrm>
+            <a:off x="344778" y="1455730"/>
+            <a:ext cx="2803003" cy="400110"/>
+          </a:xfrm>
+          <a:prstGeom prst="rect">
+            <a:avLst/>
+          </a:prstGeom>
+          <a:noFill/>
+        </p:spPr>
+        <p:txBody>
+          <a:bodyPr wrap="square" rtlCol="0">
+            <a:spAutoFit/>
+          </a:bodyPr>
+          <a:lstStyle/>
+          <a:p>
+            <a:pPr>
+              <a:spcAft>
+                <a:spcPts val="600"/>
+              </a:spcAft>
+            </a:pPr>
+            <a:r>
+              <a:rPr lang="en-US" sz="2000" b="1" i="1" dirty="0">
+                <a:latin typeface="Copperplate Gothic Bold" panose="020E0705020206020404" pitchFamily="34" charset="0"/>
               </a:rPr>
-              <a:t>HnBEnterprises</a:t>
-            </a:r>
-            <a:r>
-              <a:rPr lang="en-US" dirty="0">
-                <a:cs typeface="Calibri"/>
-              </a:rPr>
-              <a:t>: Alyssa Abram, Joshua Bonner, Richard Bowers, Jonathan </a:t>
-            </a:r>
-            <a:r>
-              <a:rPr lang="en-US" err="1">
-                <a:cs typeface="Calibri"/>
-              </a:rPr>
-              <a:t>Edsell</a:t>
-            </a:r>
-            <a:r>
-              <a:rPr lang="en-US" dirty="0">
-                <a:cs typeface="Calibri"/>
-              </a:rPr>
-              <a:t>, Jacob Gallucci, Ariel Rupp</a:t>
-            </a:r>
-          </a:p>
-          <a:p>
-            <a:r>
-              <a:rPr lang="en-US" u="sng" dirty="0">
-                <a:ea typeface="+mn-lt"/>
-                <a:cs typeface="+mn-lt"/>
-              </a:rPr>
-              <a:t>https://github.com/Joshua-Bonner/OpenZ</a:t>
-            </a:r>
-            <a:endParaRPr lang="en-US" u="sng"/>
+              <a:t>HnB Enterprises</a:t>
+            </a:r>
           </a:p>
         </p:txBody>
       </p:sp>
@@ -5447,6 +6292,801 @@
     <p:extLst>
       <p:ext uri="{BB962C8B-B14F-4D97-AF65-F5344CB8AC3E}">
         <p14:creationId xmlns:p14="http://schemas.microsoft.com/office/powerpoint/2010/main" val="109857222"/>
+      </p:ext>
+    </p:extLst>
+  </p:cSld>
+  <p:clrMapOvr>
+    <a:masterClrMapping/>
+  </p:clrMapOvr>
+</p:sld>
+</file>
+
+<file path=ppt/slides/slide10.xml><?xml version="1.0" encoding="utf-8"?>
+<p:sld xmlns:a="http://schemas.openxmlformats.org/drawingml/2006/main" xmlns:r="http://schemas.openxmlformats.org/officeDocument/2006/relationships" xmlns:p="http://schemas.openxmlformats.org/presentationml/2006/main">
+  <p:cSld>
+    <p:spTree>
+      <p:nvGrpSpPr>
+        <p:cNvPr id="1" name=""/>
+        <p:cNvGrpSpPr/>
+        <p:nvPr/>
+      </p:nvGrpSpPr>
+      <p:grpSpPr>
+        <a:xfrm>
+          <a:off x="0" y="0"/>
+          <a:ext cx="0" cy="0"/>
+          <a:chOff x="0" y="0"/>
+          <a:chExt cx="0" cy="0"/>
+        </a:xfrm>
+      </p:grpSpPr>
+      <p:sp>
+        <p:nvSpPr>
+          <p:cNvPr id="2" name="Title 1">
+            <a:extLst>
+              <a:ext uri="{FF2B5EF4-FFF2-40B4-BE49-F238E27FC236}">
+                <a16:creationId xmlns:a16="http://schemas.microsoft.com/office/drawing/2014/main" id="{89EE7A41-E192-449D-A469-8D07EE30388E}"/>
+              </a:ext>
+            </a:extLst>
+          </p:cNvPr>
+          <p:cNvSpPr>
+            <a:spLocks noGrp="1"/>
+          </p:cNvSpPr>
+          <p:nvPr>
+            <p:ph type="title"/>
+          </p:nvPr>
+        </p:nvSpPr>
+        <p:spPr>
+          <a:xfrm>
+            <a:off x="246889" y="5106398"/>
+            <a:ext cx="8534400" cy="1507067"/>
+          </a:xfrm>
+        </p:spPr>
+        <p:txBody>
+          <a:bodyPr>
+            <a:normAutofit/>
+          </a:bodyPr>
+          <a:lstStyle/>
+          <a:p>
+            <a:r>
+              <a:rPr lang="en-US" sz="4400" u="sng" dirty="0">
+                <a:latin typeface="Copperplate Gothic Bold" panose="020E0705020206020404" pitchFamily="34" charset="0"/>
+              </a:rPr>
+              <a:t>On board diagnostics</a:t>
+            </a:r>
+            <a:br>
+              <a:rPr lang="en-US" sz="4400" u="sng" dirty="0">
+                <a:latin typeface="Copperplate Gothic Bold" panose="020E0705020206020404" pitchFamily="34" charset="0"/>
+              </a:rPr>
+            </a:br>
+            <a:r>
+              <a:rPr lang="en-US" sz="4400" u="sng" dirty="0">
+                <a:latin typeface="Copperplate Gothic Bold" panose="020E0705020206020404" pitchFamily="34" charset="0"/>
+              </a:rPr>
+              <a:t>(OBD)</a:t>
+            </a:r>
+            <a:endParaRPr lang="en-US" sz="4400" dirty="0"/>
+          </a:p>
+        </p:txBody>
+      </p:sp>
+      <p:sp>
+        <p:nvSpPr>
+          <p:cNvPr id="3" name="Content Placeholder 2">
+            <a:extLst>
+              <a:ext uri="{FF2B5EF4-FFF2-40B4-BE49-F238E27FC236}">
+                <a16:creationId xmlns:a16="http://schemas.microsoft.com/office/drawing/2014/main" id="{13398DCE-58FB-4A2E-8966-CB512DCF53A2}"/>
+              </a:ext>
+            </a:extLst>
+          </p:cNvPr>
+          <p:cNvSpPr>
+            <a:spLocks noGrp="1"/>
+          </p:cNvSpPr>
+          <p:nvPr>
+            <p:ph idx="1"/>
+          </p:nvPr>
+        </p:nvSpPr>
+        <p:spPr/>
+        <p:txBody>
+          <a:bodyPr/>
+          <a:lstStyle/>
+          <a:p>
+            <a:endParaRPr lang="en-US"/>
+          </a:p>
+        </p:txBody>
+      </p:sp>
+    </p:spTree>
+    <p:extLst>
+      <p:ext uri="{BB962C8B-B14F-4D97-AF65-F5344CB8AC3E}">
+        <p14:creationId xmlns:p14="http://schemas.microsoft.com/office/powerpoint/2010/main" val="3957465251"/>
+      </p:ext>
+    </p:extLst>
+  </p:cSld>
+  <p:clrMapOvr>
+    <a:masterClrMapping/>
+  </p:clrMapOvr>
+</p:sld>
+</file>
+
+<file path=ppt/slides/slide11.xml><?xml version="1.0" encoding="utf-8"?>
+<p:sld xmlns:a="http://schemas.openxmlformats.org/drawingml/2006/main" xmlns:r="http://schemas.openxmlformats.org/officeDocument/2006/relationships" xmlns:p="http://schemas.openxmlformats.org/presentationml/2006/main">
+  <p:cSld>
+    <p:bg>
+      <p:bgPr>
+        <a:gradFill rotWithShape="1">
+          <a:gsLst>
+            <a:gs pos="10000">
+              <a:schemeClr val="bg1">
+                <a:tint val="97000"/>
+                <a:hueMod val="92000"/>
+                <a:satMod val="169000"/>
+                <a:lumMod val="164000"/>
+              </a:schemeClr>
+            </a:gs>
+            <a:gs pos="100000">
+              <a:schemeClr val="bg1">
+                <a:shade val="96000"/>
+                <a:satMod val="120000"/>
+                <a:lumMod val="90000"/>
+              </a:schemeClr>
+            </a:gs>
+          </a:gsLst>
+          <a:lin ang="6120000" scaled="1"/>
+        </a:gradFill>
+        <a:effectLst/>
+      </p:bgPr>
+    </p:bg>
+    <p:spTree>
+      <p:nvGrpSpPr>
+        <p:cNvPr id="1" name=""/>
+        <p:cNvGrpSpPr/>
+        <p:nvPr/>
+      </p:nvGrpSpPr>
+      <p:grpSpPr>
+        <a:xfrm>
+          <a:off x="0" y="0"/>
+          <a:ext cx="0" cy="0"/>
+          <a:chOff x="0" y="0"/>
+          <a:chExt cx="0" cy="0"/>
+        </a:xfrm>
+      </p:grpSpPr>
+      <p:sp useBgFill="1">
+        <p:nvSpPr>
+          <p:cNvPr id="9" name="Rectangle 8">
+            <a:extLst>
+              <a:ext uri="{FF2B5EF4-FFF2-40B4-BE49-F238E27FC236}">
+                <a16:creationId xmlns:a16="http://schemas.microsoft.com/office/drawing/2014/main" id="{CADF2543-1B6F-4FBC-A7AF-53A0430E05AB}"/>
+              </a:ext>
+              <a:ext uri="{C183D7F6-B498-43B3-948B-1728B52AA6E4}">
+                <adec:decorative xmlns:adec="http://schemas.microsoft.com/office/drawing/2017/decorative" val="1"/>
+              </a:ext>
+            </a:extLst>
+          </p:cNvPr>
+          <p:cNvSpPr>
+            <a:spLocks noGrp="1" noRot="1" noChangeAspect="1" noMove="1" noResize="1" noEditPoints="1" noAdjustHandles="1" noChangeArrowheads="1" noChangeShapeType="1" noTextEdit="1"/>
+          </p:cNvSpPr>
+          <p:nvPr>
+            <p:extLst>
+              <p:ext uri="{386F3935-93C4-4BCD-93E2-E3B085C9AB24}">
+                <p16:designElem xmlns:p16="http://schemas.microsoft.com/office/powerpoint/2015/main" val="1"/>
+              </p:ext>
+            </p:extLst>
+          </p:nvPr>
+        </p:nvSpPr>
+        <p:spPr>
+          <a:xfrm>
+            <a:off x="0" y="0"/>
+            <a:ext cx="12192000" cy="6858000"/>
+          </a:xfrm>
+          <a:prstGeom prst="rect">
+            <a:avLst/>
+          </a:prstGeom>
+          <a:ln>
+            <a:noFill/>
+          </a:ln>
+        </p:spPr>
+        <p:style>
+          <a:lnRef idx="2">
+            <a:schemeClr val="accent1">
+              <a:shade val="50000"/>
+            </a:schemeClr>
+          </a:lnRef>
+          <a:fillRef idx="1">
+            <a:schemeClr val="accent1"/>
+          </a:fillRef>
+          <a:effectRef idx="0">
+            <a:schemeClr val="accent1"/>
+          </a:effectRef>
+          <a:fontRef idx="minor">
+            <a:schemeClr val="lt1"/>
+          </a:fontRef>
+        </p:style>
+        <p:txBody>
+          <a:bodyPr rtlCol="0" anchor="ctr"/>
+          <a:lstStyle/>
+          <a:p>
+            <a:pPr algn="ctr"/>
+            <a:endParaRPr lang="en-US"/>
+          </a:p>
+        </p:txBody>
+      </p:sp>
+      <p:sp>
+        <p:nvSpPr>
+          <p:cNvPr id="2" name="Title 1">
+            <a:extLst>
+              <a:ext uri="{FF2B5EF4-FFF2-40B4-BE49-F238E27FC236}">
+                <a16:creationId xmlns:a16="http://schemas.microsoft.com/office/drawing/2014/main" id="{BD23FD2C-6A01-42D4-8F14-4A3E925F7790}"/>
+              </a:ext>
+            </a:extLst>
+          </p:cNvPr>
+          <p:cNvSpPr>
+            <a:spLocks noGrp="1"/>
+          </p:cNvSpPr>
+          <p:nvPr>
+            <p:ph type="title"/>
+          </p:nvPr>
+        </p:nvSpPr>
+        <p:spPr>
+          <a:xfrm>
+            <a:off x="235532" y="139966"/>
+            <a:ext cx="8534400" cy="894289"/>
+          </a:xfrm>
+        </p:spPr>
+        <p:txBody>
+          <a:bodyPr vert="horz" lIns="91440" tIns="45720" rIns="91440" bIns="45720" rtlCol="0" anchor="ctr">
+            <a:normAutofit/>
+          </a:bodyPr>
+          <a:lstStyle/>
+          <a:p>
+            <a:r>
+              <a:rPr lang="en-US" sz="4400" u="sng" dirty="0">
+                <a:latin typeface="Copperplate Gothic Bold" panose="020E0705020206020404" pitchFamily="34" charset="0"/>
+              </a:rPr>
+              <a:t>Music Player</a:t>
+            </a:r>
+          </a:p>
+        </p:txBody>
+      </p:sp>
+      <p:grpSp>
+        <p:nvGrpSpPr>
+          <p:cNvPr id="11" name="Group 10">
+            <a:extLst>
+              <a:ext uri="{FF2B5EF4-FFF2-40B4-BE49-F238E27FC236}">
+                <a16:creationId xmlns:a16="http://schemas.microsoft.com/office/drawing/2014/main" id="{A80A6E81-6B71-43DF-877B-E964A9A4CB68}"/>
+              </a:ext>
+              <a:ext uri="{C183D7F6-B498-43B3-948B-1728B52AA6E4}">
+                <adec:decorative xmlns:adec="http://schemas.microsoft.com/office/drawing/2017/decorative" val="1"/>
+              </a:ext>
+            </a:extLst>
+          </p:cNvPr>
+          <p:cNvGrpSpPr>
+            <a:grpSpLocks noGrp="1" noUngrp="1" noRot="1" noChangeAspect="1" noMove="1" noResize="1"/>
+          </p:cNvGrpSpPr>
+          <p:nvPr>
+            <p:extLst>
+              <p:ext uri="{386F3935-93C4-4BCD-93E2-E3B085C9AB24}">
+                <p16:designElem xmlns:p16="http://schemas.microsoft.com/office/powerpoint/2015/main" val="1"/>
+              </p:ext>
+            </p:extLst>
+          </p:nvPr>
+        </p:nvGrpSpPr>
+        <p:grpSpPr>
+          <a:xfrm>
+            <a:off x="9206969" y="2963333"/>
+            <a:ext cx="2981858" cy="3208867"/>
+            <a:chOff x="9206969" y="2963333"/>
+            <a:chExt cx="2981858" cy="3208867"/>
+          </a:xfrm>
+        </p:grpSpPr>
+        <p:cxnSp>
+          <p:nvCxnSpPr>
+            <p:cNvPr id="12" name="Straight Connector 11">
+              <a:extLst>
+                <a:ext uri="{FF2B5EF4-FFF2-40B4-BE49-F238E27FC236}">
+                  <a16:creationId xmlns:a16="http://schemas.microsoft.com/office/drawing/2014/main" id="{4E35C3AD-357F-4004-A3F3-2D4EAF34A63D}"/>
+                </a:ext>
+                <a:ext uri="{C183D7F6-B498-43B3-948B-1728B52AA6E4}">
+                  <adec:decorative xmlns:adec="http://schemas.microsoft.com/office/drawing/2017/decorative" val="1"/>
+                </a:ext>
+              </a:extLst>
+            </p:cNvPr>
+            <p:cNvCxnSpPr/>
+            <p:nvPr>
+              <p:extLst>
+                <p:ext uri="{386F3935-93C4-4BCD-93E2-E3B085C9AB24}">
+                  <p16:designElem xmlns:p16="http://schemas.microsoft.com/office/powerpoint/2015/main" val="1"/>
+                </p:ext>
+              </p:extLst>
+            </p:nvPr>
+          </p:nvCxnSpPr>
+          <p:spPr>
+            <a:xfrm flipH="1">
+              <a:off x="11276012" y="2963333"/>
+              <a:ext cx="912814" cy="912812"/>
+            </a:xfrm>
+            <a:prstGeom prst="line">
+              <a:avLst/>
+            </a:prstGeom>
+            <a:ln w="9525">
+              <a:solidFill>
+                <a:schemeClr val="tx2">
+                  <a:lumMod val="75000"/>
+                  <a:alpha val="80000"/>
+                </a:schemeClr>
+              </a:solidFill>
+            </a:ln>
+          </p:spPr>
+          <p:style>
+            <a:lnRef idx="2">
+              <a:schemeClr val="accent1"/>
+            </a:lnRef>
+            <a:fillRef idx="0">
+              <a:schemeClr val="accent1"/>
+            </a:fillRef>
+            <a:effectRef idx="1">
+              <a:schemeClr val="accent1"/>
+            </a:effectRef>
+            <a:fontRef idx="minor">
+              <a:schemeClr val="tx1"/>
+            </a:fontRef>
+          </p:style>
+        </p:cxnSp>
+        <p:cxnSp>
+          <p:nvCxnSpPr>
+            <p:cNvPr id="13" name="Straight Connector 12">
+              <a:extLst>
+                <a:ext uri="{FF2B5EF4-FFF2-40B4-BE49-F238E27FC236}">
+                  <a16:creationId xmlns:a16="http://schemas.microsoft.com/office/drawing/2014/main" id="{337B6032-0A70-4F26-A9A3-B4D60DF11818}"/>
+                </a:ext>
+                <a:ext uri="{C183D7F6-B498-43B3-948B-1728B52AA6E4}">
+                  <adec:decorative xmlns:adec="http://schemas.microsoft.com/office/drawing/2017/decorative" val="1"/>
+                </a:ext>
+              </a:extLst>
+            </p:cNvPr>
+            <p:cNvCxnSpPr/>
+            <p:nvPr>
+              <p:extLst>
+                <p:ext uri="{386F3935-93C4-4BCD-93E2-E3B085C9AB24}">
+                  <p16:designElem xmlns:p16="http://schemas.microsoft.com/office/powerpoint/2015/main" val="1"/>
+                </p:ext>
+              </p:extLst>
+            </p:nvPr>
+          </p:nvCxnSpPr>
+          <p:spPr>
+            <a:xfrm flipH="1">
+              <a:off x="9206969" y="3190344"/>
+              <a:ext cx="2981857" cy="2981856"/>
+            </a:xfrm>
+            <a:prstGeom prst="line">
+              <a:avLst/>
+            </a:prstGeom>
+            <a:ln w="9525">
+              <a:solidFill>
+                <a:schemeClr val="tx2">
+                  <a:lumMod val="75000"/>
+                  <a:alpha val="80000"/>
+                </a:schemeClr>
+              </a:solidFill>
+            </a:ln>
+          </p:spPr>
+          <p:style>
+            <a:lnRef idx="2">
+              <a:schemeClr val="accent1"/>
+            </a:lnRef>
+            <a:fillRef idx="0">
+              <a:schemeClr val="accent1"/>
+            </a:fillRef>
+            <a:effectRef idx="1">
+              <a:schemeClr val="accent1"/>
+            </a:effectRef>
+            <a:fontRef idx="minor">
+              <a:schemeClr val="tx1"/>
+            </a:fontRef>
+          </p:style>
+        </p:cxnSp>
+        <p:cxnSp>
+          <p:nvCxnSpPr>
+            <p:cNvPr id="14" name="Straight Connector 13">
+              <a:extLst>
+                <a:ext uri="{FF2B5EF4-FFF2-40B4-BE49-F238E27FC236}">
+                  <a16:creationId xmlns:a16="http://schemas.microsoft.com/office/drawing/2014/main" id="{DE192CE3-3DD1-448F-93BE-42983DA0D5A9}"/>
+                </a:ext>
+                <a:ext uri="{C183D7F6-B498-43B3-948B-1728B52AA6E4}">
+                  <adec:decorative xmlns:adec="http://schemas.microsoft.com/office/drawing/2017/decorative" val="1"/>
+                </a:ext>
+              </a:extLst>
+            </p:cNvPr>
+            <p:cNvCxnSpPr/>
+            <p:nvPr>
+              <p:extLst>
+                <p:ext uri="{386F3935-93C4-4BCD-93E2-E3B085C9AB24}">
+                  <p16:designElem xmlns:p16="http://schemas.microsoft.com/office/powerpoint/2015/main" val="1"/>
+                </p:ext>
+              </p:extLst>
+            </p:nvPr>
+          </p:nvCxnSpPr>
+          <p:spPr>
+            <a:xfrm flipH="1">
+              <a:off x="10292292" y="3285067"/>
+              <a:ext cx="1896534" cy="1896533"/>
+            </a:xfrm>
+            <a:prstGeom prst="line">
+              <a:avLst/>
+            </a:prstGeom>
+            <a:ln w="9525">
+              <a:solidFill>
+                <a:schemeClr val="tx2">
+                  <a:lumMod val="75000"/>
+                  <a:alpha val="80000"/>
+                </a:schemeClr>
+              </a:solidFill>
+            </a:ln>
+          </p:spPr>
+          <p:style>
+            <a:lnRef idx="2">
+              <a:schemeClr val="accent1"/>
+            </a:lnRef>
+            <a:fillRef idx="0">
+              <a:schemeClr val="accent1"/>
+            </a:fillRef>
+            <a:effectRef idx="1">
+              <a:schemeClr val="accent1"/>
+            </a:effectRef>
+            <a:fontRef idx="minor">
+              <a:schemeClr val="tx1"/>
+            </a:fontRef>
+          </p:style>
+        </p:cxnSp>
+        <p:cxnSp>
+          <p:nvCxnSpPr>
+            <p:cNvPr id="15" name="Straight Connector 14">
+              <a:extLst>
+                <a:ext uri="{FF2B5EF4-FFF2-40B4-BE49-F238E27FC236}">
+                  <a16:creationId xmlns:a16="http://schemas.microsoft.com/office/drawing/2014/main" id="{E6D3DA09-5C72-4562-BEDE-1937DF87E81D}"/>
+                </a:ext>
+                <a:ext uri="{C183D7F6-B498-43B3-948B-1728B52AA6E4}">
+                  <adec:decorative xmlns:adec="http://schemas.microsoft.com/office/drawing/2017/decorative" val="1"/>
+                </a:ext>
+              </a:extLst>
+            </p:cNvPr>
+            <p:cNvCxnSpPr/>
+            <p:nvPr>
+              <p:extLst>
+                <p:ext uri="{386F3935-93C4-4BCD-93E2-E3B085C9AB24}">
+                  <p16:designElem xmlns:p16="http://schemas.microsoft.com/office/powerpoint/2015/main" val="1"/>
+                </p:ext>
+              </p:extLst>
+            </p:nvPr>
+          </p:nvCxnSpPr>
+          <p:spPr>
+            <a:xfrm flipH="1">
+              <a:off x="10443103" y="3131080"/>
+              <a:ext cx="1745722" cy="1745720"/>
+            </a:xfrm>
+            <a:prstGeom prst="line">
+              <a:avLst/>
+            </a:prstGeom>
+            <a:ln w="28575">
+              <a:solidFill>
+                <a:schemeClr val="tx2">
+                  <a:lumMod val="75000"/>
+                  <a:alpha val="80000"/>
+                </a:schemeClr>
+              </a:solidFill>
+            </a:ln>
+          </p:spPr>
+          <p:style>
+            <a:lnRef idx="2">
+              <a:schemeClr val="accent1"/>
+            </a:lnRef>
+            <a:fillRef idx="0">
+              <a:schemeClr val="accent1"/>
+            </a:fillRef>
+            <a:effectRef idx="1">
+              <a:schemeClr val="accent1"/>
+            </a:effectRef>
+            <a:fontRef idx="minor">
+              <a:schemeClr val="tx1"/>
+            </a:fontRef>
+          </p:style>
+        </p:cxnSp>
+        <p:cxnSp>
+          <p:nvCxnSpPr>
+            <p:cNvPr id="16" name="Straight Connector 15">
+              <a:extLst>
+                <a:ext uri="{FF2B5EF4-FFF2-40B4-BE49-F238E27FC236}">
+                  <a16:creationId xmlns:a16="http://schemas.microsoft.com/office/drawing/2014/main" id="{D6ACA7CA-2A20-49D7-9053-E076463D79A3}"/>
+                </a:ext>
+                <a:ext uri="{C183D7F6-B498-43B3-948B-1728B52AA6E4}">
+                  <adec:decorative xmlns:adec="http://schemas.microsoft.com/office/drawing/2017/decorative" val="1"/>
+                </a:ext>
+              </a:extLst>
+            </p:cNvPr>
+            <p:cNvCxnSpPr/>
+            <p:nvPr>
+              <p:extLst>
+                <p:ext uri="{386F3935-93C4-4BCD-93E2-E3B085C9AB24}">
+                  <p16:designElem xmlns:p16="http://schemas.microsoft.com/office/powerpoint/2015/main" val="1"/>
+                </p:ext>
+              </p:extLst>
+            </p:nvPr>
+          </p:nvCxnSpPr>
+          <p:spPr>
+            <a:xfrm flipH="1">
+              <a:off x="10918826" y="3683001"/>
+              <a:ext cx="1270001" cy="1269999"/>
+            </a:xfrm>
+            <a:prstGeom prst="line">
+              <a:avLst/>
+            </a:prstGeom>
+            <a:ln w="28575">
+              <a:solidFill>
+                <a:schemeClr val="tx2">
+                  <a:lumMod val="75000"/>
+                  <a:alpha val="80000"/>
+                </a:schemeClr>
+              </a:solidFill>
+            </a:ln>
+          </p:spPr>
+          <p:style>
+            <a:lnRef idx="2">
+              <a:schemeClr val="accent1"/>
+            </a:lnRef>
+            <a:fillRef idx="0">
+              <a:schemeClr val="accent1"/>
+            </a:fillRef>
+            <a:effectRef idx="1">
+              <a:schemeClr val="accent1"/>
+            </a:effectRef>
+            <a:fontRef idx="minor">
+              <a:schemeClr val="tx1"/>
+            </a:fontRef>
+          </p:style>
+        </p:cxnSp>
+      </p:grpSp>
+      <p:sp>
+        <p:nvSpPr>
+          <p:cNvPr id="4" name="TextBox 3">
+            <a:extLst>
+              <a:ext uri="{FF2B5EF4-FFF2-40B4-BE49-F238E27FC236}">
+                <a16:creationId xmlns:a16="http://schemas.microsoft.com/office/drawing/2014/main" id="{552195FA-239E-4D0C-9469-65129112F6B2}"/>
+              </a:ext>
+            </a:extLst>
+          </p:cNvPr>
+          <p:cNvSpPr txBox="1"/>
+          <p:nvPr/>
+        </p:nvSpPr>
+        <p:spPr>
+          <a:xfrm>
+            <a:off x="658913" y="1174221"/>
+            <a:ext cx="5648434" cy="4673413"/>
+          </a:xfrm>
+          <a:prstGeom prst="rect">
+            <a:avLst/>
+          </a:prstGeom>
+        </p:spPr>
+        <p:txBody>
+          <a:bodyPr vert="horz" lIns="91440" tIns="45720" rIns="91440" bIns="45720" rtlCol="0" anchor="ctr">
+            <a:normAutofit fontScale="92500" lnSpcReduction="10000"/>
+          </a:bodyPr>
+          <a:lstStyle/>
+          <a:p>
+            <a:pPr defTabSz="457200">
+              <a:spcBef>
+                <a:spcPct val="20000"/>
+              </a:spcBef>
+              <a:spcAft>
+                <a:spcPts val="600"/>
+              </a:spcAft>
+              <a:buClr>
+                <a:schemeClr val="tx1"/>
+              </a:buClr>
+              <a:buSzPct val="80000"/>
+              <a:buFont typeface="Wingdings 3" panose="05040102010807070707" pitchFamily="18" charset="2"/>
+              <a:buChar char=""/>
+            </a:pPr>
+            <a:r>
+              <a:rPr lang="en-US" dirty="0"/>
+              <a:t>A standard expectation of an infotainment system is to provide the user the ability to listen to music of their choice when traveling. Thus, we created our own music player.</a:t>
+            </a:r>
+          </a:p>
+          <a:p>
+            <a:pPr defTabSz="457200">
+              <a:spcBef>
+                <a:spcPct val="20000"/>
+              </a:spcBef>
+              <a:spcAft>
+                <a:spcPts val="600"/>
+              </a:spcAft>
+              <a:buClr>
+                <a:schemeClr val="tx1"/>
+              </a:buClr>
+              <a:buSzPct val="80000"/>
+              <a:buFont typeface="Wingdings 3" panose="05040102010807070707" pitchFamily="18" charset="2"/>
+              <a:buChar char=""/>
+            </a:pPr>
+            <a:endParaRPr lang="en-US" dirty="0"/>
+          </a:p>
+          <a:p>
+            <a:pPr defTabSz="457200">
+              <a:spcBef>
+                <a:spcPct val="20000"/>
+              </a:spcBef>
+              <a:spcAft>
+                <a:spcPts val="600"/>
+              </a:spcAft>
+              <a:buClr>
+                <a:schemeClr val="tx1"/>
+              </a:buClr>
+              <a:buSzPct val="80000"/>
+              <a:buFont typeface="Wingdings 3" panose="05040102010807070707" pitchFamily="18" charset="2"/>
+              <a:buChar char=""/>
+            </a:pPr>
+            <a:r>
+              <a:rPr lang="en-US" dirty="0"/>
+              <a:t>Given the standard libraries available in Java, mp3 files can be read in and played back through the systems speakers, in this case the sound system of the vehicle.</a:t>
+            </a:r>
+          </a:p>
+          <a:p>
+            <a:pPr defTabSz="457200">
+              <a:spcBef>
+                <a:spcPct val="20000"/>
+              </a:spcBef>
+              <a:spcAft>
+                <a:spcPts val="600"/>
+              </a:spcAft>
+              <a:buClr>
+                <a:schemeClr val="tx1"/>
+              </a:buClr>
+              <a:buSzPct val="80000"/>
+              <a:buFont typeface="Wingdings 3" panose="05040102010807070707" pitchFamily="18" charset="2"/>
+              <a:buChar char=""/>
+            </a:pPr>
+            <a:endParaRPr lang="en-US" dirty="0"/>
+          </a:p>
+          <a:p>
+            <a:pPr defTabSz="457200">
+              <a:spcBef>
+                <a:spcPct val="20000"/>
+              </a:spcBef>
+              <a:spcAft>
+                <a:spcPts val="600"/>
+              </a:spcAft>
+              <a:buClr>
+                <a:schemeClr val="tx1"/>
+              </a:buClr>
+              <a:buSzPct val="80000"/>
+              <a:buFont typeface="Wingdings 3" panose="05040102010807070707" pitchFamily="18" charset="2"/>
+              <a:buChar char=""/>
+            </a:pPr>
+            <a:r>
+              <a:rPr lang="en-US" dirty="0"/>
+              <a:t>Classes were implemented to hold an album and its associated mp3 files along with the album art. </a:t>
+            </a:r>
+          </a:p>
+          <a:p>
+            <a:pPr defTabSz="457200">
+              <a:spcBef>
+                <a:spcPct val="20000"/>
+              </a:spcBef>
+              <a:spcAft>
+                <a:spcPts val="600"/>
+              </a:spcAft>
+              <a:buClr>
+                <a:schemeClr val="tx1"/>
+              </a:buClr>
+              <a:buSzPct val="80000"/>
+              <a:buFont typeface="Wingdings 3" panose="05040102010807070707" pitchFamily="18" charset="2"/>
+              <a:buChar char=""/>
+            </a:pPr>
+            <a:endParaRPr lang="en-US" dirty="0"/>
+          </a:p>
+          <a:p>
+            <a:pPr defTabSz="457200">
+              <a:spcBef>
+                <a:spcPct val="20000"/>
+              </a:spcBef>
+              <a:spcAft>
+                <a:spcPts val="600"/>
+              </a:spcAft>
+              <a:buClr>
+                <a:schemeClr val="tx1"/>
+              </a:buClr>
+              <a:buSzPct val="80000"/>
+              <a:buFont typeface="Wingdings 3" panose="05040102010807070707" pitchFamily="18" charset="2"/>
+              <a:buChar char=""/>
+            </a:pPr>
+            <a:r>
+              <a:rPr lang="en-US" dirty="0"/>
+              <a:t>While integrated into the user interface, the user is able to choose an album and play its contents.</a:t>
+            </a:r>
+          </a:p>
+        </p:txBody>
+      </p:sp>
+    </p:spTree>
+    <p:extLst>
+      <p:ext uri="{BB962C8B-B14F-4D97-AF65-F5344CB8AC3E}">
+        <p14:creationId xmlns:p14="http://schemas.microsoft.com/office/powerpoint/2010/main" val="1745330613"/>
+      </p:ext>
+    </p:extLst>
+  </p:cSld>
+  <p:clrMapOvr>
+    <a:masterClrMapping/>
+  </p:clrMapOvr>
+</p:sld>
+</file>
+
+<file path=ppt/slides/slide12.xml><?xml version="1.0" encoding="utf-8"?>
+<p:sld xmlns:a="http://schemas.openxmlformats.org/drawingml/2006/main" xmlns:r="http://schemas.openxmlformats.org/officeDocument/2006/relationships" xmlns:p="http://schemas.openxmlformats.org/presentationml/2006/main">
+  <p:cSld>
+    <p:spTree>
+      <p:nvGrpSpPr>
+        <p:cNvPr id="1" name=""/>
+        <p:cNvGrpSpPr/>
+        <p:nvPr/>
+      </p:nvGrpSpPr>
+      <p:grpSpPr>
+        <a:xfrm>
+          <a:off x="0" y="0"/>
+          <a:ext cx="0" cy="0"/>
+          <a:chOff x="0" y="0"/>
+          <a:chExt cx="0" cy="0"/>
+        </a:xfrm>
+      </p:grpSpPr>
+      <p:sp>
+        <p:nvSpPr>
+          <p:cNvPr id="2" name="Title 1">
+            <a:extLst>
+              <a:ext uri="{FF2B5EF4-FFF2-40B4-BE49-F238E27FC236}">
+                <a16:creationId xmlns:a16="http://schemas.microsoft.com/office/drawing/2014/main" id="{4A5954F1-CA0E-419C-A36B-3D82DF51AB1D}"/>
+              </a:ext>
+            </a:extLst>
+          </p:cNvPr>
+          <p:cNvSpPr>
+            <a:spLocks noGrp="1"/>
+          </p:cNvSpPr>
+          <p:nvPr>
+            <p:ph type="title"/>
+          </p:nvPr>
+        </p:nvSpPr>
+        <p:spPr/>
+        <p:txBody>
+          <a:bodyPr/>
+          <a:lstStyle/>
+          <a:p>
+            <a:r>
+              <a:rPr lang="en-US"/>
+              <a:t>GPS Navigation</a:t>
+            </a:r>
+          </a:p>
+        </p:txBody>
+      </p:sp>
+      <p:sp>
+        <p:nvSpPr>
+          <p:cNvPr id="3" name="Content Placeholder 2">
+            <a:extLst>
+              <a:ext uri="{FF2B5EF4-FFF2-40B4-BE49-F238E27FC236}">
+                <a16:creationId xmlns:a16="http://schemas.microsoft.com/office/drawing/2014/main" id="{FF39D5B6-B631-4FAB-8235-1D404336F3C5}"/>
+              </a:ext>
+            </a:extLst>
+          </p:cNvPr>
+          <p:cNvSpPr>
+            <a:spLocks noGrp="1"/>
+          </p:cNvSpPr>
+          <p:nvPr>
+            <p:ph idx="1"/>
+          </p:nvPr>
+        </p:nvSpPr>
+        <p:spPr/>
+        <p:txBody>
+          <a:bodyPr/>
+          <a:lstStyle/>
+          <a:p>
+            <a:endParaRPr lang="en-US"/>
+          </a:p>
+        </p:txBody>
+      </p:sp>
+    </p:spTree>
+    <p:extLst>
+      <p:ext uri="{BB962C8B-B14F-4D97-AF65-F5344CB8AC3E}">
+        <p14:creationId xmlns:p14="http://schemas.microsoft.com/office/powerpoint/2010/main" val="268622171"/>
       </p:ext>
     </p:extLst>
   </p:cSld>
@@ -5475,68 +7115,157 @@
       </p:grpSpPr>
       <p:sp>
         <p:nvSpPr>
-          <p:cNvPr id="2" name="Title 1">
+          <p:cNvPr id="6" name="TextBox 5">
             <a:extLst>
               <a:ext uri="{FF2B5EF4-FFF2-40B4-BE49-F238E27FC236}">
-                <a16:creationId xmlns:a16="http://schemas.microsoft.com/office/drawing/2014/main" id="{E12F034C-37DC-4B4C-8781-3BA79D94694D}"/>
+                <a16:creationId xmlns:a16="http://schemas.microsoft.com/office/drawing/2014/main" id="{938E1FE6-B436-40FF-AAC5-D95D0303B9DE}"/>
               </a:ext>
             </a:extLst>
           </p:cNvPr>
-          <p:cNvSpPr>
-            <a:spLocks noGrp="1"/>
-          </p:cNvSpPr>
-          <p:nvPr>
-            <p:ph type="title"/>
-          </p:nvPr>
-        </p:nvSpPr>
-        <p:spPr/>
-        <p:txBody>
-          <a:bodyPr/>
+          <p:cNvSpPr txBox="1"/>
+          <p:nvPr/>
+        </p:nvSpPr>
+        <p:spPr>
+          <a:xfrm>
+            <a:off x="812169" y="687220"/>
+            <a:ext cx="8820268" cy="4379340"/>
+          </a:xfrm>
+          <a:prstGeom prst="rect">
+            <a:avLst/>
+          </a:prstGeom>
+          <a:noFill/>
+        </p:spPr>
+        <p:txBody>
+          <a:bodyPr wrap="square" rtlCol="0">
+            <a:spAutoFit/>
+          </a:bodyPr>
           <a:lstStyle/>
           <a:p>
-            <a:r>
-              <a:rPr lang="en-US"/>
-              <a:t>Lane Departure Detection</a:t>
-            </a:r>
-            <a:br>
-              <a:rPr lang="en-US" dirty="0"/>
-            </a:br>
-            <a:r>
-              <a:rPr lang="en-US"/>
-              <a:t>(LDD)</a:t>
-            </a:r>
-          </a:p>
-        </p:txBody>
-      </p:sp>
-      <p:sp>
-        <p:nvSpPr>
-          <p:cNvPr id="3" name="Content Placeholder 2">
-            <a:extLst>
-              <a:ext uri="{FF2B5EF4-FFF2-40B4-BE49-F238E27FC236}">
-                <a16:creationId xmlns:a16="http://schemas.microsoft.com/office/drawing/2014/main" id="{F5BC0485-D782-42BF-8A48-41D655FC7299}"/>
-              </a:ext>
-            </a:extLst>
-          </p:cNvPr>
-          <p:cNvSpPr>
-            <a:spLocks noGrp="1"/>
-          </p:cNvSpPr>
-          <p:nvPr>
-            <p:ph idx="1"/>
-          </p:nvPr>
-        </p:nvSpPr>
-        <p:spPr/>
-        <p:txBody>
-          <a:bodyPr/>
-          <a:lstStyle/>
-          <a:p>
-            <a:endParaRPr lang="en-US"/>
+            <a:pPr>
+              <a:lnSpc>
+                <a:spcPct val="150000"/>
+              </a:lnSpc>
+            </a:pPr>
+            <a:r>
+              <a:rPr lang="en-US" sz="4400" u="sng" dirty="0">
+                <a:latin typeface="Copperplate Gothic Bold" panose="020E0705020206020404" pitchFamily="34" charset="0"/>
+              </a:rPr>
+              <a:t>AGENDA</a:t>
+            </a:r>
+            <a:endParaRPr lang="en-US" sz="4400" dirty="0">
+              <a:latin typeface="Copperplate Gothic Bold" panose="020E0705020206020404" pitchFamily="34" charset="0"/>
+            </a:endParaRPr>
+          </a:p>
+          <a:p>
+            <a:pPr marL="342900" indent="-342900">
+              <a:lnSpc>
+                <a:spcPct val="150000"/>
+              </a:lnSpc>
+              <a:buFont typeface="+mj-lt"/>
+              <a:buAutoNum type="arabicPeriod"/>
+            </a:pPr>
+            <a:r>
+              <a:rPr lang="en-US" dirty="0"/>
+              <a:t>PURPOSE</a:t>
+            </a:r>
+          </a:p>
+          <a:p>
+            <a:pPr marL="342900" indent="-342900">
+              <a:lnSpc>
+                <a:spcPct val="150000"/>
+              </a:lnSpc>
+              <a:buFont typeface="+mj-lt"/>
+              <a:buAutoNum type="arabicPeriod"/>
+            </a:pPr>
+            <a:r>
+              <a:rPr lang="en-US" dirty="0"/>
+              <a:t>LANE DEPARTURE DETECTION</a:t>
+            </a:r>
+          </a:p>
+          <a:p>
+            <a:pPr marL="342900" indent="-342900">
+              <a:lnSpc>
+                <a:spcPct val="150000"/>
+              </a:lnSpc>
+              <a:buFont typeface="+mj-lt"/>
+              <a:buAutoNum type="arabicPeriod"/>
+            </a:pPr>
+            <a:r>
+              <a:rPr lang="en-US" dirty="0"/>
+              <a:t>PARKING COLLISION DETECTION</a:t>
+            </a:r>
+          </a:p>
+          <a:p>
+            <a:pPr marL="342900" indent="-342900">
+              <a:lnSpc>
+                <a:spcPct val="150000"/>
+              </a:lnSpc>
+              <a:buFont typeface="+mj-lt"/>
+              <a:buAutoNum type="arabicPeriod"/>
+            </a:pPr>
+            <a:r>
+              <a:rPr lang="en-US" dirty="0"/>
+              <a:t>ON BOARD DIAGNOSTICS</a:t>
+            </a:r>
+          </a:p>
+          <a:p>
+            <a:pPr marL="342900" indent="-342900">
+              <a:lnSpc>
+                <a:spcPct val="150000"/>
+              </a:lnSpc>
+              <a:buFont typeface="+mj-lt"/>
+              <a:buAutoNum type="arabicPeriod"/>
+            </a:pPr>
+            <a:r>
+              <a:rPr lang="en-US" dirty="0"/>
+              <a:t>MUSIC PLAYER</a:t>
+            </a:r>
+          </a:p>
+          <a:p>
+            <a:pPr marL="342900" indent="-342900">
+              <a:lnSpc>
+                <a:spcPct val="150000"/>
+              </a:lnSpc>
+              <a:buFont typeface="+mj-lt"/>
+              <a:buAutoNum type="arabicPeriod"/>
+            </a:pPr>
+            <a:r>
+              <a:rPr lang="en-US" dirty="0"/>
+              <a:t>GPS NAVIGATION</a:t>
+            </a:r>
+          </a:p>
+          <a:p>
+            <a:pPr marL="342900" indent="-342900">
+              <a:lnSpc>
+                <a:spcPct val="150000"/>
+              </a:lnSpc>
+              <a:buFont typeface="+mj-lt"/>
+              <a:buAutoNum type="arabicPeriod"/>
+            </a:pPr>
+            <a:r>
+              <a:rPr lang="en-US" dirty="0"/>
+              <a:t>WRAP UP</a:t>
+            </a:r>
+          </a:p>
+          <a:p>
+            <a:pPr marL="342900" indent="-342900">
+              <a:lnSpc>
+                <a:spcPct val="150000"/>
+              </a:lnSpc>
+              <a:buFont typeface="+mj-lt"/>
+              <a:buAutoNum type="arabicPeriod"/>
+            </a:pPr>
+            <a:r>
+              <a:rPr lang="en-US" dirty="0"/>
+              <a:t>Q/A</a:t>
+            </a:r>
           </a:p>
         </p:txBody>
       </p:sp>
     </p:spTree>
     <p:extLst>
       <p:ext uri="{BB962C8B-B14F-4D97-AF65-F5344CB8AC3E}">
-        <p14:creationId xmlns:p14="http://schemas.microsoft.com/office/powerpoint/2010/main" val="3664540969"/>
+        <p14:creationId xmlns:p14="http://schemas.microsoft.com/office/powerpoint/2010/main" val="751007066"/>
       </p:ext>
     </p:extLst>
   </p:cSld>
@@ -5549,6 +7278,31 @@
 <file path=ppt/slides/slide3.xml><?xml version="1.0" encoding="utf-8"?>
 <p:sld xmlns:a="http://schemas.openxmlformats.org/drawingml/2006/main" xmlns:r="http://schemas.openxmlformats.org/officeDocument/2006/relationships" xmlns:p="http://schemas.openxmlformats.org/presentationml/2006/main">
   <p:cSld>
+    <p:bg>
+      <p:bgPr>
+        <a:gradFill rotWithShape="1">
+          <a:gsLst>
+            <a:gs pos="10000">
+              <a:schemeClr val="bg1">
+                <a:tint val="97000"/>
+                <a:hueMod val="92000"/>
+                <a:satMod val="169000"/>
+                <a:lumMod val="164000"/>
+              </a:schemeClr>
+            </a:gs>
+            <a:gs pos="100000">
+              <a:schemeClr val="bg1">
+                <a:shade val="96000"/>
+                <a:satMod val="120000"/>
+                <a:lumMod val="90000"/>
+              </a:schemeClr>
+            </a:gs>
+          </a:gsLst>
+          <a:lin ang="6120000" scaled="1"/>
+        </a:gradFill>
+        <a:effectLst/>
+      </p:bgPr>
+    </p:bg>
     <p:spTree>
       <p:nvGrpSpPr>
         <p:cNvPr id="1" name=""/>
@@ -5563,63 +7317,866 @@
           <a:chExt cx="0" cy="0"/>
         </a:xfrm>
       </p:grpSpPr>
-      <p:sp>
-        <p:nvSpPr>
-          <p:cNvPr id="2" name="Title 1">
+      <p:grpSp>
+        <p:nvGrpSpPr>
+          <p:cNvPr id="14" name="Group 13">
             <a:extLst>
               <a:ext uri="{FF2B5EF4-FFF2-40B4-BE49-F238E27FC236}">
-                <a16:creationId xmlns:a16="http://schemas.microsoft.com/office/drawing/2014/main" id="{AC5C9526-A34C-423F-92C6-D49CB5861A90}"/>
+                <a16:creationId xmlns:a16="http://schemas.microsoft.com/office/drawing/2014/main" id="{6CC7770B-E4E1-42D6-9437-DAA4A3A9E659}"/>
+              </a:ext>
+              <a:ext uri="{C183D7F6-B498-43B3-948B-1728B52AA6E4}">
+                <adec:decorative xmlns:adec="http://schemas.microsoft.com/office/drawing/2017/decorative" val="1"/>
               </a:ext>
             </a:extLst>
           </p:cNvPr>
-          <p:cNvSpPr>
-            <a:spLocks noGrp="1"/>
-          </p:cNvSpPr>
-          <p:nvPr>
-            <p:ph type="title"/>
-          </p:nvPr>
-        </p:nvSpPr>
-        <p:spPr/>
-        <p:txBody>
-          <a:bodyPr/>
-          <a:lstStyle/>
-          <a:p>
-            <a:r>
-              <a:rPr lang="en-US"/>
-              <a:t>Parking collision detection (PCD)</a:t>
-            </a:r>
-          </a:p>
-        </p:txBody>
-      </p:sp>
-      <p:sp>
-        <p:nvSpPr>
-          <p:cNvPr id="3" name="Content Placeholder 2">
+          <p:cNvGrpSpPr>
+            <a:grpSpLocks noGrp="1" noUngrp="1" noRot="1" noChangeAspect="1" noMove="1" noResize="1"/>
+          </p:cNvGrpSpPr>
+          <p:nvPr>
+            <p:extLst>
+              <p:ext uri="{386F3935-93C4-4BCD-93E2-E3B085C9AB24}">
+                <p16:designElem xmlns:p16="http://schemas.microsoft.com/office/powerpoint/2015/main" val="1"/>
+              </p:ext>
+            </p:extLst>
+          </p:nvPr>
+        </p:nvGrpSpPr>
+        <p:grpSpPr>
+          <a:xfrm>
+            <a:off x="9206969" y="2963333"/>
+            <a:ext cx="2981858" cy="3208867"/>
+            <a:chOff x="9206969" y="2963333"/>
+            <a:chExt cx="2981858" cy="3208867"/>
+          </a:xfrm>
+        </p:grpSpPr>
+        <p:cxnSp>
+          <p:nvCxnSpPr>
+            <p:cNvPr id="15" name="Straight Connector 14">
+              <a:extLst>
+                <a:ext uri="{FF2B5EF4-FFF2-40B4-BE49-F238E27FC236}">
+                  <a16:creationId xmlns:a16="http://schemas.microsoft.com/office/drawing/2014/main" id="{5A26DE5B-A1A6-4746-8EF7-4D6809ED75EE}"/>
+                </a:ext>
+                <a:ext uri="{C183D7F6-B498-43B3-948B-1728B52AA6E4}">
+                  <adec:decorative xmlns:adec="http://schemas.microsoft.com/office/drawing/2017/decorative" val="1"/>
+                </a:ext>
+              </a:extLst>
+            </p:cNvPr>
+            <p:cNvCxnSpPr/>
+            <p:nvPr>
+              <p:extLst>
+                <p:ext uri="{386F3935-93C4-4BCD-93E2-E3B085C9AB24}">
+                  <p16:designElem xmlns:p16="http://schemas.microsoft.com/office/powerpoint/2015/main" val="1"/>
+                </p:ext>
+              </p:extLst>
+            </p:nvPr>
+          </p:nvCxnSpPr>
+          <p:spPr>
+            <a:xfrm flipH="1">
+              <a:off x="11276012" y="2963333"/>
+              <a:ext cx="912814" cy="912812"/>
+            </a:xfrm>
+            <a:prstGeom prst="line">
+              <a:avLst/>
+            </a:prstGeom>
+            <a:ln w="9525">
+              <a:solidFill>
+                <a:schemeClr val="tx1"/>
+              </a:solidFill>
+            </a:ln>
+          </p:spPr>
+          <p:style>
+            <a:lnRef idx="2">
+              <a:schemeClr val="accent1"/>
+            </a:lnRef>
+            <a:fillRef idx="0">
+              <a:schemeClr val="accent1"/>
+            </a:fillRef>
+            <a:effectRef idx="1">
+              <a:schemeClr val="accent1"/>
+            </a:effectRef>
+            <a:fontRef idx="minor">
+              <a:schemeClr val="tx1"/>
+            </a:fontRef>
+          </p:style>
+        </p:cxnSp>
+        <p:cxnSp>
+          <p:nvCxnSpPr>
+            <p:cNvPr id="58" name="Straight Connector 15">
+              <a:extLst>
+                <a:ext uri="{FF2B5EF4-FFF2-40B4-BE49-F238E27FC236}">
+                  <a16:creationId xmlns:a16="http://schemas.microsoft.com/office/drawing/2014/main" id="{377A3DDA-BF17-4302-867E-EBFD777B0627}"/>
+                </a:ext>
+                <a:ext uri="{C183D7F6-B498-43B3-948B-1728B52AA6E4}">
+                  <adec:decorative xmlns:adec="http://schemas.microsoft.com/office/drawing/2017/decorative" val="1"/>
+                </a:ext>
+              </a:extLst>
+            </p:cNvPr>
+            <p:cNvCxnSpPr/>
+            <p:nvPr>
+              <p:extLst>
+                <p:ext uri="{386F3935-93C4-4BCD-93E2-E3B085C9AB24}">
+                  <p16:designElem xmlns:p16="http://schemas.microsoft.com/office/powerpoint/2015/main" val="1"/>
+                </p:ext>
+              </p:extLst>
+            </p:nvPr>
+          </p:nvCxnSpPr>
+          <p:spPr>
+            <a:xfrm flipH="1">
+              <a:off x="9206969" y="3190344"/>
+              <a:ext cx="2981857" cy="2981856"/>
+            </a:xfrm>
+            <a:prstGeom prst="line">
+              <a:avLst/>
+            </a:prstGeom>
+            <a:ln w="9525">
+              <a:solidFill>
+                <a:schemeClr val="tx1"/>
+              </a:solidFill>
+            </a:ln>
+          </p:spPr>
+          <p:style>
+            <a:lnRef idx="2">
+              <a:schemeClr val="accent1"/>
+            </a:lnRef>
+            <a:fillRef idx="0">
+              <a:schemeClr val="accent1"/>
+            </a:fillRef>
+            <a:effectRef idx="1">
+              <a:schemeClr val="accent1"/>
+            </a:effectRef>
+            <a:fontRef idx="minor">
+              <a:schemeClr val="tx1"/>
+            </a:fontRef>
+          </p:style>
+        </p:cxnSp>
+        <p:cxnSp>
+          <p:nvCxnSpPr>
+            <p:cNvPr id="17" name="Straight Connector 16">
+              <a:extLst>
+                <a:ext uri="{FF2B5EF4-FFF2-40B4-BE49-F238E27FC236}">
+                  <a16:creationId xmlns:a16="http://schemas.microsoft.com/office/drawing/2014/main" id="{CBE30704-4227-4B7B-BDB8-BFCF39086FA4}"/>
+                </a:ext>
+                <a:ext uri="{C183D7F6-B498-43B3-948B-1728B52AA6E4}">
+                  <adec:decorative xmlns:adec="http://schemas.microsoft.com/office/drawing/2017/decorative" val="1"/>
+                </a:ext>
+              </a:extLst>
+            </p:cNvPr>
+            <p:cNvCxnSpPr/>
+            <p:nvPr>
+              <p:extLst>
+                <p:ext uri="{386F3935-93C4-4BCD-93E2-E3B085C9AB24}">
+                  <p16:designElem xmlns:p16="http://schemas.microsoft.com/office/powerpoint/2015/main" val="1"/>
+                </p:ext>
+              </p:extLst>
+            </p:nvPr>
+          </p:nvCxnSpPr>
+          <p:spPr>
+            <a:xfrm flipH="1">
+              <a:off x="10292292" y="3285067"/>
+              <a:ext cx="1896534" cy="1896533"/>
+            </a:xfrm>
+            <a:prstGeom prst="line">
+              <a:avLst/>
+            </a:prstGeom>
+            <a:ln w="9525">
+              <a:solidFill>
+                <a:schemeClr val="tx1"/>
+              </a:solidFill>
+            </a:ln>
+          </p:spPr>
+          <p:style>
+            <a:lnRef idx="2">
+              <a:schemeClr val="accent1"/>
+            </a:lnRef>
+            <a:fillRef idx="0">
+              <a:schemeClr val="accent1"/>
+            </a:fillRef>
+            <a:effectRef idx="1">
+              <a:schemeClr val="accent1"/>
+            </a:effectRef>
+            <a:fontRef idx="minor">
+              <a:schemeClr val="tx1"/>
+            </a:fontRef>
+          </p:style>
+        </p:cxnSp>
+        <p:cxnSp>
+          <p:nvCxnSpPr>
+            <p:cNvPr id="18" name="Straight Connector 17">
+              <a:extLst>
+                <a:ext uri="{FF2B5EF4-FFF2-40B4-BE49-F238E27FC236}">
+                  <a16:creationId xmlns:a16="http://schemas.microsoft.com/office/drawing/2014/main" id="{B923B1E7-AEA4-42D8-8F4A-9D116F29665C}"/>
+                </a:ext>
+                <a:ext uri="{C183D7F6-B498-43B3-948B-1728B52AA6E4}">
+                  <adec:decorative xmlns:adec="http://schemas.microsoft.com/office/drawing/2017/decorative" val="1"/>
+                </a:ext>
+              </a:extLst>
+            </p:cNvPr>
+            <p:cNvCxnSpPr/>
+            <p:nvPr>
+              <p:extLst>
+                <p:ext uri="{386F3935-93C4-4BCD-93E2-E3B085C9AB24}">
+                  <p16:designElem xmlns:p16="http://schemas.microsoft.com/office/powerpoint/2015/main" val="1"/>
+                </p:ext>
+              </p:extLst>
+            </p:nvPr>
+          </p:nvCxnSpPr>
+          <p:spPr>
+            <a:xfrm flipH="1">
+              <a:off x="10443103" y="3131080"/>
+              <a:ext cx="1745722" cy="1745720"/>
+            </a:xfrm>
+            <a:prstGeom prst="line">
+              <a:avLst/>
+            </a:prstGeom>
+            <a:ln w="28575">
+              <a:solidFill>
+                <a:schemeClr val="tx1"/>
+              </a:solidFill>
+            </a:ln>
+          </p:spPr>
+          <p:style>
+            <a:lnRef idx="2">
+              <a:schemeClr val="accent1"/>
+            </a:lnRef>
+            <a:fillRef idx="0">
+              <a:schemeClr val="accent1"/>
+            </a:fillRef>
+            <a:effectRef idx="1">
+              <a:schemeClr val="accent1"/>
+            </a:effectRef>
+            <a:fontRef idx="minor">
+              <a:schemeClr val="tx1"/>
+            </a:fontRef>
+          </p:style>
+        </p:cxnSp>
+        <p:cxnSp>
+          <p:nvCxnSpPr>
+            <p:cNvPr id="19" name="Straight Connector 18">
+              <a:extLst>
+                <a:ext uri="{FF2B5EF4-FFF2-40B4-BE49-F238E27FC236}">
+                  <a16:creationId xmlns:a16="http://schemas.microsoft.com/office/drawing/2014/main" id="{321B6244-6EAE-442C-ACCF-8146103EC1D5}"/>
+                </a:ext>
+                <a:ext uri="{C183D7F6-B498-43B3-948B-1728B52AA6E4}">
+                  <adec:decorative xmlns:adec="http://schemas.microsoft.com/office/drawing/2017/decorative" val="1"/>
+                </a:ext>
+              </a:extLst>
+            </p:cNvPr>
+            <p:cNvCxnSpPr/>
+            <p:nvPr>
+              <p:extLst>
+                <p:ext uri="{386F3935-93C4-4BCD-93E2-E3B085C9AB24}">
+                  <p16:designElem xmlns:p16="http://schemas.microsoft.com/office/powerpoint/2015/main" val="1"/>
+                </p:ext>
+              </p:extLst>
+            </p:nvPr>
+          </p:nvCxnSpPr>
+          <p:spPr>
+            <a:xfrm flipH="1">
+              <a:off x="10918826" y="3683001"/>
+              <a:ext cx="1270001" cy="1269999"/>
+            </a:xfrm>
+            <a:prstGeom prst="line">
+              <a:avLst/>
+            </a:prstGeom>
+            <a:ln w="28575">
+              <a:solidFill>
+                <a:schemeClr val="tx1"/>
+              </a:solidFill>
+            </a:ln>
+          </p:spPr>
+          <p:style>
+            <a:lnRef idx="2">
+              <a:schemeClr val="accent1"/>
+            </a:lnRef>
+            <a:fillRef idx="0">
+              <a:schemeClr val="accent1"/>
+            </a:fillRef>
+            <a:effectRef idx="1">
+              <a:schemeClr val="accent1"/>
+            </a:effectRef>
+            <a:fontRef idx="minor">
+              <a:schemeClr val="tx1"/>
+            </a:fontRef>
+          </p:style>
+        </p:cxnSp>
+      </p:grpSp>
+      <p:sp useBgFill="1">
+        <p:nvSpPr>
+          <p:cNvPr id="21" name="Rectangle 20">
             <a:extLst>
               <a:ext uri="{FF2B5EF4-FFF2-40B4-BE49-F238E27FC236}">
-                <a16:creationId xmlns:a16="http://schemas.microsoft.com/office/drawing/2014/main" id="{D659D441-236D-462F-BD2A-881A136C4B7D}"/>
+                <a16:creationId xmlns:a16="http://schemas.microsoft.com/office/drawing/2014/main" id="{CADF2543-1B6F-4FBC-A7AF-53A0430E05AB}"/>
+              </a:ext>
+              <a:ext uri="{C183D7F6-B498-43B3-948B-1728B52AA6E4}">
+                <adec:decorative xmlns:adec="http://schemas.microsoft.com/office/drawing/2017/decorative" val="1"/>
               </a:ext>
             </a:extLst>
           </p:cNvPr>
           <p:cNvSpPr>
+            <a:spLocks noGrp="1" noRot="1" noChangeAspect="1" noMove="1" noResize="1" noEditPoints="1" noAdjustHandles="1" noChangeArrowheads="1" noChangeShapeType="1" noTextEdit="1"/>
+          </p:cNvSpPr>
+          <p:nvPr>
+            <p:extLst>
+              <p:ext uri="{386F3935-93C4-4BCD-93E2-E3B085C9AB24}">
+                <p16:designElem xmlns:p16="http://schemas.microsoft.com/office/powerpoint/2015/main" val="1"/>
+              </p:ext>
+            </p:extLst>
+          </p:nvPr>
+        </p:nvSpPr>
+        <p:spPr>
+          <a:xfrm>
+            <a:off x="0" y="0"/>
+            <a:ext cx="12192000" cy="6858000"/>
+          </a:xfrm>
+          <a:prstGeom prst="rect">
+            <a:avLst/>
+          </a:prstGeom>
+          <a:ln>
+            <a:noFill/>
+          </a:ln>
+        </p:spPr>
+        <p:style>
+          <a:lnRef idx="2">
+            <a:schemeClr val="accent1">
+              <a:shade val="50000"/>
+            </a:schemeClr>
+          </a:lnRef>
+          <a:fillRef idx="1">
+            <a:schemeClr val="accent1"/>
+          </a:fillRef>
+          <a:effectRef idx="0">
+            <a:schemeClr val="accent1"/>
+          </a:effectRef>
+          <a:fontRef idx="minor">
+            <a:schemeClr val="lt1"/>
+          </a:fontRef>
+        </p:style>
+        <p:txBody>
+          <a:bodyPr rtlCol="0" anchor="ctr"/>
+          <a:lstStyle/>
+          <a:p>
+            <a:pPr algn="ctr"/>
+            <a:endParaRPr lang="en-US"/>
+          </a:p>
+        </p:txBody>
+      </p:sp>
+      <p:sp>
+        <p:nvSpPr>
+          <p:cNvPr id="8" name="Title 7">
+            <a:extLst>
+              <a:ext uri="{FF2B5EF4-FFF2-40B4-BE49-F238E27FC236}">
+                <a16:creationId xmlns:a16="http://schemas.microsoft.com/office/drawing/2014/main" id="{DB0FBED8-E7DB-42D0-AA03-4780A859714E}"/>
+              </a:ext>
+            </a:extLst>
+          </p:cNvPr>
+          <p:cNvSpPr>
             <a:spLocks noGrp="1"/>
           </p:cNvSpPr>
           <p:nvPr>
-            <p:ph idx="1"/>
-          </p:nvPr>
-        </p:nvSpPr>
-        <p:spPr/>
-        <p:txBody>
-          <a:bodyPr/>
+            <p:ph type="title"/>
+          </p:nvPr>
+        </p:nvSpPr>
+        <p:spPr>
+          <a:xfrm>
+            <a:off x="462712" y="73022"/>
+            <a:ext cx="8534400" cy="1507067"/>
+          </a:xfrm>
+        </p:spPr>
+        <p:txBody>
+          <a:bodyPr vert="horz" lIns="91440" tIns="45720" rIns="91440" bIns="45720" rtlCol="0" anchor="ctr">
+            <a:normAutofit/>
+          </a:bodyPr>
           <a:lstStyle/>
           <a:p>
-            <a:endParaRPr lang="en-US"/>
+            <a:r>
+              <a:rPr lang="en-US" sz="4400" u="sng" dirty="0">
+                <a:latin typeface="Copperplate Gothic Bold" panose="020E0705020206020404" pitchFamily="34" charset="0"/>
+              </a:rPr>
+              <a:t>Purpose</a:t>
+            </a:r>
+          </a:p>
+        </p:txBody>
+      </p:sp>
+      <p:grpSp>
+        <p:nvGrpSpPr>
+          <p:cNvPr id="59" name="Group 22">
+            <a:extLst>
+              <a:ext uri="{FF2B5EF4-FFF2-40B4-BE49-F238E27FC236}">
+                <a16:creationId xmlns:a16="http://schemas.microsoft.com/office/drawing/2014/main" id="{A80A6E81-6B71-43DF-877B-E964A9A4CB68}"/>
+              </a:ext>
+              <a:ext uri="{C183D7F6-B498-43B3-948B-1728B52AA6E4}">
+                <adec:decorative xmlns:adec="http://schemas.microsoft.com/office/drawing/2017/decorative" val="1"/>
+              </a:ext>
+            </a:extLst>
+          </p:cNvPr>
+          <p:cNvGrpSpPr>
+            <a:grpSpLocks noGrp="1" noUngrp="1" noRot="1" noChangeAspect="1" noMove="1" noResize="1"/>
+          </p:cNvGrpSpPr>
+          <p:nvPr>
+            <p:extLst>
+              <p:ext uri="{386F3935-93C4-4BCD-93E2-E3B085C9AB24}">
+                <p16:designElem xmlns:p16="http://schemas.microsoft.com/office/powerpoint/2015/main" val="1"/>
+              </p:ext>
+            </p:extLst>
+          </p:nvPr>
+        </p:nvGrpSpPr>
+        <p:grpSpPr>
+          <a:xfrm>
+            <a:off x="9206969" y="2963333"/>
+            <a:ext cx="2981858" cy="3208867"/>
+            <a:chOff x="9206969" y="2963333"/>
+            <a:chExt cx="2981858" cy="3208867"/>
+          </a:xfrm>
+        </p:grpSpPr>
+        <p:cxnSp>
+          <p:nvCxnSpPr>
+            <p:cNvPr id="24" name="Straight Connector 23">
+              <a:extLst>
+                <a:ext uri="{FF2B5EF4-FFF2-40B4-BE49-F238E27FC236}">
+                  <a16:creationId xmlns:a16="http://schemas.microsoft.com/office/drawing/2014/main" id="{4E35C3AD-357F-4004-A3F3-2D4EAF34A63D}"/>
+                </a:ext>
+                <a:ext uri="{C183D7F6-B498-43B3-948B-1728B52AA6E4}">
+                  <adec:decorative xmlns:adec="http://schemas.microsoft.com/office/drawing/2017/decorative" val="1"/>
+                </a:ext>
+              </a:extLst>
+            </p:cNvPr>
+            <p:cNvCxnSpPr/>
+            <p:nvPr>
+              <p:extLst>
+                <p:ext uri="{386F3935-93C4-4BCD-93E2-E3B085C9AB24}">
+                  <p16:designElem xmlns:p16="http://schemas.microsoft.com/office/powerpoint/2015/main" val="1"/>
+                </p:ext>
+              </p:extLst>
+            </p:nvPr>
+          </p:nvCxnSpPr>
+          <p:spPr>
+            <a:xfrm flipH="1">
+              <a:off x="11276012" y="2963333"/>
+              <a:ext cx="912814" cy="912812"/>
+            </a:xfrm>
+            <a:prstGeom prst="line">
+              <a:avLst/>
+            </a:prstGeom>
+            <a:ln w="9525">
+              <a:solidFill>
+                <a:schemeClr val="tx2">
+                  <a:lumMod val="75000"/>
+                  <a:alpha val="80000"/>
+                </a:schemeClr>
+              </a:solidFill>
+            </a:ln>
+          </p:spPr>
+          <p:style>
+            <a:lnRef idx="2">
+              <a:schemeClr val="accent1"/>
+            </a:lnRef>
+            <a:fillRef idx="0">
+              <a:schemeClr val="accent1"/>
+            </a:fillRef>
+            <a:effectRef idx="1">
+              <a:schemeClr val="accent1"/>
+            </a:effectRef>
+            <a:fontRef idx="minor">
+              <a:schemeClr val="tx1"/>
+            </a:fontRef>
+          </p:style>
+        </p:cxnSp>
+        <p:cxnSp>
+          <p:nvCxnSpPr>
+            <p:cNvPr id="25" name="Straight Connector 24">
+              <a:extLst>
+                <a:ext uri="{FF2B5EF4-FFF2-40B4-BE49-F238E27FC236}">
+                  <a16:creationId xmlns:a16="http://schemas.microsoft.com/office/drawing/2014/main" id="{337B6032-0A70-4F26-A9A3-B4D60DF11818}"/>
+                </a:ext>
+                <a:ext uri="{C183D7F6-B498-43B3-948B-1728B52AA6E4}">
+                  <adec:decorative xmlns:adec="http://schemas.microsoft.com/office/drawing/2017/decorative" val="1"/>
+                </a:ext>
+              </a:extLst>
+            </p:cNvPr>
+            <p:cNvCxnSpPr/>
+            <p:nvPr>
+              <p:extLst>
+                <p:ext uri="{386F3935-93C4-4BCD-93E2-E3B085C9AB24}">
+                  <p16:designElem xmlns:p16="http://schemas.microsoft.com/office/powerpoint/2015/main" val="1"/>
+                </p:ext>
+              </p:extLst>
+            </p:nvPr>
+          </p:nvCxnSpPr>
+          <p:spPr>
+            <a:xfrm flipH="1">
+              <a:off x="9206969" y="3190344"/>
+              <a:ext cx="2981857" cy="2981856"/>
+            </a:xfrm>
+            <a:prstGeom prst="line">
+              <a:avLst/>
+            </a:prstGeom>
+            <a:ln w="9525">
+              <a:solidFill>
+                <a:schemeClr val="tx2">
+                  <a:lumMod val="75000"/>
+                  <a:alpha val="80000"/>
+                </a:schemeClr>
+              </a:solidFill>
+            </a:ln>
+          </p:spPr>
+          <p:style>
+            <a:lnRef idx="2">
+              <a:schemeClr val="accent1"/>
+            </a:lnRef>
+            <a:fillRef idx="0">
+              <a:schemeClr val="accent1"/>
+            </a:fillRef>
+            <a:effectRef idx="1">
+              <a:schemeClr val="accent1"/>
+            </a:effectRef>
+            <a:fontRef idx="minor">
+              <a:schemeClr val="tx1"/>
+            </a:fontRef>
+          </p:style>
+        </p:cxnSp>
+        <p:cxnSp>
+          <p:nvCxnSpPr>
+            <p:cNvPr id="26" name="Straight Connector 25">
+              <a:extLst>
+                <a:ext uri="{FF2B5EF4-FFF2-40B4-BE49-F238E27FC236}">
+                  <a16:creationId xmlns:a16="http://schemas.microsoft.com/office/drawing/2014/main" id="{DE192CE3-3DD1-448F-93BE-42983DA0D5A9}"/>
+                </a:ext>
+                <a:ext uri="{C183D7F6-B498-43B3-948B-1728B52AA6E4}">
+                  <adec:decorative xmlns:adec="http://schemas.microsoft.com/office/drawing/2017/decorative" val="1"/>
+                </a:ext>
+              </a:extLst>
+            </p:cNvPr>
+            <p:cNvCxnSpPr/>
+            <p:nvPr>
+              <p:extLst>
+                <p:ext uri="{386F3935-93C4-4BCD-93E2-E3B085C9AB24}">
+                  <p16:designElem xmlns:p16="http://schemas.microsoft.com/office/powerpoint/2015/main" val="1"/>
+                </p:ext>
+              </p:extLst>
+            </p:nvPr>
+          </p:nvCxnSpPr>
+          <p:spPr>
+            <a:xfrm flipH="1">
+              <a:off x="10292292" y="3285067"/>
+              <a:ext cx="1896534" cy="1896533"/>
+            </a:xfrm>
+            <a:prstGeom prst="line">
+              <a:avLst/>
+            </a:prstGeom>
+            <a:ln w="9525">
+              <a:solidFill>
+                <a:schemeClr val="tx2">
+                  <a:lumMod val="75000"/>
+                  <a:alpha val="80000"/>
+                </a:schemeClr>
+              </a:solidFill>
+            </a:ln>
+          </p:spPr>
+          <p:style>
+            <a:lnRef idx="2">
+              <a:schemeClr val="accent1"/>
+            </a:lnRef>
+            <a:fillRef idx="0">
+              <a:schemeClr val="accent1"/>
+            </a:fillRef>
+            <a:effectRef idx="1">
+              <a:schemeClr val="accent1"/>
+            </a:effectRef>
+            <a:fontRef idx="minor">
+              <a:schemeClr val="tx1"/>
+            </a:fontRef>
+          </p:style>
+        </p:cxnSp>
+        <p:cxnSp>
+          <p:nvCxnSpPr>
+            <p:cNvPr id="27" name="Straight Connector 26">
+              <a:extLst>
+                <a:ext uri="{FF2B5EF4-FFF2-40B4-BE49-F238E27FC236}">
+                  <a16:creationId xmlns:a16="http://schemas.microsoft.com/office/drawing/2014/main" id="{E6D3DA09-5C72-4562-BEDE-1937DF87E81D}"/>
+                </a:ext>
+                <a:ext uri="{C183D7F6-B498-43B3-948B-1728B52AA6E4}">
+                  <adec:decorative xmlns:adec="http://schemas.microsoft.com/office/drawing/2017/decorative" val="1"/>
+                </a:ext>
+              </a:extLst>
+            </p:cNvPr>
+            <p:cNvCxnSpPr/>
+            <p:nvPr>
+              <p:extLst>
+                <p:ext uri="{386F3935-93C4-4BCD-93E2-E3B085C9AB24}">
+                  <p16:designElem xmlns:p16="http://schemas.microsoft.com/office/powerpoint/2015/main" val="1"/>
+                </p:ext>
+              </p:extLst>
+            </p:nvPr>
+          </p:nvCxnSpPr>
+          <p:spPr>
+            <a:xfrm flipH="1">
+              <a:off x="10443103" y="3131080"/>
+              <a:ext cx="1745722" cy="1745720"/>
+            </a:xfrm>
+            <a:prstGeom prst="line">
+              <a:avLst/>
+            </a:prstGeom>
+            <a:ln w="28575">
+              <a:solidFill>
+                <a:schemeClr val="tx2">
+                  <a:lumMod val="75000"/>
+                  <a:alpha val="80000"/>
+                </a:schemeClr>
+              </a:solidFill>
+            </a:ln>
+          </p:spPr>
+          <p:style>
+            <a:lnRef idx="2">
+              <a:schemeClr val="accent1"/>
+            </a:lnRef>
+            <a:fillRef idx="0">
+              <a:schemeClr val="accent1"/>
+            </a:fillRef>
+            <a:effectRef idx="1">
+              <a:schemeClr val="accent1"/>
+            </a:effectRef>
+            <a:fontRef idx="minor">
+              <a:schemeClr val="tx1"/>
+            </a:fontRef>
+          </p:style>
+        </p:cxnSp>
+        <p:cxnSp>
+          <p:nvCxnSpPr>
+            <p:cNvPr id="28" name="Straight Connector 27">
+              <a:extLst>
+                <a:ext uri="{FF2B5EF4-FFF2-40B4-BE49-F238E27FC236}">
+                  <a16:creationId xmlns:a16="http://schemas.microsoft.com/office/drawing/2014/main" id="{D6ACA7CA-2A20-49D7-9053-E076463D79A3}"/>
+                </a:ext>
+                <a:ext uri="{C183D7F6-B498-43B3-948B-1728B52AA6E4}">
+                  <adec:decorative xmlns:adec="http://schemas.microsoft.com/office/drawing/2017/decorative" val="1"/>
+                </a:ext>
+              </a:extLst>
+            </p:cNvPr>
+            <p:cNvCxnSpPr/>
+            <p:nvPr>
+              <p:extLst>
+                <p:ext uri="{386F3935-93C4-4BCD-93E2-E3B085C9AB24}">
+                  <p16:designElem xmlns:p16="http://schemas.microsoft.com/office/powerpoint/2015/main" val="1"/>
+                </p:ext>
+              </p:extLst>
+            </p:nvPr>
+          </p:nvCxnSpPr>
+          <p:spPr>
+            <a:xfrm flipH="1">
+              <a:off x="10918826" y="3683001"/>
+              <a:ext cx="1270001" cy="1269999"/>
+            </a:xfrm>
+            <a:prstGeom prst="line">
+              <a:avLst/>
+            </a:prstGeom>
+            <a:ln w="28575">
+              <a:solidFill>
+                <a:schemeClr val="tx2">
+                  <a:lumMod val="75000"/>
+                  <a:alpha val="80000"/>
+                </a:schemeClr>
+              </a:solidFill>
+            </a:ln>
+          </p:spPr>
+          <p:style>
+            <a:lnRef idx="2">
+              <a:schemeClr val="accent1"/>
+            </a:lnRef>
+            <a:fillRef idx="0">
+              <a:schemeClr val="accent1"/>
+            </a:fillRef>
+            <a:effectRef idx="1">
+              <a:schemeClr val="accent1"/>
+            </a:effectRef>
+            <a:fontRef idx="minor">
+              <a:schemeClr val="tx1"/>
+            </a:fontRef>
+          </p:style>
+        </p:cxnSp>
+      </p:grpSp>
+      <p:sp>
+        <p:nvSpPr>
+          <p:cNvPr id="9" name="TextBox 8">
+            <a:extLst>
+              <a:ext uri="{FF2B5EF4-FFF2-40B4-BE49-F238E27FC236}">
+                <a16:creationId xmlns:a16="http://schemas.microsoft.com/office/drawing/2014/main" id="{20E3D003-60C3-4081-896E-1AB1885F4F35}"/>
+              </a:ext>
+            </a:extLst>
+          </p:cNvPr>
+          <p:cNvSpPr txBox="1"/>
+          <p:nvPr/>
+        </p:nvSpPr>
+        <p:spPr>
+          <a:xfrm>
+            <a:off x="537897" y="1477433"/>
+            <a:ext cx="8534400" cy="3615267"/>
+          </a:xfrm>
+          <a:prstGeom prst="rect">
+            <a:avLst/>
+          </a:prstGeom>
+        </p:spPr>
+        <p:txBody>
+          <a:bodyPr vert="horz" lIns="91440" tIns="45720" rIns="91440" bIns="45720" rtlCol="0" anchor="ctr">
+            <a:normAutofit/>
+          </a:bodyPr>
+          <a:lstStyle/>
+          <a:p>
+            <a:pPr defTabSz="457200">
+              <a:lnSpc>
+                <a:spcPct val="90000"/>
+              </a:lnSpc>
+              <a:spcBef>
+                <a:spcPct val="20000"/>
+              </a:spcBef>
+              <a:spcAft>
+                <a:spcPts val="600"/>
+              </a:spcAft>
+              <a:buClr>
+                <a:schemeClr val="tx1"/>
+              </a:buClr>
+              <a:buSzPct val="80000"/>
+              <a:buFont typeface="Wingdings 3" panose="05040102010807070707" pitchFamily="18" charset="2"/>
+              <a:buChar char=""/>
+            </a:pPr>
+            <a:r>
+              <a:rPr lang="en-US" sz="1500" dirty="0"/>
+              <a:t>In the beginning we sought to challenge ourselves and expand our knowledge within the realms of computer science and engineering. We decided to create a complex project consisting of multiple disciplines not only within the computer science field but that of other engineering fields as well.</a:t>
+            </a:r>
+          </a:p>
+          <a:p>
+            <a:pPr defTabSz="457200">
+              <a:lnSpc>
+                <a:spcPct val="90000"/>
+              </a:lnSpc>
+              <a:spcBef>
+                <a:spcPct val="20000"/>
+              </a:spcBef>
+              <a:spcAft>
+                <a:spcPts val="600"/>
+              </a:spcAft>
+              <a:buClr>
+                <a:schemeClr val="tx1"/>
+              </a:buClr>
+              <a:buSzPct val="80000"/>
+              <a:buFont typeface="Wingdings 3" panose="05040102010807070707" pitchFamily="18" charset="2"/>
+              <a:buChar char=""/>
+            </a:pPr>
+            <a:endParaRPr lang="en-US" sz="1500" dirty="0"/>
+          </a:p>
+          <a:p>
+            <a:pPr defTabSz="457200">
+              <a:lnSpc>
+                <a:spcPct val="90000"/>
+              </a:lnSpc>
+              <a:spcBef>
+                <a:spcPct val="20000"/>
+              </a:spcBef>
+              <a:spcAft>
+                <a:spcPts val="600"/>
+              </a:spcAft>
+              <a:buClr>
+                <a:schemeClr val="tx1"/>
+              </a:buClr>
+              <a:buSzPct val="80000"/>
+              <a:buFont typeface="Wingdings 3" panose="05040102010807070707" pitchFamily="18" charset="2"/>
+              <a:buChar char=""/>
+            </a:pPr>
+            <a:r>
+              <a:rPr lang="en-US" sz="1500" dirty="0"/>
+              <a:t>Thus we created, from scratch, an infotainment system customized for the Nissan 350z.</a:t>
+            </a:r>
+          </a:p>
+          <a:p>
+            <a:pPr defTabSz="457200">
+              <a:lnSpc>
+                <a:spcPct val="90000"/>
+              </a:lnSpc>
+              <a:spcBef>
+                <a:spcPct val="20000"/>
+              </a:spcBef>
+              <a:spcAft>
+                <a:spcPts val="600"/>
+              </a:spcAft>
+              <a:buClr>
+                <a:schemeClr val="tx1"/>
+              </a:buClr>
+              <a:buSzPct val="80000"/>
+              <a:buFont typeface="Wingdings 3" panose="05040102010807070707" pitchFamily="18" charset="2"/>
+              <a:buChar char=""/>
+            </a:pPr>
+            <a:endParaRPr lang="en-US" sz="1500" dirty="0"/>
+          </a:p>
+          <a:p>
+            <a:pPr defTabSz="457200">
+              <a:lnSpc>
+                <a:spcPct val="90000"/>
+              </a:lnSpc>
+              <a:spcBef>
+                <a:spcPct val="20000"/>
+              </a:spcBef>
+              <a:spcAft>
+                <a:spcPts val="600"/>
+              </a:spcAft>
+              <a:buClr>
+                <a:schemeClr val="tx1"/>
+              </a:buClr>
+              <a:buSzPct val="80000"/>
+              <a:buFont typeface="Wingdings 3" panose="05040102010807070707" pitchFamily="18" charset="2"/>
+              <a:buChar char=""/>
+            </a:pPr>
+            <a:r>
+              <a:rPr lang="en-US" sz="1500" dirty="0"/>
+              <a:t>With the composition of the team and its many different talents, we divulged our own unique touches on the system to create something that stands out from other projects.</a:t>
+            </a:r>
+          </a:p>
+          <a:p>
+            <a:pPr defTabSz="457200">
+              <a:lnSpc>
+                <a:spcPct val="90000"/>
+              </a:lnSpc>
+              <a:spcBef>
+                <a:spcPct val="20000"/>
+              </a:spcBef>
+              <a:spcAft>
+                <a:spcPts val="600"/>
+              </a:spcAft>
+              <a:buClr>
+                <a:schemeClr val="tx1"/>
+              </a:buClr>
+              <a:buSzPct val="80000"/>
+              <a:buFont typeface="Wingdings 3" panose="05040102010807070707" pitchFamily="18" charset="2"/>
+              <a:buChar char=""/>
+            </a:pPr>
+            <a:endParaRPr lang="en-US" sz="1500" dirty="0"/>
+          </a:p>
+          <a:p>
+            <a:pPr defTabSz="457200">
+              <a:lnSpc>
+                <a:spcPct val="90000"/>
+              </a:lnSpc>
+              <a:spcBef>
+                <a:spcPct val="20000"/>
+              </a:spcBef>
+              <a:spcAft>
+                <a:spcPts val="600"/>
+              </a:spcAft>
+              <a:buClr>
+                <a:schemeClr val="tx1"/>
+              </a:buClr>
+              <a:buSzPct val="80000"/>
+              <a:buFont typeface="Wingdings 3" panose="05040102010807070707" pitchFamily="18" charset="2"/>
+              <a:buChar char=""/>
+            </a:pPr>
+            <a:r>
+              <a:rPr lang="en-US" sz="1500" dirty="0"/>
+              <a:t>It is our hope that you will be just as impressed as we are with the functionality and all that the system is capable of.</a:t>
+            </a:r>
           </a:p>
         </p:txBody>
       </p:sp>
     </p:spTree>
     <p:extLst>
       <p:ext uri="{BB962C8B-B14F-4D97-AF65-F5344CB8AC3E}">
-        <p14:creationId xmlns:p14="http://schemas.microsoft.com/office/powerpoint/2010/main" val="803260358"/>
+        <p14:creationId xmlns:p14="http://schemas.microsoft.com/office/powerpoint/2010/main" val="1869353921"/>
       </p:ext>
     </p:extLst>
   </p:cSld>
@@ -5632,6 +8189,32 @@
 <file path=ppt/slides/slide4.xml><?xml version="1.0" encoding="utf-8"?>
 <p:sld xmlns:a="http://schemas.openxmlformats.org/drawingml/2006/main" xmlns:r="http://schemas.openxmlformats.org/officeDocument/2006/relationships" xmlns:p="http://schemas.openxmlformats.org/presentationml/2006/main">
   <p:cSld>
+    <p:bg>
+      <p:bgPr>
+        <a:gradFill rotWithShape="1">
+          <a:gsLst>
+            <a:gs pos="10000">
+              <a:schemeClr val="bg2">
+                <a:tint val="97000"/>
+                <a:hueMod val="142000"/>
+                <a:satMod val="200000"/>
+                <a:lumMod val="118000"/>
+              </a:schemeClr>
+            </a:gs>
+            <a:gs pos="100000">
+              <a:schemeClr val="bg2">
+                <a:shade val="94000"/>
+                <a:hueMod val="22000"/>
+                <a:satMod val="220000"/>
+                <a:lumMod val="62000"/>
+              </a:schemeClr>
+            </a:gs>
+          </a:gsLst>
+          <a:lin ang="6120000" scaled="1"/>
+        </a:gradFill>
+        <a:effectLst/>
+      </p:bgPr>
+    </p:bg>
     <p:spTree>
       <p:nvGrpSpPr>
         <p:cNvPr id="1" name=""/>
@@ -5646,12 +8229,354 @@
           <a:chExt cx="0" cy="0"/>
         </a:xfrm>
       </p:grpSpPr>
+      <p:grpSp>
+        <p:nvGrpSpPr>
+          <p:cNvPr id="12" name="Group 11">
+            <a:extLst>
+              <a:ext uri="{FF2B5EF4-FFF2-40B4-BE49-F238E27FC236}">
+                <a16:creationId xmlns:a16="http://schemas.microsoft.com/office/drawing/2014/main" id="{FC021F2B-E36E-4D1E-B6AD-182B55379AC1}"/>
+              </a:ext>
+              <a:ext uri="{C183D7F6-B498-43B3-948B-1728B52AA6E4}">
+                <adec:decorative xmlns:adec="http://schemas.microsoft.com/office/drawing/2017/decorative" val="1"/>
+              </a:ext>
+            </a:extLst>
+          </p:cNvPr>
+          <p:cNvGrpSpPr>
+            <a:grpSpLocks noGrp="1" noUngrp="1" noRot="1" noChangeAspect="1" noMove="1" noResize="1"/>
+          </p:cNvGrpSpPr>
+          <p:nvPr>
+            <p:extLst>
+              <p:ext uri="{386F3935-93C4-4BCD-93E2-E3B085C9AB24}">
+                <p16:designElem xmlns:p16="http://schemas.microsoft.com/office/powerpoint/2015/main" val="1"/>
+              </p:ext>
+            </p:extLst>
+          </p:nvPr>
+        </p:nvGrpSpPr>
+        <p:grpSpPr>
+          <a:xfrm>
+            <a:off x="9206969" y="2963333"/>
+            <a:ext cx="2981858" cy="3208867"/>
+            <a:chOff x="9206969" y="2963333"/>
+            <a:chExt cx="2981858" cy="3208867"/>
+          </a:xfrm>
+        </p:grpSpPr>
+        <p:cxnSp>
+          <p:nvCxnSpPr>
+            <p:cNvPr id="13" name="Straight Connector 12">
+              <a:extLst>
+                <a:ext uri="{FF2B5EF4-FFF2-40B4-BE49-F238E27FC236}">
+                  <a16:creationId xmlns:a16="http://schemas.microsoft.com/office/drawing/2014/main" id="{106591D4-FCA8-487E-932B-9295D8AE1189}"/>
+                </a:ext>
+                <a:ext uri="{C183D7F6-B498-43B3-948B-1728B52AA6E4}">
+                  <adec:decorative xmlns:adec="http://schemas.microsoft.com/office/drawing/2017/decorative" val="1"/>
+                </a:ext>
+              </a:extLst>
+            </p:cNvPr>
+            <p:cNvCxnSpPr/>
+            <p:nvPr>
+              <p:extLst>
+                <p:ext uri="{386F3935-93C4-4BCD-93E2-E3B085C9AB24}">
+                  <p16:designElem xmlns:p16="http://schemas.microsoft.com/office/powerpoint/2015/main" val="1"/>
+                </p:ext>
+              </p:extLst>
+            </p:nvPr>
+          </p:nvCxnSpPr>
+          <p:spPr>
+            <a:xfrm flipH="1">
+              <a:off x="11276012" y="2963333"/>
+              <a:ext cx="912814" cy="912812"/>
+            </a:xfrm>
+            <a:prstGeom prst="line">
+              <a:avLst/>
+            </a:prstGeom>
+            <a:ln w="9525">
+              <a:solidFill>
+                <a:schemeClr val="tx1"/>
+              </a:solidFill>
+            </a:ln>
+          </p:spPr>
+          <p:style>
+            <a:lnRef idx="2">
+              <a:schemeClr val="accent1"/>
+            </a:lnRef>
+            <a:fillRef idx="0">
+              <a:schemeClr val="accent1"/>
+            </a:fillRef>
+            <a:effectRef idx="1">
+              <a:schemeClr val="accent1"/>
+            </a:effectRef>
+            <a:fontRef idx="minor">
+              <a:schemeClr val="tx1"/>
+            </a:fontRef>
+          </p:style>
+        </p:cxnSp>
+        <p:cxnSp>
+          <p:nvCxnSpPr>
+            <p:cNvPr id="14" name="Straight Connector 13">
+              <a:extLst>
+                <a:ext uri="{FF2B5EF4-FFF2-40B4-BE49-F238E27FC236}">
+                  <a16:creationId xmlns:a16="http://schemas.microsoft.com/office/drawing/2014/main" id="{8FA3C3E3-3553-41FF-94E3-4755493D1A88}"/>
+                </a:ext>
+                <a:ext uri="{C183D7F6-B498-43B3-948B-1728B52AA6E4}">
+                  <adec:decorative xmlns:adec="http://schemas.microsoft.com/office/drawing/2017/decorative" val="1"/>
+                </a:ext>
+              </a:extLst>
+            </p:cNvPr>
+            <p:cNvCxnSpPr/>
+            <p:nvPr>
+              <p:extLst>
+                <p:ext uri="{386F3935-93C4-4BCD-93E2-E3B085C9AB24}">
+                  <p16:designElem xmlns:p16="http://schemas.microsoft.com/office/powerpoint/2015/main" val="1"/>
+                </p:ext>
+              </p:extLst>
+            </p:nvPr>
+          </p:nvCxnSpPr>
+          <p:spPr>
+            <a:xfrm flipH="1">
+              <a:off x="9206969" y="3190344"/>
+              <a:ext cx="2981857" cy="2981856"/>
+            </a:xfrm>
+            <a:prstGeom prst="line">
+              <a:avLst/>
+            </a:prstGeom>
+            <a:ln w="9525">
+              <a:solidFill>
+                <a:schemeClr val="tx1"/>
+              </a:solidFill>
+            </a:ln>
+          </p:spPr>
+          <p:style>
+            <a:lnRef idx="2">
+              <a:schemeClr val="accent1"/>
+            </a:lnRef>
+            <a:fillRef idx="0">
+              <a:schemeClr val="accent1"/>
+            </a:fillRef>
+            <a:effectRef idx="1">
+              <a:schemeClr val="accent1"/>
+            </a:effectRef>
+            <a:fontRef idx="minor">
+              <a:schemeClr val="tx1"/>
+            </a:fontRef>
+          </p:style>
+        </p:cxnSp>
+        <p:cxnSp>
+          <p:nvCxnSpPr>
+            <p:cNvPr id="15" name="Straight Connector 14">
+              <a:extLst>
+                <a:ext uri="{FF2B5EF4-FFF2-40B4-BE49-F238E27FC236}">
+                  <a16:creationId xmlns:a16="http://schemas.microsoft.com/office/drawing/2014/main" id="{66877872-9969-41A3-9C01-7D105E029873}"/>
+                </a:ext>
+                <a:ext uri="{C183D7F6-B498-43B3-948B-1728B52AA6E4}">
+                  <adec:decorative xmlns:adec="http://schemas.microsoft.com/office/drawing/2017/decorative" val="1"/>
+                </a:ext>
+              </a:extLst>
+            </p:cNvPr>
+            <p:cNvCxnSpPr/>
+            <p:nvPr>
+              <p:extLst>
+                <p:ext uri="{386F3935-93C4-4BCD-93E2-E3B085C9AB24}">
+                  <p16:designElem xmlns:p16="http://schemas.microsoft.com/office/powerpoint/2015/main" val="1"/>
+                </p:ext>
+              </p:extLst>
+            </p:nvPr>
+          </p:nvCxnSpPr>
+          <p:spPr>
+            <a:xfrm flipH="1">
+              <a:off x="10292292" y="3285067"/>
+              <a:ext cx="1896534" cy="1896533"/>
+            </a:xfrm>
+            <a:prstGeom prst="line">
+              <a:avLst/>
+            </a:prstGeom>
+            <a:ln w="9525">
+              <a:solidFill>
+                <a:schemeClr val="tx1"/>
+              </a:solidFill>
+            </a:ln>
+          </p:spPr>
+          <p:style>
+            <a:lnRef idx="2">
+              <a:schemeClr val="accent1"/>
+            </a:lnRef>
+            <a:fillRef idx="0">
+              <a:schemeClr val="accent1"/>
+            </a:fillRef>
+            <a:effectRef idx="1">
+              <a:schemeClr val="accent1"/>
+            </a:effectRef>
+            <a:fontRef idx="minor">
+              <a:schemeClr val="tx1"/>
+            </a:fontRef>
+          </p:style>
+        </p:cxnSp>
+        <p:cxnSp>
+          <p:nvCxnSpPr>
+            <p:cNvPr id="16" name="Straight Connector 15">
+              <a:extLst>
+                <a:ext uri="{FF2B5EF4-FFF2-40B4-BE49-F238E27FC236}">
+                  <a16:creationId xmlns:a16="http://schemas.microsoft.com/office/drawing/2014/main" id="{4BEB398F-782C-4B4F-9993-C92F32D08050}"/>
+                </a:ext>
+                <a:ext uri="{C183D7F6-B498-43B3-948B-1728B52AA6E4}">
+                  <adec:decorative xmlns:adec="http://schemas.microsoft.com/office/drawing/2017/decorative" val="1"/>
+                </a:ext>
+              </a:extLst>
+            </p:cNvPr>
+            <p:cNvCxnSpPr/>
+            <p:nvPr>
+              <p:extLst>
+                <p:ext uri="{386F3935-93C4-4BCD-93E2-E3B085C9AB24}">
+                  <p16:designElem xmlns:p16="http://schemas.microsoft.com/office/powerpoint/2015/main" val="1"/>
+                </p:ext>
+              </p:extLst>
+            </p:nvPr>
+          </p:nvCxnSpPr>
+          <p:spPr>
+            <a:xfrm flipH="1">
+              <a:off x="10443103" y="3131080"/>
+              <a:ext cx="1745722" cy="1745720"/>
+            </a:xfrm>
+            <a:prstGeom prst="line">
+              <a:avLst/>
+            </a:prstGeom>
+            <a:ln w="28575">
+              <a:solidFill>
+                <a:schemeClr val="tx1"/>
+              </a:solidFill>
+            </a:ln>
+          </p:spPr>
+          <p:style>
+            <a:lnRef idx="2">
+              <a:schemeClr val="accent1"/>
+            </a:lnRef>
+            <a:fillRef idx="0">
+              <a:schemeClr val="accent1"/>
+            </a:fillRef>
+            <a:effectRef idx="1">
+              <a:schemeClr val="accent1"/>
+            </a:effectRef>
+            <a:fontRef idx="minor">
+              <a:schemeClr val="tx1"/>
+            </a:fontRef>
+          </p:style>
+        </p:cxnSp>
+        <p:cxnSp>
+          <p:nvCxnSpPr>
+            <p:cNvPr id="17" name="Straight Connector 16">
+              <a:extLst>
+                <a:ext uri="{FF2B5EF4-FFF2-40B4-BE49-F238E27FC236}">
+                  <a16:creationId xmlns:a16="http://schemas.microsoft.com/office/drawing/2014/main" id="{87389EFA-C586-4A73-AB69-A42AC1C8BBBB}"/>
+                </a:ext>
+                <a:ext uri="{C183D7F6-B498-43B3-948B-1728B52AA6E4}">
+                  <adec:decorative xmlns:adec="http://schemas.microsoft.com/office/drawing/2017/decorative" val="1"/>
+                </a:ext>
+              </a:extLst>
+            </p:cNvPr>
+            <p:cNvCxnSpPr/>
+            <p:nvPr>
+              <p:extLst>
+                <p:ext uri="{386F3935-93C4-4BCD-93E2-E3B085C9AB24}">
+                  <p16:designElem xmlns:p16="http://schemas.microsoft.com/office/powerpoint/2015/main" val="1"/>
+                </p:ext>
+              </p:extLst>
+            </p:nvPr>
+          </p:nvCxnSpPr>
+          <p:spPr>
+            <a:xfrm flipH="1">
+              <a:off x="10918826" y="3683001"/>
+              <a:ext cx="1270001" cy="1269999"/>
+            </a:xfrm>
+            <a:prstGeom prst="line">
+              <a:avLst/>
+            </a:prstGeom>
+            <a:ln w="28575">
+              <a:solidFill>
+                <a:schemeClr val="tx1"/>
+              </a:solidFill>
+            </a:ln>
+          </p:spPr>
+          <p:style>
+            <a:lnRef idx="2">
+              <a:schemeClr val="accent1"/>
+            </a:lnRef>
+            <a:fillRef idx="0">
+              <a:schemeClr val="accent1"/>
+            </a:fillRef>
+            <a:effectRef idx="1">
+              <a:schemeClr val="accent1"/>
+            </a:effectRef>
+            <a:fontRef idx="minor">
+              <a:schemeClr val="tx1"/>
+            </a:fontRef>
+          </p:style>
+        </p:cxnSp>
+      </p:grpSp>
+      <p:sp useBgFill="1">
+        <p:nvSpPr>
+          <p:cNvPr id="19" name="Rectangle 18">
+            <a:extLst>
+              <a:ext uri="{FF2B5EF4-FFF2-40B4-BE49-F238E27FC236}">
+                <a16:creationId xmlns:a16="http://schemas.microsoft.com/office/drawing/2014/main" id="{8CC8DB77-E1FC-45D1-B95D-E6C758B593C1}"/>
+              </a:ext>
+              <a:ext uri="{C183D7F6-B498-43B3-948B-1728B52AA6E4}">
+                <adec:decorative xmlns:adec="http://schemas.microsoft.com/office/drawing/2017/decorative" val="1"/>
+              </a:ext>
+            </a:extLst>
+          </p:cNvPr>
+          <p:cNvSpPr>
+            <a:spLocks noGrp="1" noRot="1" noChangeAspect="1" noMove="1" noResize="1" noEditPoints="1" noAdjustHandles="1" noChangeArrowheads="1" noChangeShapeType="1" noTextEdit="1"/>
+          </p:cNvSpPr>
+          <p:nvPr>
+            <p:extLst>
+              <p:ext uri="{386F3935-93C4-4BCD-93E2-E3B085C9AB24}">
+                <p16:designElem xmlns:p16="http://schemas.microsoft.com/office/powerpoint/2015/main" val="1"/>
+              </p:ext>
+            </p:extLst>
+          </p:nvPr>
+        </p:nvSpPr>
+        <p:spPr>
+          <a:xfrm>
+            <a:off x="0" y="0"/>
+            <a:ext cx="12192000" cy="6858000"/>
+          </a:xfrm>
+          <a:prstGeom prst="rect">
+            <a:avLst/>
+          </a:prstGeom>
+          <a:ln>
+            <a:noFill/>
+          </a:ln>
+        </p:spPr>
+        <p:style>
+          <a:lnRef idx="2">
+            <a:schemeClr val="accent1">
+              <a:shade val="50000"/>
+            </a:schemeClr>
+          </a:lnRef>
+          <a:fillRef idx="1">
+            <a:schemeClr val="accent1"/>
+          </a:fillRef>
+          <a:effectRef idx="0">
+            <a:schemeClr val="accent1"/>
+          </a:effectRef>
+          <a:fontRef idx="minor">
+            <a:schemeClr val="lt1"/>
+          </a:fontRef>
+        </p:style>
+        <p:txBody>
+          <a:bodyPr rtlCol="0" anchor="ctr"/>
+          <a:lstStyle/>
+          <a:p>
+            <a:pPr algn="ctr"/>
+            <a:endParaRPr lang="en-US"/>
+          </a:p>
+        </p:txBody>
+      </p:sp>
       <p:sp>
         <p:nvSpPr>
           <p:cNvPr id="2" name="Title 1">
             <a:extLst>
               <a:ext uri="{FF2B5EF4-FFF2-40B4-BE49-F238E27FC236}">
-                <a16:creationId xmlns:a16="http://schemas.microsoft.com/office/drawing/2014/main" id="{8EC3A413-77C8-427F-8139-DD7B0759B8B9}"/>
+                <a16:creationId xmlns:a16="http://schemas.microsoft.com/office/drawing/2014/main" id="{3E962EF8-2E98-4CAE-B608-525B12B37EF7}"/>
               </a:ext>
             </a:extLst>
           </p:cNvPr>
@@ -5662,55 +8587,693 @@
             <p:ph type="title"/>
           </p:nvPr>
         </p:nvSpPr>
-        <p:spPr/>
-        <p:txBody>
-          <a:bodyPr/>
+        <p:spPr>
+          <a:xfrm>
+            <a:off x="4661860" y="4487332"/>
+            <a:ext cx="5627258" cy="1507067"/>
+          </a:xfrm>
+        </p:spPr>
+        <p:txBody>
+          <a:bodyPr vert="horz" lIns="91440" tIns="45720" rIns="91440" bIns="45720" rtlCol="0" anchor="ctr">
+            <a:normAutofit/>
+          </a:bodyPr>
           <a:lstStyle/>
           <a:p>
-            <a:r>
-              <a:rPr lang="en-US"/>
-              <a:t>On board diagnostics</a:t>
-            </a:r>
-            <a:br>
-              <a:rPr lang="en-US" dirty="0"/>
-            </a:br>
-            <a:r>
-              <a:rPr lang="en-US"/>
-              <a:t>(OBD)</a:t>
-            </a:r>
-            <a:endParaRPr lang="en-US" dirty="0"/>
-          </a:p>
-        </p:txBody>
-      </p:sp>
-      <p:sp>
-        <p:nvSpPr>
-          <p:cNvPr id="3" name="Content Placeholder 2">
+            <a:pPr algn="ctr"/>
+            <a:r>
+              <a:rPr lang="en-US" u="sng" dirty="0">
+                <a:latin typeface="Copperplate Gothic Bold" panose="020E0705020206020404" pitchFamily="34" charset="0"/>
+              </a:rPr>
+              <a:t>The Infotainment system</a:t>
+            </a:r>
+          </a:p>
+        </p:txBody>
+      </p:sp>
+      <p:sp>
+        <p:nvSpPr>
+          <p:cNvPr id="21" name="Snip Diagonal Corner Rectangle 16">
             <a:extLst>
               <a:ext uri="{FF2B5EF4-FFF2-40B4-BE49-F238E27FC236}">
-                <a16:creationId xmlns:a16="http://schemas.microsoft.com/office/drawing/2014/main" id="{43024BA7-F32D-41EE-B1E0-D20BD5E6EC62}"/>
+                <a16:creationId xmlns:a16="http://schemas.microsoft.com/office/drawing/2014/main" id="{4C829938-3E83-470E-BE9D-D826DEC7E648}"/>
+              </a:ext>
+              <a:ext uri="{C183D7F6-B498-43B3-948B-1728B52AA6E4}">
+                <adec:decorative xmlns:adec="http://schemas.microsoft.com/office/drawing/2017/decorative" val="1"/>
               </a:ext>
             </a:extLst>
           </p:cNvPr>
           <p:cNvSpPr>
-            <a:spLocks noGrp="1"/>
-          </p:cNvSpPr>
-          <p:nvPr>
-            <p:ph idx="1"/>
-          </p:nvPr>
-        </p:nvSpPr>
-        <p:spPr/>
-        <p:txBody>
-          <a:bodyPr/>
+            <a:spLocks noGrp="1" noRot="1" noChangeAspect="1" noMove="1" noResize="1" noEditPoints="1" noAdjustHandles="1" noChangeArrowheads="1" noChangeShapeType="1" noTextEdit="1"/>
+          </p:cNvSpPr>
+          <p:nvPr>
+            <p:extLst>
+              <p:ext uri="{386F3935-93C4-4BCD-93E2-E3B085C9AB24}">
+                <p16:designElem xmlns:p16="http://schemas.microsoft.com/office/powerpoint/2015/main" val="1"/>
+              </p:ext>
+            </p:extLst>
+          </p:nvPr>
+        </p:nvSpPr>
+        <p:spPr>
+          <a:xfrm>
+            <a:off x="634001" y="620722"/>
+            <a:ext cx="3670674" cy="5286838"/>
+          </a:xfrm>
+          <a:prstGeom prst="snip2DiagRect">
+            <a:avLst>
+              <a:gd name="adj1" fmla="val 11518"/>
+              <a:gd name="adj2" fmla="val 0"/>
+            </a:avLst>
+          </a:prstGeom>
+          <a:solidFill>
+            <a:schemeClr val="tx1"/>
+          </a:solidFill>
+          <a:ln>
+            <a:noFill/>
+          </a:ln>
+          <a:effectLst>
+            <a:innerShdw blurRad="57150" dist="38100" dir="14460000">
+              <a:prstClr val="black">
+                <a:alpha val="70000"/>
+              </a:prstClr>
+            </a:innerShdw>
+          </a:effectLst>
+        </p:spPr>
+        <p:style>
+          <a:lnRef idx="2">
+            <a:schemeClr val="accent1">
+              <a:shade val="50000"/>
+            </a:schemeClr>
+          </a:lnRef>
+          <a:fillRef idx="1">
+            <a:schemeClr val="accent1"/>
+          </a:fillRef>
+          <a:effectRef idx="0">
+            <a:schemeClr val="accent1"/>
+          </a:effectRef>
+          <a:fontRef idx="minor">
+            <a:schemeClr val="lt1"/>
+          </a:fontRef>
+        </p:style>
+        <p:txBody>
+          <a:bodyPr rtlCol="0" anchor="ctr"/>
           <a:lstStyle/>
           <a:p>
+            <a:pPr algn="ctr"/>
             <a:endParaRPr lang="en-US"/>
           </a:p>
         </p:txBody>
       </p:sp>
+      <p:pic>
+        <p:nvPicPr>
+          <p:cNvPr id="5" name="Picture 4" descr="A picture containing motorcycle, engine&#10;&#10;Description automatically generated">
+            <a:extLst>
+              <a:ext uri="{FF2B5EF4-FFF2-40B4-BE49-F238E27FC236}">
+                <a16:creationId xmlns:a16="http://schemas.microsoft.com/office/drawing/2014/main" id="{75715C2C-7048-46F4-AE1C-7C9BAB20157F}"/>
+              </a:ext>
+            </a:extLst>
+          </p:cNvPr>
+          <p:cNvPicPr>
+            <a:picLocks noChangeAspect="1"/>
+          </p:cNvPicPr>
+          <p:nvPr/>
+        </p:nvPicPr>
+        <p:blipFill rotWithShape="1">
+          <a:blip r:embed="rId2">
+            <a:extLst>
+              <a:ext uri="{28A0092B-C50C-407E-A947-70E740481C1C}">
+                <a14:useLocalDpi xmlns:a14="http://schemas.microsoft.com/office/drawing/2010/main" val="0"/>
+              </a:ext>
+            </a:extLst>
+          </a:blip>
+          <a:srcRect t="9689" r="-4" b="33041"/>
+          <a:stretch/>
+        </p:blipFill>
+        <p:spPr>
+          <a:xfrm>
+            <a:off x="800558" y="786118"/>
+            <a:ext cx="3337560" cy="2404227"/>
+          </a:xfrm>
+          <a:custGeom>
+            <a:avLst/>
+            <a:gdLst/>
+            <a:ahLst/>
+            <a:cxnLst/>
+            <a:rect l="l" t="t" r="r" b="b"/>
+            <a:pathLst>
+              <a:path w="3337560" h="2404227">
+                <a:moveTo>
+                  <a:pt x="384420" y="0"/>
+                </a:moveTo>
+                <a:lnTo>
+                  <a:pt x="3337560" y="0"/>
+                </a:lnTo>
+                <a:lnTo>
+                  <a:pt x="3337560" y="2404227"/>
+                </a:lnTo>
+                <a:lnTo>
+                  <a:pt x="0" y="2404227"/>
+                </a:lnTo>
+                <a:lnTo>
+                  <a:pt x="0" y="384420"/>
+                </a:lnTo>
+                <a:close/>
+              </a:path>
+            </a:pathLst>
+          </a:custGeom>
+        </p:spPr>
+      </p:pic>
+      <p:pic>
+        <p:nvPicPr>
+          <p:cNvPr id="7" name="Picture 6" descr="A picture containing car, sitting, black, meter&#10;&#10;Description automatically generated">
+            <a:extLst>
+              <a:ext uri="{FF2B5EF4-FFF2-40B4-BE49-F238E27FC236}">
+                <a16:creationId xmlns:a16="http://schemas.microsoft.com/office/drawing/2014/main" id="{980CF73B-0930-4771-84BE-02DAF97F3500}"/>
+              </a:ext>
+            </a:extLst>
+          </p:cNvPr>
+          <p:cNvPicPr>
+            <a:picLocks noChangeAspect="1"/>
+          </p:cNvPicPr>
+          <p:nvPr/>
+        </p:nvPicPr>
+        <p:blipFill rotWithShape="1">
+          <a:blip r:embed="rId3" cstate="print">
+            <a:extLst>
+              <a:ext uri="{28A0092B-C50C-407E-A947-70E740481C1C}">
+                <a14:useLocalDpi xmlns:a14="http://schemas.microsoft.com/office/drawing/2010/main" val="0"/>
+              </a:ext>
+            </a:extLst>
+          </a:blip>
+          <a:srcRect t="26424" r="1" b="1740"/>
+          <a:stretch/>
+        </p:blipFill>
+        <p:spPr>
+          <a:xfrm>
+            <a:off x="800558" y="3344575"/>
+            <a:ext cx="3337560" cy="2397590"/>
+          </a:xfrm>
+          <a:custGeom>
+            <a:avLst/>
+            <a:gdLst/>
+            <a:ahLst/>
+            <a:cxnLst/>
+            <a:rect l="l" t="t" r="r" b="b"/>
+            <a:pathLst>
+              <a:path w="3337560" h="2397590">
+                <a:moveTo>
+                  <a:pt x="0" y="0"/>
+                </a:moveTo>
+                <a:lnTo>
+                  <a:pt x="3337560" y="0"/>
+                </a:lnTo>
+                <a:lnTo>
+                  <a:pt x="3337560" y="2013170"/>
+                </a:lnTo>
+                <a:lnTo>
+                  <a:pt x="2953140" y="2397590"/>
+                </a:lnTo>
+                <a:lnTo>
+                  <a:pt x="0" y="2397590"/>
+                </a:lnTo>
+                <a:close/>
+              </a:path>
+            </a:pathLst>
+          </a:custGeom>
+        </p:spPr>
+      </p:pic>
+      <p:sp>
+        <p:nvSpPr>
+          <p:cNvPr id="3" name="TextBox 2">
+            <a:extLst>
+              <a:ext uri="{FF2B5EF4-FFF2-40B4-BE49-F238E27FC236}">
+                <a16:creationId xmlns:a16="http://schemas.microsoft.com/office/drawing/2014/main" id="{412CDDB2-4C89-4C6F-8DA8-B84FA4A47A23}"/>
+              </a:ext>
+            </a:extLst>
+          </p:cNvPr>
+          <p:cNvSpPr txBox="1"/>
+          <p:nvPr/>
+        </p:nvSpPr>
+        <p:spPr>
+          <a:xfrm>
+            <a:off x="4661860" y="685800"/>
+            <a:ext cx="6253792" cy="3615267"/>
+          </a:xfrm>
+          <a:prstGeom prst="rect">
+            <a:avLst/>
+          </a:prstGeom>
+        </p:spPr>
+        <p:txBody>
+          <a:bodyPr vert="horz" lIns="91440" tIns="45720" rIns="91440" bIns="45720" rtlCol="0" anchor="ctr">
+            <a:normAutofit/>
+          </a:bodyPr>
+          <a:lstStyle/>
+          <a:p>
+            <a:pPr defTabSz="457200">
+              <a:lnSpc>
+                <a:spcPct val="90000"/>
+              </a:lnSpc>
+              <a:spcBef>
+                <a:spcPct val="20000"/>
+              </a:spcBef>
+              <a:spcAft>
+                <a:spcPts val="600"/>
+              </a:spcAft>
+              <a:buClr>
+                <a:schemeClr val="tx1"/>
+              </a:buClr>
+              <a:buSzPct val="80000"/>
+              <a:buFont typeface="Wingdings 3" panose="05040102010807070707" pitchFamily="18" charset="2"/>
+              <a:buChar char=""/>
+            </a:pPr>
+            <a:r>
+              <a:rPr lang="en-US" sz="1400" dirty="0"/>
+              <a:t>As mentioned previously, we created an infotainment system that includes many functions which will be discussed in this presentation.</a:t>
+            </a:r>
+          </a:p>
+          <a:p>
+            <a:pPr defTabSz="457200">
+              <a:lnSpc>
+                <a:spcPct val="90000"/>
+              </a:lnSpc>
+              <a:spcBef>
+                <a:spcPct val="20000"/>
+              </a:spcBef>
+              <a:spcAft>
+                <a:spcPts val="600"/>
+              </a:spcAft>
+              <a:buClr>
+                <a:schemeClr val="tx1"/>
+              </a:buClr>
+              <a:buSzPct val="80000"/>
+              <a:buFont typeface="Wingdings 3" panose="05040102010807070707" pitchFamily="18" charset="2"/>
+              <a:buChar char=""/>
+            </a:pPr>
+            <a:endParaRPr lang="en-US" sz="1400" dirty="0"/>
+          </a:p>
+          <a:p>
+            <a:pPr defTabSz="457200">
+              <a:lnSpc>
+                <a:spcPct val="90000"/>
+              </a:lnSpc>
+              <a:spcBef>
+                <a:spcPct val="20000"/>
+              </a:spcBef>
+              <a:spcAft>
+                <a:spcPts val="600"/>
+              </a:spcAft>
+              <a:buClr>
+                <a:schemeClr val="tx1"/>
+              </a:buClr>
+              <a:buSzPct val="80000"/>
+              <a:buFont typeface="Wingdings 3" panose="05040102010807070707" pitchFamily="18" charset="2"/>
+              <a:buChar char=""/>
+            </a:pPr>
+            <a:r>
+              <a:rPr lang="en-US" sz="1400" dirty="0"/>
+              <a:t>The system includes, a Raspberry Pi4 micro computer attached to a touch screen LCD which is used in place of a </a:t>
+            </a:r>
+            <a:r>
+              <a:rPr lang="en-US" sz="1400" dirty="0" err="1"/>
+              <a:t>headunit</a:t>
+            </a:r>
+            <a:r>
+              <a:rPr lang="en-US" sz="1400" dirty="0"/>
+              <a:t> inside a Nissan 350z.</a:t>
+            </a:r>
+          </a:p>
+          <a:p>
+            <a:pPr defTabSz="457200">
+              <a:lnSpc>
+                <a:spcPct val="90000"/>
+              </a:lnSpc>
+              <a:spcBef>
+                <a:spcPct val="20000"/>
+              </a:spcBef>
+              <a:spcAft>
+                <a:spcPts val="600"/>
+              </a:spcAft>
+              <a:buClr>
+                <a:schemeClr val="tx1"/>
+              </a:buClr>
+              <a:buSzPct val="80000"/>
+              <a:buFont typeface="Wingdings 3" panose="05040102010807070707" pitchFamily="18" charset="2"/>
+              <a:buChar char=""/>
+            </a:pPr>
+            <a:endParaRPr lang="en-US" sz="1400" dirty="0"/>
+          </a:p>
+          <a:p>
+            <a:pPr defTabSz="457200">
+              <a:lnSpc>
+                <a:spcPct val="90000"/>
+              </a:lnSpc>
+              <a:spcBef>
+                <a:spcPct val="20000"/>
+              </a:spcBef>
+              <a:spcAft>
+                <a:spcPts val="600"/>
+              </a:spcAft>
+              <a:buClr>
+                <a:schemeClr val="tx1"/>
+              </a:buClr>
+              <a:buSzPct val="80000"/>
+              <a:buFont typeface="Wingdings 3" panose="05040102010807070707" pitchFamily="18" charset="2"/>
+              <a:buChar char=""/>
+            </a:pPr>
+            <a:r>
+              <a:rPr lang="en-US" sz="1400" dirty="0"/>
+              <a:t>With some research, we connected the appropriate wires from the gutted dash of the vehicle. This required the expertise and knowledge of many disciplines such as electrical engineering and some mechanical know how.</a:t>
+            </a:r>
+          </a:p>
+          <a:p>
+            <a:pPr defTabSz="457200">
+              <a:lnSpc>
+                <a:spcPct val="90000"/>
+              </a:lnSpc>
+              <a:spcBef>
+                <a:spcPct val="20000"/>
+              </a:spcBef>
+              <a:spcAft>
+                <a:spcPts val="600"/>
+              </a:spcAft>
+              <a:buClr>
+                <a:schemeClr val="tx1"/>
+              </a:buClr>
+              <a:buSzPct val="80000"/>
+              <a:buFont typeface="Wingdings 3" panose="05040102010807070707" pitchFamily="18" charset="2"/>
+              <a:buChar char=""/>
+            </a:pPr>
+            <a:endParaRPr lang="en-US" sz="1400" dirty="0"/>
+          </a:p>
+          <a:p>
+            <a:pPr defTabSz="457200">
+              <a:lnSpc>
+                <a:spcPct val="90000"/>
+              </a:lnSpc>
+              <a:spcBef>
+                <a:spcPct val="20000"/>
+              </a:spcBef>
+              <a:spcAft>
+                <a:spcPts val="600"/>
+              </a:spcAft>
+              <a:buClr>
+                <a:schemeClr val="tx1"/>
+              </a:buClr>
+              <a:buSzPct val="80000"/>
+              <a:buFont typeface="Wingdings 3" panose="05040102010807070707" pitchFamily="18" charset="2"/>
+              <a:buChar char=""/>
+            </a:pPr>
+            <a:r>
+              <a:rPr lang="en-US" sz="1400" dirty="0"/>
+              <a:t>The end result is a fully functional computer embedded into a motor vehicle.</a:t>
+            </a:r>
+          </a:p>
+        </p:txBody>
+      </p:sp>
+      <p:grpSp>
+        <p:nvGrpSpPr>
+          <p:cNvPr id="23" name="Group 22">
+            <a:extLst>
+              <a:ext uri="{FF2B5EF4-FFF2-40B4-BE49-F238E27FC236}">
+                <a16:creationId xmlns:a16="http://schemas.microsoft.com/office/drawing/2014/main" id="{7781737B-1297-4548-AC87-88DB5A35A1DB}"/>
+              </a:ext>
+              <a:ext uri="{C183D7F6-B498-43B3-948B-1728B52AA6E4}">
+                <adec:decorative xmlns:adec="http://schemas.microsoft.com/office/drawing/2017/decorative" val="1"/>
+              </a:ext>
+            </a:extLst>
+          </p:cNvPr>
+          <p:cNvGrpSpPr>
+            <a:grpSpLocks noGrp="1" noUngrp="1" noRot="1" noChangeAspect="1" noMove="1" noResize="1"/>
+          </p:cNvGrpSpPr>
+          <p:nvPr>
+            <p:extLst>
+              <p:ext uri="{386F3935-93C4-4BCD-93E2-E3B085C9AB24}">
+                <p16:designElem xmlns:p16="http://schemas.microsoft.com/office/powerpoint/2015/main" val="1"/>
+              </p:ext>
+            </p:extLst>
+          </p:nvPr>
+        </p:nvGrpSpPr>
+        <p:grpSpPr>
+          <a:xfrm>
+            <a:off x="9206969" y="2963333"/>
+            <a:ext cx="2981858" cy="3208867"/>
+            <a:chOff x="9206969" y="2963333"/>
+            <a:chExt cx="2981858" cy="3208867"/>
+          </a:xfrm>
+        </p:grpSpPr>
+        <p:cxnSp>
+          <p:nvCxnSpPr>
+            <p:cNvPr id="24" name="Straight Connector 23">
+              <a:extLst>
+                <a:ext uri="{FF2B5EF4-FFF2-40B4-BE49-F238E27FC236}">
+                  <a16:creationId xmlns:a16="http://schemas.microsoft.com/office/drawing/2014/main" id="{81223E91-E446-4B0D-AA77-54DB37B14608}"/>
+                </a:ext>
+                <a:ext uri="{C183D7F6-B498-43B3-948B-1728B52AA6E4}">
+                  <adec:decorative xmlns:adec="http://schemas.microsoft.com/office/drawing/2017/decorative" val="1"/>
+                </a:ext>
+              </a:extLst>
+            </p:cNvPr>
+            <p:cNvCxnSpPr/>
+            <p:nvPr>
+              <p:extLst>
+                <p:ext uri="{386F3935-93C4-4BCD-93E2-E3B085C9AB24}">
+                  <p16:designElem xmlns:p16="http://schemas.microsoft.com/office/powerpoint/2015/main" val="1"/>
+                </p:ext>
+              </p:extLst>
+            </p:nvPr>
+          </p:nvCxnSpPr>
+          <p:spPr>
+            <a:xfrm flipH="1">
+              <a:off x="11276012" y="2963333"/>
+              <a:ext cx="912814" cy="912812"/>
+            </a:xfrm>
+            <a:prstGeom prst="line">
+              <a:avLst/>
+            </a:prstGeom>
+            <a:ln w="9525">
+              <a:solidFill>
+                <a:schemeClr val="tx1"/>
+              </a:solidFill>
+            </a:ln>
+          </p:spPr>
+          <p:style>
+            <a:lnRef idx="2">
+              <a:schemeClr val="accent1"/>
+            </a:lnRef>
+            <a:fillRef idx="0">
+              <a:schemeClr val="accent1"/>
+            </a:fillRef>
+            <a:effectRef idx="1">
+              <a:schemeClr val="accent1"/>
+            </a:effectRef>
+            <a:fontRef idx="minor">
+              <a:schemeClr val="tx1"/>
+            </a:fontRef>
+          </p:style>
+        </p:cxnSp>
+        <p:cxnSp>
+          <p:nvCxnSpPr>
+            <p:cNvPr id="25" name="Straight Connector 24">
+              <a:extLst>
+                <a:ext uri="{FF2B5EF4-FFF2-40B4-BE49-F238E27FC236}">
+                  <a16:creationId xmlns:a16="http://schemas.microsoft.com/office/drawing/2014/main" id="{2ABCAFCA-99FF-437E-BFAD-88BB4E87015F}"/>
+                </a:ext>
+                <a:ext uri="{C183D7F6-B498-43B3-948B-1728B52AA6E4}">
+                  <adec:decorative xmlns:adec="http://schemas.microsoft.com/office/drawing/2017/decorative" val="1"/>
+                </a:ext>
+              </a:extLst>
+            </p:cNvPr>
+            <p:cNvCxnSpPr/>
+            <p:nvPr>
+              <p:extLst>
+                <p:ext uri="{386F3935-93C4-4BCD-93E2-E3B085C9AB24}">
+                  <p16:designElem xmlns:p16="http://schemas.microsoft.com/office/powerpoint/2015/main" val="1"/>
+                </p:ext>
+              </p:extLst>
+            </p:nvPr>
+          </p:nvCxnSpPr>
+          <p:spPr>
+            <a:xfrm flipH="1">
+              <a:off x="9206969" y="3190344"/>
+              <a:ext cx="2981857" cy="2981856"/>
+            </a:xfrm>
+            <a:prstGeom prst="line">
+              <a:avLst/>
+            </a:prstGeom>
+            <a:ln w="9525">
+              <a:solidFill>
+                <a:schemeClr val="tx1"/>
+              </a:solidFill>
+            </a:ln>
+          </p:spPr>
+          <p:style>
+            <a:lnRef idx="2">
+              <a:schemeClr val="accent1"/>
+            </a:lnRef>
+            <a:fillRef idx="0">
+              <a:schemeClr val="accent1"/>
+            </a:fillRef>
+            <a:effectRef idx="1">
+              <a:schemeClr val="accent1"/>
+            </a:effectRef>
+            <a:fontRef idx="minor">
+              <a:schemeClr val="tx1"/>
+            </a:fontRef>
+          </p:style>
+        </p:cxnSp>
+        <p:cxnSp>
+          <p:nvCxnSpPr>
+            <p:cNvPr id="26" name="Straight Connector 25">
+              <a:extLst>
+                <a:ext uri="{FF2B5EF4-FFF2-40B4-BE49-F238E27FC236}">
+                  <a16:creationId xmlns:a16="http://schemas.microsoft.com/office/drawing/2014/main" id="{EC9ADBA8-4B59-40FF-82C7-28AEED09A779}"/>
+                </a:ext>
+                <a:ext uri="{C183D7F6-B498-43B3-948B-1728B52AA6E4}">
+                  <adec:decorative xmlns:adec="http://schemas.microsoft.com/office/drawing/2017/decorative" val="1"/>
+                </a:ext>
+              </a:extLst>
+            </p:cNvPr>
+            <p:cNvCxnSpPr/>
+            <p:nvPr>
+              <p:extLst>
+                <p:ext uri="{386F3935-93C4-4BCD-93E2-E3B085C9AB24}">
+                  <p16:designElem xmlns:p16="http://schemas.microsoft.com/office/powerpoint/2015/main" val="1"/>
+                </p:ext>
+              </p:extLst>
+            </p:nvPr>
+          </p:nvCxnSpPr>
+          <p:spPr>
+            <a:xfrm flipH="1">
+              <a:off x="10292292" y="3285067"/>
+              <a:ext cx="1896534" cy="1896533"/>
+            </a:xfrm>
+            <a:prstGeom prst="line">
+              <a:avLst/>
+            </a:prstGeom>
+            <a:ln w="9525">
+              <a:solidFill>
+                <a:schemeClr val="tx1"/>
+              </a:solidFill>
+            </a:ln>
+          </p:spPr>
+          <p:style>
+            <a:lnRef idx="2">
+              <a:schemeClr val="accent1"/>
+            </a:lnRef>
+            <a:fillRef idx="0">
+              <a:schemeClr val="accent1"/>
+            </a:fillRef>
+            <a:effectRef idx="1">
+              <a:schemeClr val="accent1"/>
+            </a:effectRef>
+            <a:fontRef idx="minor">
+              <a:schemeClr val="tx1"/>
+            </a:fontRef>
+          </p:style>
+        </p:cxnSp>
+        <p:cxnSp>
+          <p:nvCxnSpPr>
+            <p:cNvPr id="27" name="Straight Connector 26">
+              <a:extLst>
+                <a:ext uri="{FF2B5EF4-FFF2-40B4-BE49-F238E27FC236}">
+                  <a16:creationId xmlns:a16="http://schemas.microsoft.com/office/drawing/2014/main" id="{4E71A33C-0575-457E-85B1-BE0BA7592DD3}"/>
+                </a:ext>
+                <a:ext uri="{C183D7F6-B498-43B3-948B-1728B52AA6E4}">
+                  <adec:decorative xmlns:adec="http://schemas.microsoft.com/office/drawing/2017/decorative" val="1"/>
+                </a:ext>
+              </a:extLst>
+            </p:cNvPr>
+            <p:cNvCxnSpPr/>
+            <p:nvPr>
+              <p:extLst>
+                <p:ext uri="{386F3935-93C4-4BCD-93E2-E3B085C9AB24}">
+                  <p16:designElem xmlns:p16="http://schemas.microsoft.com/office/powerpoint/2015/main" val="1"/>
+                </p:ext>
+              </p:extLst>
+            </p:nvPr>
+          </p:nvCxnSpPr>
+          <p:spPr>
+            <a:xfrm flipH="1">
+              <a:off x="10443103" y="3131080"/>
+              <a:ext cx="1745722" cy="1745720"/>
+            </a:xfrm>
+            <a:prstGeom prst="line">
+              <a:avLst/>
+            </a:prstGeom>
+            <a:ln w="28575">
+              <a:solidFill>
+                <a:schemeClr val="tx1"/>
+              </a:solidFill>
+            </a:ln>
+          </p:spPr>
+          <p:style>
+            <a:lnRef idx="2">
+              <a:schemeClr val="accent1"/>
+            </a:lnRef>
+            <a:fillRef idx="0">
+              <a:schemeClr val="accent1"/>
+            </a:fillRef>
+            <a:effectRef idx="1">
+              <a:schemeClr val="accent1"/>
+            </a:effectRef>
+            <a:fontRef idx="minor">
+              <a:schemeClr val="tx1"/>
+            </a:fontRef>
+          </p:style>
+        </p:cxnSp>
+        <p:cxnSp>
+          <p:nvCxnSpPr>
+            <p:cNvPr id="28" name="Straight Connector 27">
+              <a:extLst>
+                <a:ext uri="{FF2B5EF4-FFF2-40B4-BE49-F238E27FC236}">
+                  <a16:creationId xmlns:a16="http://schemas.microsoft.com/office/drawing/2014/main" id="{6903BCFE-1C11-4455-A202-DB0FBE533581}"/>
+                </a:ext>
+                <a:ext uri="{C183D7F6-B498-43B3-948B-1728B52AA6E4}">
+                  <adec:decorative xmlns:adec="http://schemas.microsoft.com/office/drawing/2017/decorative" val="1"/>
+                </a:ext>
+              </a:extLst>
+            </p:cNvPr>
+            <p:cNvCxnSpPr/>
+            <p:nvPr>
+              <p:extLst>
+                <p:ext uri="{386F3935-93C4-4BCD-93E2-E3B085C9AB24}">
+                  <p16:designElem xmlns:p16="http://schemas.microsoft.com/office/powerpoint/2015/main" val="1"/>
+                </p:ext>
+              </p:extLst>
+            </p:nvPr>
+          </p:nvCxnSpPr>
+          <p:spPr>
+            <a:xfrm flipH="1">
+              <a:off x="10918826" y="3683001"/>
+              <a:ext cx="1270001" cy="1269999"/>
+            </a:xfrm>
+            <a:prstGeom prst="line">
+              <a:avLst/>
+            </a:prstGeom>
+            <a:ln w="28575">
+              <a:solidFill>
+                <a:schemeClr val="tx1"/>
+              </a:solidFill>
+            </a:ln>
+          </p:spPr>
+          <p:style>
+            <a:lnRef idx="2">
+              <a:schemeClr val="accent1"/>
+            </a:lnRef>
+            <a:fillRef idx="0">
+              <a:schemeClr val="accent1"/>
+            </a:fillRef>
+            <a:effectRef idx="1">
+              <a:schemeClr val="accent1"/>
+            </a:effectRef>
+            <a:fontRef idx="minor">
+              <a:schemeClr val="tx1"/>
+            </a:fontRef>
+          </p:style>
+        </p:cxnSp>
+      </p:grpSp>
     </p:spTree>
     <p:extLst>
       <p:ext uri="{BB962C8B-B14F-4D97-AF65-F5344CB8AC3E}">
-        <p14:creationId xmlns:p14="http://schemas.microsoft.com/office/powerpoint/2010/main" val="1597216609"/>
+        <p14:creationId xmlns:p14="http://schemas.microsoft.com/office/powerpoint/2010/main" val="136705050"/>
       </p:ext>
     </p:extLst>
   </p:cSld>
@@ -5723,6 +9286,31 @@
 <file path=ppt/slides/slide5.xml><?xml version="1.0" encoding="utf-8"?>
 <p:sld xmlns:a="http://schemas.openxmlformats.org/drawingml/2006/main" xmlns:r="http://schemas.openxmlformats.org/officeDocument/2006/relationships" xmlns:p="http://schemas.openxmlformats.org/presentationml/2006/main">
   <p:cSld>
+    <p:bg>
+      <p:bgPr>
+        <a:gradFill rotWithShape="1">
+          <a:gsLst>
+            <a:gs pos="10000">
+              <a:schemeClr val="bg1">
+                <a:tint val="97000"/>
+                <a:hueMod val="92000"/>
+                <a:satMod val="169000"/>
+                <a:lumMod val="164000"/>
+              </a:schemeClr>
+            </a:gs>
+            <a:gs pos="100000">
+              <a:schemeClr val="bg1">
+                <a:shade val="96000"/>
+                <a:satMod val="120000"/>
+                <a:lumMod val="90000"/>
+              </a:schemeClr>
+            </a:gs>
+          </a:gsLst>
+          <a:lin ang="6120000" scaled="1"/>
+        </a:gradFill>
+        <a:effectLst/>
+      </p:bgPr>
+    </p:bg>
     <p:spTree>
       <p:nvGrpSpPr>
         <p:cNvPr id="1" name=""/>
@@ -5737,12 +9325,72 @@
           <a:chExt cx="0" cy="0"/>
         </a:xfrm>
       </p:grpSpPr>
+      <p:sp useBgFill="1">
+        <p:nvSpPr>
+          <p:cNvPr id="11" name="Rectangle 10">
+            <a:extLst>
+              <a:ext uri="{FF2B5EF4-FFF2-40B4-BE49-F238E27FC236}">
+                <a16:creationId xmlns:a16="http://schemas.microsoft.com/office/drawing/2014/main" id="{CADF2543-1B6F-4FBC-A7AF-53A0430E05AB}"/>
+              </a:ext>
+              <a:ext uri="{C183D7F6-B498-43B3-948B-1728B52AA6E4}">
+                <adec:decorative xmlns:adec="http://schemas.microsoft.com/office/drawing/2017/decorative" val="1"/>
+              </a:ext>
+            </a:extLst>
+          </p:cNvPr>
+          <p:cNvSpPr>
+            <a:spLocks noGrp="1" noRot="1" noChangeAspect="1" noMove="1" noResize="1" noEditPoints="1" noAdjustHandles="1" noChangeArrowheads="1" noChangeShapeType="1" noTextEdit="1"/>
+          </p:cNvSpPr>
+          <p:nvPr>
+            <p:extLst>
+              <p:ext uri="{386F3935-93C4-4BCD-93E2-E3B085C9AB24}">
+                <p16:designElem xmlns:p16="http://schemas.microsoft.com/office/powerpoint/2015/main" val="1"/>
+              </p:ext>
+            </p:extLst>
+          </p:nvPr>
+        </p:nvSpPr>
+        <p:spPr>
+          <a:xfrm>
+            <a:off x="0" y="0"/>
+            <a:ext cx="12192000" cy="6858000"/>
+          </a:xfrm>
+          <a:prstGeom prst="rect">
+            <a:avLst/>
+          </a:prstGeom>
+          <a:ln>
+            <a:noFill/>
+          </a:ln>
+        </p:spPr>
+        <p:style>
+          <a:lnRef idx="2">
+            <a:schemeClr val="accent1">
+              <a:shade val="50000"/>
+            </a:schemeClr>
+          </a:lnRef>
+          <a:fillRef idx="1">
+            <a:schemeClr val="accent1"/>
+          </a:fillRef>
+          <a:effectRef idx="0">
+            <a:schemeClr val="accent1"/>
+          </a:effectRef>
+          <a:fontRef idx="minor">
+            <a:schemeClr val="lt1"/>
+          </a:fontRef>
+        </p:style>
+        <p:txBody>
+          <a:bodyPr rtlCol="0" anchor="ctr"/>
+          <a:lstStyle/>
+          <a:p>
+            <a:pPr algn="ctr"/>
+            <a:endParaRPr lang="en-US"/>
+          </a:p>
+        </p:txBody>
+      </p:sp>
       <p:sp>
         <p:nvSpPr>
           <p:cNvPr id="2" name="Title 1">
             <a:extLst>
               <a:ext uri="{FF2B5EF4-FFF2-40B4-BE49-F238E27FC236}">
-                <a16:creationId xmlns:a16="http://schemas.microsoft.com/office/drawing/2014/main" id="{BD23FD2C-6A01-42D4-8F14-4A3E925F7790}"/>
+                <a16:creationId xmlns:a16="http://schemas.microsoft.com/office/drawing/2014/main" id="{E12F034C-37DC-4B4C-8781-3BA79D94694D}"/>
               </a:ext>
             </a:extLst>
           </p:cNvPr>
@@ -5753,47 +9401,476 @@
             <p:ph type="title"/>
           </p:nvPr>
         </p:nvSpPr>
-        <p:spPr/>
-        <p:txBody>
-          <a:bodyPr/>
+        <p:spPr>
+          <a:xfrm>
+            <a:off x="388878" y="223520"/>
+            <a:ext cx="10123882" cy="1507067"/>
+          </a:xfrm>
+        </p:spPr>
+        <p:txBody>
+          <a:bodyPr vert="horz" lIns="91440" tIns="45720" rIns="91440" bIns="45720" rtlCol="0" anchor="ctr">
+            <a:noAutofit/>
+          </a:bodyPr>
           <a:lstStyle/>
           <a:p>
             <a:r>
-              <a:rPr lang="en-US"/>
-              <a:t>Music Player</a:t>
-            </a:r>
-          </a:p>
-        </p:txBody>
-      </p:sp>
-      <p:sp>
-        <p:nvSpPr>
-          <p:cNvPr id="3" name="Content Placeholder 2">
+              <a:rPr lang="en-US" sz="4400" u="sng" dirty="0">
+                <a:latin typeface="Copperplate Gothic Bold" panose="020E0705020206020404" pitchFamily="34" charset="0"/>
+              </a:rPr>
+              <a:t>Lane Departure Detection</a:t>
+            </a:r>
+            <a:br>
+              <a:rPr lang="en-US" sz="4400" u="sng" dirty="0">
+                <a:latin typeface="Copperplate Gothic Bold" panose="020E0705020206020404" pitchFamily="34" charset="0"/>
+              </a:rPr>
+            </a:br>
+            <a:r>
+              <a:rPr lang="en-US" sz="4400" u="sng" dirty="0">
+                <a:latin typeface="Copperplate Gothic Bold" panose="020E0705020206020404" pitchFamily="34" charset="0"/>
+              </a:rPr>
+              <a:t>(LDD)</a:t>
+            </a:r>
+          </a:p>
+        </p:txBody>
+      </p:sp>
+      <p:grpSp>
+        <p:nvGrpSpPr>
+          <p:cNvPr id="13" name="Group 12">
             <a:extLst>
               <a:ext uri="{FF2B5EF4-FFF2-40B4-BE49-F238E27FC236}">
-                <a16:creationId xmlns:a16="http://schemas.microsoft.com/office/drawing/2014/main" id="{260C0A6E-15D7-4868-BDDF-932D85666C66}"/>
+                <a16:creationId xmlns:a16="http://schemas.microsoft.com/office/drawing/2014/main" id="{A80A6E81-6B71-43DF-877B-E964A9A4CB68}"/>
+              </a:ext>
+              <a:ext uri="{C183D7F6-B498-43B3-948B-1728B52AA6E4}">
+                <adec:decorative xmlns:adec="http://schemas.microsoft.com/office/drawing/2017/decorative" val="1"/>
               </a:ext>
             </a:extLst>
           </p:cNvPr>
-          <p:cNvSpPr>
-            <a:spLocks noGrp="1"/>
-          </p:cNvSpPr>
-          <p:nvPr>
-            <p:ph idx="1"/>
-          </p:nvPr>
-        </p:nvSpPr>
-        <p:spPr/>
-        <p:txBody>
-          <a:bodyPr/>
+          <p:cNvGrpSpPr>
+            <a:grpSpLocks noGrp="1" noUngrp="1" noRot="1" noChangeAspect="1" noMove="1" noResize="1"/>
+          </p:cNvGrpSpPr>
+          <p:nvPr>
+            <p:extLst>
+              <p:ext uri="{386F3935-93C4-4BCD-93E2-E3B085C9AB24}">
+                <p16:designElem xmlns:p16="http://schemas.microsoft.com/office/powerpoint/2015/main" val="1"/>
+              </p:ext>
+            </p:extLst>
+          </p:nvPr>
+        </p:nvGrpSpPr>
+        <p:grpSpPr>
+          <a:xfrm>
+            <a:off x="9206969" y="2963333"/>
+            <a:ext cx="2981858" cy="3208867"/>
+            <a:chOff x="9206969" y="2963333"/>
+            <a:chExt cx="2981858" cy="3208867"/>
+          </a:xfrm>
+        </p:grpSpPr>
+        <p:cxnSp>
+          <p:nvCxnSpPr>
+            <p:cNvPr id="14" name="Straight Connector 13">
+              <a:extLst>
+                <a:ext uri="{FF2B5EF4-FFF2-40B4-BE49-F238E27FC236}">
+                  <a16:creationId xmlns:a16="http://schemas.microsoft.com/office/drawing/2014/main" id="{4E35C3AD-357F-4004-A3F3-2D4EAF34A63D}"/>
+                </a:ext>
+                <a:ext uri="{C183D7F6-B498-43B3-948B-1728B52AA6E4}">
+                  <adec:decorative xmlns:adec="http://schemas.microsoft.com/office/drawing/2017/decorative" val="1"/>
+                </a:ext>
+              </a:extLst>
+            </p:cNvPr>
+            <p:cNvCxnSpPr/>
+            <p:nvPr>
+              <p:extLst>
+                <p:ext uri="{386F3935-93C4-4BCD-93E2-E3B085C9AB24}">
+                  <p16:designElem xmlns:p16="http://schemas.microsoft.com/office/powerpoint/2015/main" val="1"/>
+                </p:ext>
+              </p:extLst>
+            </p:nvPr>
+          </p:nvCxnSpPr>
+          <p:spPr>
+            <a:xfrm flipH="1">
+              <a:off x="11276012" y="2963333"/>
+              <a:ext cx="912814" cy="912812"/>
+            </a:xfrm>
+            <a:prstGeom prst="line">
+              <a:avLst/>
+            </a:prstGeom>
+            <a:ln w="9525">
+              <a:solidFill>
+                <a:schemeClr val="tx2">
+                  <a:lumMod val="75000"/>
+                  <a:alpha val="80000"/>
+                </a:schemeClr>
+              </a:solidFill>
+            </a:ln>
+          </p:spPr>
+          <p:style>
+            <a:lnRef idx="2">
+              <a:schemeClr val="accent1"/>
+            </a:lnRef>
+            <a:fillRef idx="0">
+              <a:schemeClr val="accent1"/>
+            </a:fillRef>
+            <a:effectRef idx="1">
+              <a:schemeClr val="accent1"/>
+            </a:effectRef>
+            <a:fontRef idx="minor">
+              <a:schemeClr val="tx1"/>
+            </a:fontRef>
+          </p:style>
+        </p:cxnSp>
+        <p:cxnSp>
+          <p:nvCxnSpPr>
+            <p:cNvPr id="15" name="Straight Connector 14">
+              <a:extLst>
+                <a:ext uri="{FF2B5EF4-FFF2-40B4-BE49-F238E27FC236}">
+                  <a16:creationId xmlns:a16="http://schemas.microsoft.com/office/drawing/2014/main" id="{337B6032-0A70-4F26-A9A3-B4D60DF11818}"/>
+                </a:ext>
+                <a:ext uri="{C183D7F6-B498-43B3-948B-1728B52AA6E4}">
+                  <adec:decorative xmlns:adec="http://schemas.microsoft.com/office/drawing/2017/decorative" val="1"/>
+                </a:ext>
+              </a:extLst>
+            </p:cNvPr>
+            <p:cNvCxnSpPr/>
+            <p:nvPr>
+              <p:extLst>
+                <p:ext uri="{386F3935-93C4-4BCD-93E2-E3B085C9AB24}">
+                  <p16:designElem xmlns:p16="http://schemas.microsoft.com/office/powerpoint/2015/main" val="1"/>
+                </p:ext>
+              </p:extLst>
+            </p:nvPr>
+          </p:nvCxnSpPr>
+          <p:spPr>
+            <a:xfrm flipH="1">
+              <a:off x="9206969" y="3190344"/>
+              <a:ext cx="2981857" cy="2981856"/>
+            </a:xfrm>
+            <a:prstGeom prst="line">
+              <a:avLst/>
+            </a:prstGeom>
+            <a:ln w="9525">
+              <a:solidFill>
+                <a:schemeClr val="tx2">
+                  <a:lumMod val="75000"/>
+                  <a:alpha val="80000"/>
+                </a:schemeClr>
+              </a:solidFill>
+            </a:ln>
+          </p:spPr>
+          <p:style>
+            <a:lnRef idx="2">
+              <a:schemeClr val="accent1"/>
+            </a:lnRef>
+            <a:fillRef idx="0">
+              <a:schemeClr val="accent1"/>
+            </a:fillRef>
+            <a:effectRef idx="1">
+              <a:schemeClr val="accent1"/>
+            </a:effectRef>
+            <a:fontRef idx="minor">
+              <a:schemeClr val="tx1"/>
+            </a:fontRef>
+          </p:style>
+        </p:cxnSp>
+        <p:cxnSp>
+          <p:nvCxnSpPr>
+            <p:cNvPr id="16" name="Straight Connector 15">
+              <a:extLst>
+                <a:ext uri="{FF2B5EF4-FFF2-40B4-BE49-F238E27FC236}">
+                  <a16:creationId xmlns:a16="http://schemas.microsoft.com/office/drawing/2014/main" id="{DE192CE3-3DD1-448F-93BE-42983DA0D5A9}"/>
+                </a:ext>
+                <a:ext uri="{C183D7F6-B498-43B3-948B-1728B52AA6E4}">
+                  <adec:decorative xmlns:adec="http://schemas.microsoft.com/office/drawing/2017/decorative" val="1"/>
+                </a:ext>
+              </a:extLst>
+            </p:cNvPr>
+            <p:cNvCxnSpPr/>
+            <p:nvPr>
+              <p:extLst>
+                <p:ext uri="{386F3935-93C4-4BCD-93E2-E3B085C9AB24}">
+                  <p16:designElem xmlns:p16="http://schemas.microsoft.com/office/powerpoint/2015/main" val="1"/>
+                </p:ext>
+              </p:extLst>
+            </p:nvPr>
+          </p:nvCxnSpPr>
+          <p:spPr>
+            <a:xfrm flipH="1">
+              <a:off x="10292292" y="3285067"/>
+              <a:ext cx="1896534" cy="1896533"/>
+            </a:xfrm>
+            <a:prstGeom prst="line">
+              <a:avLst/>
+            </a:prstGeom>
+            <a:ln w="9525">
+              <a:solidFill>
+                <a:schemeClr val="tx2">
+                  <a:lumMod val="75000"/>
+                  <a:alpha val="80000"/>
+                </a:schemeClr>
+              </a:solidFill>
+            </a:ln>
+          </p:spPr>
+          <p:style>
+            <a:lnRef idx="2">
+              <a:schemeClr val="accent1"/>
+            </a:lnRef>
+            <a:fillRef idx="0">
+              <a:schemeClr val="accent1"/>
+            </a:fillRef>
+            <a:effectRef idx="1">
+              <a:schemeClr val="accent1"/>
+            </a:effectRef>
+            <a:fontRef idx="minor">
+              <a:schemeClr val="tx1"/>
+            </a:fontRef>
+          </p:style>
+        </p:cxnSp>
+        <p:cxnSp>
+          <p:nvCxnSpPr>
+            <p:cNvPr id="17" name="Straight Connector 16">
+              <a:extLst>
+                <a:ext uri="{FF2B5EF4-FFF2-40B4-BE49-F238E27FC236}">
+                  <a16:creationId xmlns:a16="http://schemas.microsoft.com/office/drawing/2014/main" id="{E6D3DA09-5C72-4562-BEDE-1937DF87E81D}"/>
+                </a:ext>
+                <a:ext uri="{C183D7F6-B498-43B3-948B-1728B52AA6E4}">
+                  <adec:decorative xmlns:adec="http://schemas.microsoft.com/office/drawing/2017/decorative" val="1"/>
+                </a:ext>
+              </a:extLst>
+            </p:cNvPr>
+            <p:cNvCxnSpPr/>
+            <p:nvPr>
+              <p:extLst>
+                <p:ext uri="{386F3935-93C4-4BCD-93E2-E3B085C9AB24}">
+                  <p16:designElem xmlns:p16="http://schemas.microsoft.com/office/powerpoint/2015/main" val="1"/>
+                </p:ext>
+              </p:extLst>
+            </p:nvPr>
+          </p:nvCxnSpPr>
+          <p:spPr>
+            <a:xfrm flipH="1">
+              <a:off x="10443103" y="3131080"/>
+              <a:ext cx="1745722" cy="1745720"/>
+            </a:xfrm>
+            <a:prstGeom prst="line">
+              <a:avLst/>
+            </a:prstGeom>
+            <a:ln w="28575">
+              <a:solidFill>
+                <a:schemeClr val="tx2">
+                  <a:lumMod val="75000"/>
+                  <a:alpha val="80000"/>
+                </a:schemeClr>
+              </a:solidFill>
+            </a:ln>
+          </p:spPr>
+          <p:style>
+            <a:lnRef idx="2">
+              <a:schemeClr val="accent1"/>
+            </a:lnRef>
+            <a:fillRef idx="0">
+              <a:schemeClr val="accent1"/>
+            </a:fillRef>
+            <a:effectRef idx="1">
+              <a:schemeClr val="accent1"/>
+            </a:effectRef>
+            <a:fontRef idx="minor">
+              <a:schemeClr val="tx1"/>
+            </a:fontRef>
+          </p:style>
+        </p:cxnSp>
+        <p:cxnSp>
+          <p:nvCxnSpPr>
+            <p:cNvPr id="18" name="Straight Connector 17">
+              <a:extLst>
+                <a:ext uri="{FF2B5EF4-FFF2-40B4-BE49-F238E27FC236}">
+                  <a16:creationId xmlns:a16="http://schemas.microsoft.com/office/drawing/2014/main" id="{D6ACA7CA-2A20-49D7-9053-E076463D79A3}"/>
+                </a:ext>
+                <a:ext uri="{C183D7F6-B498-43B3-948B-1728B52AA6E4}">
+                  <adec:decorative xmlns:adec="http://schemas.microsoft.com/office/drawing/2017/decorative" val="1"/>
+                </a:ext>
+              </a:extLst>
+            </p:cNvPr>
+            <p:cNvCxnSpPr/>
+            <p:nvPr>
+              <p:extLst>
+                <p:ext uri="{386F3935-93C4-4BCD-93E2-E3B085C9AB24}">
+                  <p16:designElem xmlns:p16="http://schemas.microsoft.com/office/powerpoint/2015/main" val="1"/>
+                </p:ext>
+              </p:extLst>
+            </p:nvPr>
+          </p:nvCxnSpPr>
+          <p:spPr>
+            <a:xfrm flipH="1">
+              <a:off x="10918826" y="3683001"/>
+              <a:ext cx="1270001" cy="1269999"/>
+            </a:xfrm>
+            <a:prstGeom prst="line">
+              <a:avLst/>
+            </a:prstGeom>
+            <a:ln w="28575">
+              <a:solidFill>
+                <a:schemeClr val="tx2">
+                  <a:lumMod val="75000"/>
+                  <a:alpha val="80000"/>
+                </a:schemeClr>
+              </a:solidFill>
+            </a:ln>
+          </p:spPr>
+          <p:style>
+            <a:lnRef idx="2">
+              <a:schemeClr val="accent1"/>
+            </a:lnRef>
+            <a:fillRef idx="0">
+              <a:schemeClr val="accent1"/>
+            </a:fillRef>
+            <a:effectRef idx="1">
+              <a:schemeClr val="accent1"/>
+            </a:effectRef>
+            <a:fontRef idx="minor">
+              <a:schemeClr val="tx1"/>
+            </a:fontRef>
+          </p:style>
+        </p:cxnSp>
+      </p:grpSp>
+      <p:sp>
+        <p:nvSpPr>
+          <p:cNvPr id="5" name="TextBox 4">
+            <a:extLst>
+              <a:ext uri="{FF2B5EF4-FFF2-40B4-BE49-F238E27FC236}">
+                <a16:creationId xmlns:a16="http://schemas.microsoft.com/office/drawing/2014/main" id="{B2D6305E-0E3F-4EFB-87DE-8DB0A1CD2326}"/>
+              </a:ext>
+            </a:extLst>
+          </p:cNvPr>
+          <p:cNvSpPr txBox="1"/>
+          <p:nvPr/>
+        </p:nvSpPr>
+        <p:spPr>
+          <a:xfrm>
+            <a:off x="593233" y="1740285"/>
+            <a:ext cx="5623429" cy="4806522"/>
+          </a:xfrm>
+          <a:prstGeom prst="rect">
+            <a:avLst/>
+          </a:prstGeom>
+        </p:spPr>
+        <p:txBody>
+          <a:bodyPr vert="horz" lIns="91440" tIns="45720" rIns="91440" bIns="45720" rtlCol="0" anchor="ctr">
+            <a:normAutofit/>
+          </a:bodyPr>
           <a:lstStyle/>
           <a:p>
-            <a:endParaRPr lang="en-US"/>
+            <a:pPr defTabSz="457200">
+              <a:lnSpc>
+                <a:spcPct val="90000"/>
+              </a:lnSpc>
+              <a:spcBef>
+                <a:spcPct val="20000"/>
+              </a:spcBef>
+              <a:spcAft>
+                <a:spcPts val="600"/>
+              </a:spcAft>
+              <a:buClr>
+                <a:schemeClr val="tx1"/>
+              </a:buClr>
+              <a:buSzPct val="80000"/>
+              <a:buFont typeface="Wingdings 3" panose="05040102010807070707" pitchFamily="18" charset="2"/>
+              <a:buChar char=""/>
+            </a:pPr>
+            <a:r>
+              <a:rPr lang="en-US" dirty="0"/>
+              <a:t>As the title suggests, we have implemented a lane departure system that will warn the user when they are drifting from their lane when the vehicle is in motion.</a:t>
+            </a:r>
+          </a:p>
+          <a:p>
+            <a:pPr defTabSz="457200">
+              <a:lnSpc>
+                <a:spcPct val="90000"/>
+              </a:lnSpc>
+              <a:spcBef>
+                <a:spcPct val="20000"/>
+              </a:spcBef>
+              <a:spcAft>
+                <a:spcPts val="600"/>
+              </a:spcAft>
+              <a:buClr>
+                <a:schemeClr val="tx1"/>
+              </a:buClr>
+              <a:buSzPct val="80000"/>
+              <a:buFont typeface="Wingdings 3" panose="05040102010807070707" pitchFamily="18" charset="2"/>
+              <a:buChar char=""/>
+            </a:pPr>
+            <a:endParaRPr lang="en-US" dirty="0"/>
+          </a:p>
+          <a:p>
+            <a:pPr defTabSz="457200">
+              <a:lnSpc>
+                <a:spcPct val="90000"/>
+              </a:lnSpc>
+              <a:spcBef>
+                <a:spcPct val="20000"/>
+              </a:spcBef>
+              <a:spcAft>
+                <a:spcPts val="600"/>
+              </a:spcAft>
+              <a:buClr>
+                <a:schemeClr val="tx1"/>
+              </a:buClr>
+              <a:buSzPct val="80000"/>
+              <a:buFont typeface="Wingdings 3" panose="05040102010807070707" pitchFamily="18" charset="2"/>
+              <a:buChar char=""/>
+            </a:pPr>
+            <a:r>
+              <a:rPr lang="en-US" dirty="0"/>
+              <a:t>The system makes use of a camera designed to work with the Raspberry Pi micro computer and uses machine vision, in its traditional sense, to detect the brightly colored lines on a normal road.</a:t>
+            </a:r>
+          </a:p>
+          <a:p>
+            <a:pPr defTabSz="457200">
+              <a:lnSpc>
+                <a:spcPct val="90000"/>
+              </a:lnSpc>
+              <a:spcBef>
+                <a:spcPct val="20000"/>
+              </a:spcBef>
+              <a:spcAft>
+                <a:spcPts val="600"/>
+              </a:spcAft>
+              <a:buClr>
+                <a:schemeClr val="tx1"/>
+              </a:buClr>
+              <a:buSzPct val="80000"/>
+              <a:buFont typeface="Wingdings 3" panose="05040102010807070707" pitchFamily="18" charset="2"/>
+              <a:buChar char=""/>
+            </a:pPr>
+            <a:endParaRPr lang="en-US" dirty="0"/>
+          </a:p>
+          <a:p>
+            <a:pPr defTabSz="457200">
+              <a:lnSpc>
+                <a:spcPct val="90000"/>
+              </a:lnSpc>
+              <a:spcBef>
+                <a:spcPct val="20000"/>
+              </a:spcBef>
+              <a:spcAft>
+                <a:spcPts val="600"/>
+              </a:spcAft>
+              <a:buClr>
+                <a:schemeClr val="tx1"/>
+              </a:buClr>
+              <a:buSzPct val="80000"/>
+              <a:buFont typeface="Wingdings 3" panose="05040102010807070707" pitchFamily="18" charset="2"/>
+              <a:buChar char=""/>
+            </a:pPr>
+            <a:r>
+              <a:rPr lang="en-US" dirty="0"/>
+              <a:t>Once the system recognizes these lines within a defined area,  if the lines move too far from one side of the predefined area, the system alerts the user with a distinct audible beep until the user corrects their trajectory.</a:t>
+            </a:r>
           </a:p>
         </p:txBody>
       </p:sp>
     </p:spTree>
     <p:extLst>
       <p:ext uri="{BB962C8B-B14F-4D97-AF65-F5344CB8AC3E}">
-        <p14:creationId xmlns:p14="http://schemas.microsoft.com/office/powerpoint/2010/main" val="1745330613"/>
+        <p14:creationId xmlns:p14="http://schemas.microsoft.com/office/powerpoint/2010/main" val="3664540969"/>
       </p:ext>
     </p:extLst>
   </p:cSld>
@@ -5825,7 +9902,7 @@
           <p:cNvPr id="2" name="Title 1">
             <a:extLst>
               <a:ext uri="{FF2B5EF4-FFF2-40B4-BE49-F238E27FC236}">
-                <a16:creationId xmlns:a16="http://schemas.microsoft.com/office/drawing/2014/main" id="{4A5954F1-CA0E-419C-A36B-3D82DF51AB1D}"/>
+                <a16:creationId xmlns:a16="http://schemas.microsoft.com/office/drawing/2014/main" id="{C9DD0F65-1795-4D0A-B115-5BD6221C9164}"/>
               </a:ext>
             </a:extLst>
           </p:cNvPr>
@@ -5836,15 +9913,36 @@
             <p:ph type="title"/>
           </p:nvPr>
         </p:nvSpPr>
-        <p:spPr/>
-        <p:txBody>
-          <a:bodyPr/>
+        <p:spPr>
+          <a:xfrm>
+            <a:off x="298006" y="5123437"/>
+            <a:ext cx="10612320" cy="1507067"/>
+          </a:xfrm>
+        </p:spPr>
+        <p:txBody>
+          <a:bodyPr>
+            <a:noAutofit/>
+          </a:bodyPr>
           <a:lstStyle/>
           <a:p>
             <a:r>
-              <a:rPr lang="en-US"/>
-              <a:t>GPS Navigation</a:t>
-            </a:r>
+              <a:rPr lang="en-US" sz="4400" u="sng" dirty="0">
+                <a:latin typeface="Copperplate Gothic Bold" panose="020E0705020206020404" pitchFamily="34" charset="0"/>
+              </a:rPr>
+              <a:t>Lane Departure Detection</a:t>
+            </a:r>
+            <a:br>
+              <a:rPr lang="en-US" sz="4400" u="sng" dirty="0">
+                <a:latin typeface="Copperplate Gothic Bold" panose="020E0705020206020404" pitchFamily="34" charset="0"/>
+              </a:rPr>
+            </a:br>
+            <a:r>
+              <a:rPr lang="en-US" sz="4400" u="sng" dirty="0">
+                <a:latin typeface="Copperplate Gothic Bold" panose="020E0705020206020404" pitchFamily="34" charset="0"/>
+              </a:rPr>
+              <a:t>(LDD)</a:t>
+            </a:r>
+            <a:endParaRPr lang="en-US" sz="4400" dirty="0"/>
           </a:p>
         </p:txBody>
       </p:sp>
@@ -5853,7 +9951,7 @@
           <p:cNvPr id="3" name="Content Placeholder 2">
             <a:extLst>
               <a:ext uri="{FF2B5EF4-FFF2-40B4-BE49-F238E27FC236}">
-                <a16:creationId xmlns:a16="http://schemas.microsoft.com/office/drawing/2014/main" id="{FF39D5B6-B631-4FAB-8235-1D404336F3C5}"/>
+                <a16:creationId xmlns:a16="http://schemas.microsoft.com/office/drawing/2014/main" id="{97A8A84B-A73F-4F62-B728-1F1A14A09BCB}"/>
               </a:ext>
             </a:extLst>
           </p:cNvPr>
@@ -5869,14 +9967,17 @@
           <a:bodyPr/>
           <a:lstStyle/>
           <a:p>
-            <a:endParaRPr lang="en-US"/>
+            <a:r>
+              <a:rPr lang="en-US" dirty="0"/>
+              <a:t>Embedded video demonstration</a:t>
+            </a:r>
           </a:p>
         </p:txBody>
       </p:sp>
     </p:spTree>
     <p:extLst>
       <p:ext uri="{BB962C8B-B14F-4D97-AF65-F5344CB8AC3E}">
-        <p14:creationId xmlns:p14="http://schemas.microsoft.com/office/powerpoint/2010/main" val="268622171"/>
+        <p14:creationId xmlns:p14="http://schemas.microsoft.com/office/powerpoint/2010/main" val="2553983928"/>
       </p:ext>
     </p:extLst>
   </p:cSld>
@@ -5887,6 +9988,678 @@
 </file>
 
 <file path=ppt/slides/slide7.xml><?xml version="1.0" encoding="utf-8"?>
+<p:sld xmlns:a="http://schemas.openxmlformats.org/drawingml/2006/main" xmlns:r="http://schemas.openxmlformats.org/officeDocument/2006/relationships" xmlns:p="http://schemas.openxmlformats.org/presentationml/2006/main">
+  <p:cSld>
+    <p:bg>
+      <p:bgPr>
+        <a:gradFill rotWithShape="1">
+          <a:gsLst>
+            <a:gs pos="10000">
+              <a:schemeClr val="bg1">
+                <a:tint val="97000"/>
+                <a:hueMod val="92000"/>
+                <a:satMod val="169000"/>
+                <a:lumMod val="164000"/>
+              </a:schemeClr>
+            </a:gs>
+            <a:gs pos="100000">
+              <a:schemeClr val="bg1">
+                <a:shade val="96000"/>
+                <a:satMod val="120000"/>
+                <a:lumMod val="90000"/>
+              </a:schemeClr>
+            </a:gs>
+          </a:gsLst>
+          <a:lin ang="6120000" scaled="1"/>
+        </a:gradFill>
+        <a:effectLst/>
+      </p:bgPr>
+    </p:bg>
+    <p:spTree>
+      <p:nvGrpSpPr>
+        <p:cNvPr id="1" name=""/>
+        <p:cNvGrpSpPr/>
+        <p:nvPr/>
+      </p:nvGrpSpPr>
+      <p:grpSpPr>
+        <a:xfrm>
+          <a:off x="0" y="0"/>
+          <a:ext cx="0" cy="0"/>
+          <a:chOff x="0" y="0"/>
+          <a:chExt cx="0" cy="0"/>
+        </a:xfrm>
+      </p:grpSpPr>
+      <p:sp useBgFill="1">
+        <p:nvSpPr>
+          <p:cNvPr id="9" name="Rectangle 8">
+            <a:extLst>
+              <a:ext uri="{FF2B5EF4-FFF2-40B4-BE49-F238E27FC236}">
+                <a16:creationId xmlns:a16="http://schemas.microsoft.com/office/drawing/2014/main" id="{CADF2543-1B6F-4FBC-A7AF-53A0430E05AB}"/>
+              </a:ext>
+              <a:ext uri="{C183D7F6-B498-43B3-948B-1728B52AA6E4}">
+                <adec:decorative xmlns:adec="http://schemas.microsoft.com/office/drawing/2017/decorative" val="1"/>
+              </a:ext>
+            </a:extLst>
+          </p:cNvPr>
+          <p:cNvSpPr>
+            <a:spLocks noGrp="1" noRot="1" noChangeAspect="1" noMove="1" noResize="1" noEditPoints="1" noAdjustHandles="1" noChangeArrowheads="1" noChangeShapeType="1" noTextEdit="1"/>
+          </p:cNvSpPr>
+          <p:nvPr>
+            <p:extLst>
+              <p:ext uri="{386F3935-93C4-4BCD-93E2-E3B085C9AB24}">
+                <p16:designElem xmlns:p16="http://schemas.microsoft.com/office/powerpoint/2015/main" val="1"/>
+              </p:ext>
+            </p:extLst>
+          </p:nvPr>
+        </p:nvSpPr>
+        <p:spPr>
+          <a:xfrm>
+            <a:off x="0" y="0"/>
+            <a:ext cx="12192000" cy="6858000"/>
+          </a:xfrm>
+          <a:prstGeom prst="rect">
+            <a:avLst/>
+          </a:prstGeom>
+          <a:ln>
+            <a:noFill/>
+          </a:ln>
+        </p:spPr>
+        <p:style>
+          <a:lnRef idx="2">
+            <a:schemeClr val="accent1">
+              <a:shade val="50000"/>
+            </a:schemeClr>
+          </a:lnRef>
+          <a:fillRef idx="1">
+            <a:schemeClr val="accent1"/>
+          </a:fillRef>
+          <a:effectRef idx="0">
+            <a:schemeClr val="accent1"/>
+          </a:effectRef>
+          <a:fontRef idx="minor">
+            <a:schemeClr val="lt1"/>
+          </a:fontRef>
+        </p:style>
+        <p:txBody>
+          <a:bodyPr rtlCol="0" anchor="ctr"/>
+          <a:lstStyle/>
+          <a:p>
+            <a:pPr algn="ctr"/>
+            <a:endParaRPr lang="en-US"/>
+          </a:p>
+        </p:txBody>
+      </p:sp>
+      <p:sp>
+        <p:nvSpPr>
+          <p:cNvPr id="2" name="Title 1">
+            <a:extLst>
+              <a:ext uri="{FF2B5EF4-FFF2-40B4-BE49-F238E27FC236}">
+                <a16:creationId xmlns:a16="http://schemas.microsoft.com/office/drawing/2014/main" id="{AC5C9526-A34C-423F-92C6-D49CB5861A90}"/>
+              </a:ext>
+            </a:extLst>
+          </p:cNvPr>
+          <p:cNvSpPr>
+            <a:spLocks noGrp="1"/>
+          </p:cNvSpPr>
+          <p:nvPr>
+            <p:ph type="title"/>
+          </p:nvPr>
+        </p:nvSpPr>
+        <p:spPr>
+          <a:xfrm>
+            <a:off x="346450" y="151401"/>
+            <a:ext cx="10666108" cy="1507067"/>
+          </a:xfrm>
+        </p:spPr>
+        <p:txBody>
+          <a:bodyPr vert="horz" lIns="91440" tIns="45720" rIns="91440" bIns="45720" rtlCol="0" anchor="ctr">
+            <a:normAutofit/>
+          </a:bodyPr>
+          <a:lstStyle/>
+          <a:p>
+            <a:r>
+              <a:rPr lang="en-US" sz="4400" u="sng" dirty="0">
+                <a:latin typeface="Copperplate Gothic Bold" panose="020E0705020206020404" pitchFamily="34" charset="0"/>
+              </a:rPr>
+              <a:t>Parking collision detection (PCD)</a:t>
+            </a:r>
+          </a:p>
+        </p:txBody>
+      </p:sp>
+      <p:grpSp>
+        <p:nvGrpSpPr>
+          <p:cNvPr id="11" name="Group 10">
+            <a:extLst>
+              <a:ext uri="{FF2B5EF4-FFF2-40B4-BE49-F238E27FC236}">
+                <a16:creationId xmlns:a16="http://schemas.microsoft.com/office/drawing/2014/main" id="{A80A6E81-6B71-43DF-877B-E964A9A4CB68}"/>
+              </a:ext>
+              <a:ext uri="{C183D7F6-B498-43B3-948B-1728B52AA6E4}">
+                <adec:decorative xmlns:adec="http://schemas.microsoft.com/office/drawing/2017/decorative" val="1"/>
+              </a:ext>
+            </a:extLst>
+          </p:cNvPr>
+          <p:cNvGrpSpPr>
+            <a:grpSpLocks noGrp="1" noUngrp="1" noRot="1" noChangeAspect="1" noMove="1" noResize="1"/>
+          </p:cNvGrpSpPr>
+          <p:nvPr>
+            <p:extLst>
+              <p:ext uri="{386F3935-93C4-4BCD-93E2-E3B085C9AB24}">
+                <p16:designElem xmlns:p16="http://schemas.microsoft.com/office/powerpoint/2015/main" val="1"/>
+              </p:ext>
+            </p:extLst>
+          </p:nvPr>
+        </p:nvGrpSpPr>
+        <p:grpSpPr>
+          <a:xfrm>
+            <a:off x="9206969" y="2963333"/>
+            <a:ext cx="2981858" cy="3208867"/>
+            <a:chOff x="9206969" y="2963333"/>
+            <a:chExt cx="2981858" cy="3208867"/>
+          </a:xfrm>
+        </p:grpSpPr>
+        <p:cxnSp>
+          <p:nvCxnSpPr>
+            <p:cNvPr id="12" name="Straight Connector 11">
+              <a:extLst>
+                <a:ext uri="{FF2B5EF4-FFF2-40B4-BE49-F238E27FC236}">
+                  <a16:creationId xmlns:a16="http://schemas.microsoft.com/office/drawing/2014/main" id="{4E35C3AD-357F-4004-A3F3-2D4EAF34A63D}"/>
+                </a:ext>
+                <a:ext uri="{C183D7F6-B498-43B3-948B-1728B52AA6E4}">
+                  <adec:decorative xmlns:adec="http://schemas.microsoft.com/office/drawing/2017/decorative" val="1"/>
+                </a:ext>
+              </a:extLst>
+            </p:cNvPr>
+            <p:cNvCxnSpPr/>
+            <p:nvPr>
+              <p:extLst>
+                <p:ext uri="{386F3935-93C4-4BCD-93E2-E3B085C9AB24}">
+                  <p16:designElem xmlns:p16="http://schemas.microsoft.com/office/powerpoint/2015/main" val="1"/>
+                </p:ext>
+              </p:extLst>
+            </p:nvPr>
+          </p:nvCxnSpPr>
+          <p:spPr>
+            <a:xfrm flipH="1">
+              <a:off x="11276012" y="2963333"/>
+              <a:ext cx="912814" cy="912812"/>
+            </a:xfrm>
+            <a:prstGeom prst="line">
+              <a:avLst/>
+            </a:prstGeom>
+            <a:ln w="9525">
+              <a:solidFill>
+                <a:schemeClr val="tx2">
+                  <a:lumMod val="75000"/>
+                  <a:alpha val="80000"/>
+                </a:schemeClr>
+              </a:solidFill>
+            </a:ln>
+          </p:spPr>
+          <p:style>
+            <a:lnRef idx="2">
+              <a:schemeClr val="accent1"/>
+            </a:lnRef>
+            <a:fillRef idx="0">
+              <a:schemeClr val="accent1"/>
+            </a:fillRef>
+            <a:effectRef idx="1">
+              <a:schemeClr val="accent1"/>
+            </a:effectRef>
+            <a:fontRef idx="minor">
+              <a:schemeClr val="tx1"/>
+            </a:fontRef>
+          </p:style>
+        </p:cxnSp>
+        <p:cxnSp>
+          <p:nvCxnSpPr>
+            <p:cNvPr id="13" name="Straight Connector 12">
+              <a:extLst>
+                <a:ext uri="{FF2B5EF4-FFF2-40B4-BE49-F238E27FC236}">
+                  <a16:creationId xmlns:a16="http://schemas.microsoft.com/office/drawing/2014/main" id="{337B6032-0A70-4F26-A9A3-B4D60DF11818}"/>
+                </a:ext>
+                <a:ext uri="{C183D7F6-B498-43B3-948B-1728B52AA6E4}">
+                  <adec:decorative xmlns:adec="http://schemas.microsoft.com/office/drawing/2017/decorative" val="1"/>
+                </a:ext>
+              </a:extLst>
+            </p:cNvPr>
+            <p:cNvCxnSpPr/>
+            <p:nvPr>
+              <p:extLst>
+                <p:ext uri="{386F3935-93C4-4BCD-93E2-E3B085C9AB24}">
+                  <p16:designElem xmlns:p16="http://schemas.microsoft.com/office/powerpoint/2015/main" val="1"/>
+                </p:ext>
+              </p:extLst>
+            </p:nvPr>
+          </p:nvCxnSpPr>
+          <p:spPr>
+            <a:xfrm flipH="1">
+              <a:off x="9206969" y="3190344"/>
+              <a:ext cx="2981857" cy="2981856"/>
+            </a:xfrm>
+            <a:prstGeom prst="line">
+              <a:avLst/>
+            </a:prstGeom>
+            <a:ln w="9525">
+              <a:solidFill>
+                <a:schemeClr val="tx2">
+                  <a:lumMod val="75000"/>
+                  <a:alpha val="80000"/>
+                </a:schemeClr>
+              </a:solidFill>
+            </a:ln>
+          </p:spPr>
+          <p:style>
+            <a:lnRef idx="2">
+              <a:schemeClr val="accent1"/>
+            </a:lnRef>
+            <a:fillRef idx="0">
+              <a:schemeClr val="accent1"/>
+            </a:fillRef>
+            <a:effectRef idx="1">
+              <a:schemeClr val="accent1"/>
+            </a:effectRef>
+            <a:fontRef idx="minor">
+              <a:schemeClr val="tx1"/>
+            </a:fontRef>
+          </p:style>
+        </p:cxnSp>
+        <p:cxnSp>
+          <p:nvCxnSpPr>
+            <p:cNvPr id="14" name="Straight Connector 13">
+              <a:extLst>
+                <a:ext uri="{FF2B5EF4-FFF2-40B4-BE49-F238E27FC236}">
+                  <a16:creationId xmlns:a16="http://schemas.microsoft.com/office/drawing/2014/main" id="{DE192CE3-3DD1-448F-93BE-42983DA0D5A9}"/>
+                </a:ext>
+                <a:ext uri="{C183D7F6-B498-43B3-948B-1728B52AA6E4}">
+                  <adec:decorative xmlns:adec="http://schemas.microsoft.com/office/drawing/2017/decorative" val="1"/>
+                </a:ext>
+              </a:extLst>
+            </p:cNvPr>
+            <p:cNvCxnSpPr/>
+            <p:nvPr>
+              <p:extLst>
+                <p:ext uri="{386F3935-93C4-4BCD-93E2-E3B085C9AB24}">
+                  <p16:designElem xmlns:p16="http://schemas.microsoft.com/office/powerpoint/2015/main" val="1"/>
+                </p:ext>
+              </p:extLst>
+            </p:nvPr>
+          </p:nvCxnSpPr>
+          <p:spPr>
+            <a:xfrm flipH="1">
+              <a:off x="10292292" y="3285067"/>
+              <a:ext cx="1896534" cy="1896533"/>
+            </a:xfrm>
+            <a:prstGeom prst="line">
+              <a:avLst/>
+            </a:prstGeom>
+            <a:ln w="9525">
+              <a:solidFill>
+                <a:schemeClr val="tx2">
+                  <a:lumMod val="75000"/>
+                  <a:alpha val="80000"/>
+                </a:schemeClr>
+              </a:solidFill>
+            </a:ln>
+          </p:spPr>
+          <p:style>
+            <a:lnRef idx="2">
+              <a:schemeClr val="accent1"/>
+            </a:lnRef>
+            <a:fillRef idx="0">
+              <a:schemeClr val="accent1"/>
+            </a:fillRef>
+            <a:effectRef idx="1">
+              <a:schemeClr val="accent1"/>
+            </a:effectRef>
+            <a:fontRef idx="minor">
+              <a:schemeClr val="tx1"/>
+            </a:fontRef>
+          </p:style>
+        </p:cxnSp>
+        <p:cxnSp>
+          <p:nvCxnSpPr>
+            <p:cNvPr id="15" name="Straight Connector 14">
+              <a:extLst>
+                <a:ext uri="{FF2B5EF4-FFF2-40B4-BE49-F238E27FC236}">
+                  <a16:creationId xmlns:a16="http://schemas.microsoft.com/office/drawing/2014/main" id="{E6D3DA09-5C72-4562-BEDE-1937DF87E81D}"/>
+                </a:ext>
+                <a:ext uri="{C183D7F6-B498-43B3-948B-1728B52AA6E4}">
+                  <adec:decorative xmlns:adec="http://schemas.microsoft.com/office/drawing/2017/decorative" val="1"/>
+                </a:ext>
+              </a:extLst>
+            </p:cNvPr>
+            <p:cNvCxnSpPr/>
+            <p:nvPr>
+              <p:extLst>
+                <p:ext uri="{386F3935-93C4-4BCD-93E2-E3B085C9AB24}">
+                  <p16:designElem xmlns:p16="http://schemas.microsoft.com/office/powerpoint/2015/main" val="1"/>
+                </p:ext>
+              </p:extLst>
+            </p:nvPr>
+          </p:nvCxnSpPr>
+          <p:spPr>
+            <a:xfrm flipH="1">
+              <a:off x="10443103" y="3131080"/>
+              <a:ext cx="1745722" cy="1745720"/>
+            </a:xfrm>
+            <a:prstGeom prst="line">
+              <a:avLst/>
+            </a:prstGeom>
+            <a:ln w="28575">
+              <a:solidFill>
+                <a:schemeClr val="tx2">
+                  <a:lumMod val="75000"/>
+                  <a:alpha val="80000"/>
+                </a:schemeClr>
+              </a:solidFill>
+            </a:ln>
+          </p:spPr>
+          <p:style>
+            <a:lnRef idx="2">
+              <a:schemeClr val="accent1"/>
+            </a:lnRef>
+            <a:fillRef idx="0">
+              <a:schemeClr val="accent1"/>
+            </a:fillRef>
+            <a:effectRef idx="1">
+              <a:schemeClr val="accent1"/>
+            </a:effectRef>
+            <a:fontRef idx="minor">
+              <a:schemeClr val="tx1"/>
+            </a:fontRef>
+          </p:style>
+        </p:cxnSp>
+        <p:cxnSp>
+          <p:nvCxnSpPr>
+            <p:cNvPr id="16" name="Straight Connector 15">
+              <a:extLst>
+                <a:ext uri="{FF2B5EF4-FFF2-40B4-BE49-F238E27FC236}">
+                  <a16:creationId xmlns:a16="http://schemas.microsoft.com/office/drawing/2014/main" id="{D6ACA7CA-2A20-49D7-9053-E076463D79A3}"/>
+                </a:ext>
+                <a:ext uri="{C183D7F6-B498-43B3-948B-1728B52AA6E4}">
+                  <adec:decorative xmlns:adec="http://schemas.microsoft.com/office/drawing/2017/decorative" val="1"/>
+                </a:ext>
+              </a:extLst>
+            </p:cNvPr>
+            <p:cNvCxnSpPr/>
+            <p:nvPr>
+              <p:extLst>
+                <p:ext uri="{386F3935-93C4-4BCD-93E2-E3B085C9AB24}">
+                  <p16:designElem xmlns:p16="http://schemas.microsoft.com/office/powerpoint/2015/main" val="1"/>
+                </p:ext>
+              </p:extLst>
+            </p:nvPr>
+          </p:nvCxnSpPr>
+          <p:spPr>
+            <a:xfrm flipH="1">
+              <a:off x="10918826" y="3683001"/>
+              <a:ext cx="1270001" cy="1269999"/>
+            </a:xfrm>
+            <a:prstGeom prst="line">
+              <a:avLst/>
+            </a:prstGeom>
+            <a:ln w="28575">
+              <a:solidFill>
+                <a:schemeClr val="tx2">
+                  <a:lumMod val="75000"/>
+                  <a:alpha val="80000"/>
+                </a:schemeClr>
+              </a:solidFill>
+            </a:ln>
+          </p:spPr>
+          <p:style>
+            <a:lnRef idx="2">
+              <a:schemeClr val="accent1"/>
+            </a:lnRef>
+            <a:fillRef idx="0">
+              <a:schemeClr val="accent1"/>
+            </a:fillRef>
+            <a:effectRef idx="1">
+              <a:schemeClr val="accent1"/>
+            </a:effectRef>
+            <a:fontRef idx="minor">
+              <a:schemeClr val="tx1"/>
+            </a:fontRef>
+          </p:style>
+        </p:cxnSp>
+      </p:grpSp>
+      <p:sp>
+        <p:nvSpPr>
+          <p:cNvPr id="4" name="TextBox 3">
+            <a:extLst>
+              <a:ext uri="{FF2B5EF4-FFF2-40B4-BE49-F238E27FC236}">
+                <a16:creationId xmlns:a16="http://schemas.microsoft.com/office/drawing/2014/main" id="{14653264-5622-4576-AD6E-2DA7787F39B4}"/>
+              </a:ext>
+            </a:extLst>
+          </p:cNvPr>
+          <p:cNvSpPr txBox="1"/>
+          <p:nvPr/>
+        </p:nvSpPr>
+        <p:spPr>
+          <a:xfrm>
+            <a:off x="737473" y="1688100"/>
+            <a:ext cx="5839885" cy="4376089"/>
+          </a:xfrm>
+          <a:prstGeom prst="rect">
+            <a:avLst/>
+          </a:prstGeom>
+        </p:spPr>
+        <p:txBody>
+          <a:bodyPr vert="horz" lIns="91440" tIns="45720" rIns="91440" bIns="45720" rtlCol="0" anchor="ctr">
+            <a:normAutofit/>
+          </a:bodyPr>
+          <a:lstStyle/>
+          <a:p>
+            <a:pPr defTabSz="457200">
+              <a:lnSpc>
+                <a:spcPct val="90000"/>
+              </a:lnSpc>
+              <a:spcBef>
+                <a:spcPct val="20000"/>
+              </a:spcBef>
+              <a:spcAft>
+                <a:spcPts val="600"/>
+              </a:spcAft>
+              <a:buClr>
+                <a:schemeClr val="tx1"/>
+              </a:buClr>
+              <a:buSzPct val="80000"/>
+              <a:buFont typeface="Wingdings 3" panose="05040102010807070707" pitchFamily="18" charset="2"/>
+              <a:buChar char=""/>
+            </a:pPr>
+            <a:r>
+              <a:rPr lang="en-US" sz="1300" dirty="0"/>
+              <a:t>To create a parking collision detector, we needed to make use of some hardware designed to be used with the Arduino micro controller. </a:t>
+            </a:r>
+          </a:p>
+          <a:p>
+            <a:pPr defTabSz="457200">
+              <a:lnSpc>
+                <a:spcPct val="90000"/>
+              </a:lnSpc>
+              <a:spcBef>
+                <a:spcPct val="20000"/>
+              </a:spcBef>
+              <a:spcAft>
+                <a:spcPts val="600"/>
+              </a:spcAft>
+              <a:buClr>
+                <a:schemeClr val="tx1"/>
+              </a:buClr>
+              <a:buSzPct val="80000"/>
+              <a:buFont typeface="Wingdings 3" panose="05040102010807070707" pitchFamily="18" charset="2"/>
+              <a:buChar char=""/>
+            </a:pPr>
+            <a:endParaRPr lang="en-US" sz="1300" dirty="0"/>
+          </a:p>
+          <a:p>
+            <a:pPr defTabSz="457200">
+              <a:lnSpc>
+                <a:spcPct val="90000"/>
+              </a:lnSpc>
+              <a:spcBef>
+                <a:spcPct val="20000"/>
+              </a:spcBef>
+              <a:spcAft>
+                <a:spcPts val="600"/>
+              </a:spcAft>
+              <a:buClr>
+                <a:schemeClr val="tx1"/>
+              </a:buClr>
+              <a:buSzPct val="80000"/>
+              <a:buFont typeface="Wingdings 3" panose="05040102010807070707" pitchFamily="18" charset="2"/>
+              <a:buChar char=""/>
+            </a:pPr>
+            <a:r>
+              <a:rPr lang="en-US" sz="1300" dirty="0"/>
+              <a:t>Using 4 SR04 Ultra Sonic Sensors, a passive buzzer, and a few LEDs, we created a system which alerts the user of a potential collision during a parking maneuver.</a:t>
+            </a:r>
+          </a:p>
+          <a:p>
+            <a:pPr defTabSz="457200">
+              <a:lnSpc>
+                <a:spcPct val="90000"/>
+              </a:lnSpc>
+              <a:spcBef>
+                <a:spcPct val="20000"/>
+              </a:spcBef>
+              <a:spcAft>
+                <a:spcPts val="600"/>
+              </a:spcAft>
+              <a:buClr>
+                <a:schemeClr val="tx1"/>
+              </a:buClr>
+              <a:buSzPct val="80000"/>
+              <a:buFont typeface="Wingdings 3" panose="05040102010807070707" pitchFamily="18" charset="2"/>
+              <a:buChar char=""/>
+            </a:pPr>
+            <a:endParaRPr lang="en-US" sz="1300" dirty="0"/>
+          </a:p>
+          <a:p>
+            <a:pPr defTabSz="457200">
+              <a:lnSpc>
+                <a:spcPct val="90000"/>
+              </a:lnSpc>
+              <a:spcBef>
+                <a:spcPct val="20000"/>
+              </a:spcBef>
+              <a:spcAft>
+                <a:spcPts val="600"/>
+              </a:spcAft>
+              <a:buClr>
+                <a:schemeClr val="tx1"/>
+              </a:buClr>
+              <a:buSzPct val="80000"/>
+              <a:buFont typeface="Wingdings 3" panose="05040102010807070707" pitchFamily="18" charset="2"/>
+              <a:buChar char=""/>
+            </a:pPr>
+            <a:r>
+              <a:rPr lang="en-US" sz="1300" dirty="0"/>
+              <a:t>The sensors will detect objects using ultra sonic waves to determine the distance between the encroaching object and the sensors themselves.</a:t>
+            </a:r>
+          </a:p>
+          <a:p>
+            <a:pPr defTabSz="457200">
+              <a:lnSpc>
+                <a:spcPct val="90000"/>
+              </a:lnSpc>
+              <a:spcBef>
+                <a:spcPct val="20000"/>
+              </a:spcBef>
+              <a:spcAft>
+                <a:spcPts val="600"/>
+              </a:spcAft>
+              <a:buClr>
+                <a:schemeClr val="tx1"/>
+              </a:buClr>
+              <a:buSzPct val="80000"/>
+              <a:buFont typeface="Wingdings 3" panose="05040102010807070707" pitchFamily="18" charset="2"/>
+              <a:buChar char=""/>
+            </a:pPr>
+            <a:endParaRPr lang="en-US" sz="1300" dirty="0"/>
+          </a:p>
+          <a:p>
+            <a:pPr defTabSz="457200">
+              <a:lnSpc>
+                <a:spcPct val="90000"/>
+              </a:lnSpc>
+              <a:spcBef>
+                <a:spcPct val="20000"/>
+              </a:spcBef>
+              <a:spcAft>
+                <a:spcPts val="600"/>
+              </a:spcAft>
+              <a:buClr>
+                <a:schemeClr val="tx1"/>
+              </a:buClr>
+              <a:buSzPct val="80000"/>
+              <a:buFont typeface="Wingdings 3" panose="05040102010807070707" pitchFamily="18" charset="2"/>
+              <a:buChar char=""/>
+            </a:pPr>
+            <a:r>
+              <a:rPr lang="en-US" sz="1300" dirty="0"/>
+              <a:t>At a predefined distance the sensors will communicate via the Arduino with the passive buzzer and provide distinct beeps alerting the user of the potential collision.</a:t>
+            </a:r>
+          </a:p>
+          <a:p>
+            <a:pPr defTabSz="457200">
+              <a:lnSpc>
+                <a:spcPct val="90000"/>
+              </a:lnSpc>
+              <a:spcBef>
+                <a:spcPct val="20000"/>
+              </a:spcBef>
+              <a:spcAft>
+                <a:spcPts val="600"/>
+              </a:spcAft>
+              <a:buClr>
+                <a:schemeClr val="tx1"/>
+              </a:buClr>
+              <a:buSzPct val="80000"/>
+              <a:buFont typeface="Wingdings 3" panose="05040102010807070707" pitchFamily="18" charset="2"/>
+              <a:buChar char=""/>
+            </a:pPr>
+            <a:endParaRPr lang="en-US" sz="1300" dirty="0"/>
+          </a:p>
+          <a:p>
+            <a:pPr defTabSz="457200">
+              <a:lnSpc>
+                <a:spcPct val="90000"/>
+              </a:lnSpc>
+              <a:spcBef>
+                <a:spcPct val="20000"/>
+              </a:spcBef>
+              <a:spcAft>
+                <a:spcPts val="600"/>
+              </a:spcAft>
+              <a:buClr>
+                <a:schemeClr val="tx1"/>
+              </a:buClr>
+              <a:buSzPct val="80000"/>
+              <a:buFont typeface="Wingdings 3" panose="05040102010807070707" pitchFamily="18" charset="2"/>
+              <a:buChar char=""/>
+            </a:pPr>
+            <a:r>
+              <a:rPr lang="en-US" sz="1300" dirty="0"/>
+              <a:t>Paired with the passive buzzer are the LEDs which will indicate certain statuses of the PCD system.</a:t>
+            </a:r>
+          </a:p>
+        </p:txBody>
+      </p:sp>
+    </p:spTree>
+    <p:extLst>
+      <p:ext uri="{BB962C8B-B14F-4D97-AF65-F5344CB8AC3E}">
+        <p14:creationId xmlns:p14="http://schemas.microsoft.com/office/powerpoint/2010/main" val="803260358"/>
+      </p:ext>
+    </p:extLst>
+  </p:cSld>
+  <p:clrMapOvr>
+    <a:masterClrMapping/>
+  </p:clrMapOvr>
+</p:sld>
+</file>
+
+<file path=ppt/slides/slide8.xml><?xml version="1.0" encoding="utf-8"?>
 <p:sld xmlns:a="http://schemas.openxmlformats.org/drawingml/2006/main" xmlns:r="http://schemas.openxmlformats.org/officeDocument/2006/relationships" xmlns:p="http://schemas.openxmlformats.org/presentationml/2006/main">
   <p:cSld>
     <p:spTree>
@@ -5908,7 +10681,7 @@
           <p:cNvPr id="2" name="Title 1">
             <a:extLst>
               <a:ext uri="{FF2B5EF4-FFF2-40B4-BE49-F238E27FC236}">
-                <a16:creationId xmlns:a16="http://schemas.microsoft.com/office/drawing/2014/main" id="{3BF5F611-75BE-4F1B-9B59-4AAD2A515AE9}"/>
+                <a16:creationId xmlns:a16="http://schemas.microsoft.com/office/drawing/2014/main" id="{069B9774-DCD6-4591-84B1-2640CFF6F942}"/>
               </a:ext>
             </a:extLst>
           </p:cNvPr>
@@ -5921,17 +10694,61 @@
         </p:nvSpPr>
         <p:spPr>
           <a:xfrm>
-            <a:off x="684212" y="1597"/>
-            <a:ext cx="8534400" cy="6855443"/>
+            <a:off x="320725" y="5060962"/>
+            <a:ext cx="8534400" cy="1507067"/>
           </a:xfrm>
         </p:spPr>
         <p:txBody>
+          <a:bodyPr>
+            <a:normAutofit/>
+          </a:bodyPr>
+          <a:lstStyle/>
+          <a:p>
+            <a:r>
+              <a:rPr lang="en-US" sz="4400" u="sng" dirty="0">
+                <a:latin typeface="Copperplate Gothic Bold" panose="020E0705020206020404" pitchFamily="34" charset="0"/>
+              </a:rPr>
+              <a:t>Parking collision</a:t>
+            </a:r>
+            <a:br>
+              <a:rPr lang="en-US" sz="4400" u="sng" dirty="0">
+                <a:latin typeface="Copperplate Gothic Bold" panose="020E0705020206020404" pitchFamily="34" charset="0"/>
+              </a:rPr>
+            </a:br>
+            <a:r>
+              <a:rPr lang="en-US" sz="4400" u="sng" dirty="0">
+                <a:latin typeface="Copperplate Gothic Bold" panose="020E0705020206020404" pitchFamily="34" charset="0"/>
+              </a:rPr>
+              <a:t>detection (PCD)</a:t>
+            </a:r>
+            <a:endParaRPr lang="en-US" sz="4400" dirty="0"/>
+          </a:p>
+        </p:txBody>
+      </p:sp>
+      <p:sp>
+        <p:nvSpPr>
+          <p:cNvPr id="3" name="Content Placeholder 2">
+            <a:extLst>
+              <a:ext uri="{FF2B5EF4-FFF2-40B4-BE49-F238E27FC236}">
+                <a16:creationId xmlns:a16="http://schemas.microsoft.com/office/drawing/2014/main" id="{3CE31AC7-8454-4FB8-ABC8-C4CDF6AEA087}"/>
+              </a:ext>
+            </a:extLst>
+          </p:cNvPr>
+          <p:cNvSpPr>
+            <a:spLocks noGrp="1"/>
+          </p:cNvSpPr>
+          <p:nvPr>
+            <p:ph idx="1"/>
+          </p:nvPr>
+        </p:nvSpPr>
+        <p:spPr/>
+        <p:txBody>
           <a:bodyPr/>
           <a:lstStyle/>
           <a:p>
             <a:r>
-              <a:rPr lang="en-US" cap="none"/>
-              <a:t>sasd</a:t>
+              <a:rPr lang="en-US" dirty="0"/>
+              <a:t>Embedded video demonstration </a:t>
             </a:r>
           </a:p>
         </p:txBody>
@@ -5939,7 +10756,647 @@
     </p:spTree>
     <p:extLst>
       <p:ext uri="{BB962C8B-B14F-4D97-AF65-F5344CB8AC3E}">
-        <p14:creationId xmlns:p14="http://schemas.microsoft.com/office/powerpoint/2010/main" val="120983050"/>
+        <p14:creationId xmlns:p14="http://schemas.microsoft.com/office/powerpoint/2010/main" val="4005916067"/>
+      </p:ext>
+    </p:extLst>
+  </p:cSld>
+  <p:clrMapOvr>
+    <a:masterClrMapping/>
+  </p:clrMapOvr>
+</p:sld>
+</file>
+
+<file path=ppt/slides/slide9.xml><?xml version="1.0" encoding="utf-8"?>
+<p:sld xmlns:a="http://schemas.openxmlformats.org/drawingml/2006/main" xmlns:r="http://schemas.openxmlformats.org/officeDocument/2006/relationships" xmlns:p="http://schemas.openxmlformats.org/presentationml/2006/main">
+  <p:cSld>
+    <p:bg>
+      <p:bgPr>
+        <a:gradFill rotWithShape="1">
+          <a:gsLst>
+            <a:gs pos="10000">
+              <a:schemeClr val="bg1">
+                <a:tint val="97000"/>
+                <a:hueMod val="92000"/>
+                <a:satMod val="169000"/>
+                <a:lumMod val="164000"/>
+              </a:schemeClr>
+            </a:gs>
+            <a:gs pos="100000">
+              <a:schemeClr val="bg1">
+                <a:shade val="96000"/>
+                <a:satMod val="120000"/>
+                <a:lumMod val="90000"/>
+              </a:schemeClr>
+            </a:gs>
+          </a:gsLst>
+          <a:lin ang="6120000" scaled="1"/>
+        </a:gradFill>
+        <a:effectLst/>
+      </p:bgPr>
+    </p:bg>
+    <p:spTree>
+      <p:nvGrpSpPr>
+        <p:cNvPr id="1" name=""/>
+        <p:cNvGrpSpPr/>
+        <p:nvPr/>
+      </p:nvGrpSpPr>
+      <p:grpSpPr>
+        <a:xfrm>
+          <a:off x="0" y="0"/>
+          <a:ext cx="0" cy="0"/>
+          <a:chOff x="0" y="0"/>
+          <a:chExt cx="0" cy="0"/>
+        </a:xfrm>
+      </p:grpSpPr>
+      <p:sp useBgFill="1">
+        <p:nvSpPr>
+          <p:cNvPr id="11" name="Rectangle 10">
+            <a:extLst>
+              <a:ext uri="{FF2B5EF4-FFF2-40B4-BE49-F238E27FC236}">
+                <a16:creationId xmlns:a16="http://schemas.microsoft.com/office/drawing/2014/main" id="{CADF2543-1B6F-4FBC-A7AF-53A0430E05AB}"/>
+              </a:ext>
+              <a:ext uri="{C183D7F6-B498-43B3-948B-1728B52AA6E4}">
+                <adec:decorative xmlns:adec="http://schemas.microsoft.com/office/drawing/2017/decorative" val="1"/>
+              </a:ext>
+            </a:extLst>
+          </p:cNvPr>
+          <p:cNvSpPr>
+            <a:spLocks noGrp="1" noRot="1" noChangeAspect="1" noMove="1" noResize="1" noEditPoints="1" noAdjustHandles="1" noChangeArrowheads="1" noChangeShapeType="1" noTextEdit="1"/>
+          </p:cNvSpPr>
+          <p:nvPr>
+            <p:extLst>
+              <p:ext uri="{386F3935-93C4-4BCD-93E2-E3B085C9AB24}">
+                <p16:designElem xmlns:p16="http://schemas.microsoft.com/office/powerpoint/2015/main" val="1"/>
+              </p:ext>
+            </p:extLst>
+          </p:nvPr>
+        </p:nvSpPr>
+        <p:spPr>
+          <a:xfrm>
+            <a:off x="0" y="0"/>
+            <a:ext cx="12192000" cy="6858000"/>
+          </a:xfrm>
+          <a:prstGeom prst="rect">
+            <a:avLst/>
+          </a:prstGeom>
+          <a:ln>
+            <a:noFill/>
+          </a:ln>
+        </p:spPr>
+        <p:style>
+          <a:lnRef idx="2">
+            <a:schemeClr val="accent1">
+              <a:shade val="50000"/>
+            </a:schemeClr>
+          </a:lnRef>
+          <a:fillRef idx="1">
+            <a:schemeClr val="accent1"/>
+          </a:fillRef>
+          <a:effectRef idx="0">
+            <a:schemeClr val="accent1"/>
+          </a:effectRef>
+          <a:fontRef idx="minor">
+            <a:schemeClr val="lt1"/>
+          </a:fontRef>
+        </p:style>
+        <p:txBody>
+          <a:bodyPr rtlCol="0" anchor="ctr"/>
+          <a:lstStyle/>
+          <a:p>
+            <a:pPr algn="ctr"/>
+            <a:endParaRPr lang="en-US"/>
+          </a:p>
+        </p:txBody>
+      </p:sp>
+      <p:sp>
+        <p:nvSpPr>
+          <p:cNvPr id="2" name="Title 1">
+            <a:extLst>
+              <a:ext uri="{FF2B5EF4-FFF2-40B4-BE49-F238E27FC236}">
+                <a16:creationId xmlns:a16="http://schemas.microsoft.com/office/drawing/2014/main" id="{8EC3A413-77C8-427F-8139-DD7B0759B8B9}"/>
+              </a:ext>
+            </a:extLst>
+          </p:cNvPr>
+          <p:cNvSpPr>
+            <a:spLocks noGrp="1"/>
+          </p:cNvSpPr>
+          <p:nvPr>
+            <p:ph type="title"/>
+          </p:nvPr>
+        </p:nvSpPr>
+        <p:spPr>
+          <a:xfrm>
+            <a:off x="388879" y="201269"/>
+            <a:ext cx="8534400" cy="1507067"/>
+          </a:xfrm>
+        </p:spPr>
+        <p:txBody>
+          <a:bodyPr vert="horz" lIns="91440" tIns="45720" rIns="91440" bIns="45720" rtlCol="0" anchor="ctr">
+            <a:normAutofit/>
+          </a:bodyPr>
+          <a:lstStyle/>
+          <a:p>
+            <a:r>
+              <a:rPr lang="en-US" sz="4400" u="sng" dirty="0">
+                <a:latin typeface="Copperplate Gothic Bold" panose="020E0705020206020404" pitchFamily="34" charset="0"/>
+              </a:rPr>
+              <a:t>On board diagnostics</a:t>
+            </a:r>
+            <a:br>
+              <a:rPr lang="en-US" sz="4400" u="sng" dirty="0">
+                <a:latin typeface="Copperplate Gothic Bold" panose="020E0705020206020404" pitchFamily="34" charset="0"/>
+              </a:rPr>
+            </a:br>
+            <a:r>
+              <a:rPr lang="en-US" sz="4400" u="sng" dirty="0">
+                <a:latin typeface="Copperplate Gothic Bold" panose="020E0705020206020404" pitchFamily="34" charset="0"/>
+              </a:rPr>
+              <a:t>(OBD)</a:t>
+            </a:r>
+          </a:p>
+        </p:txBody>
+      </p:sp>
+      <p:grpSp>
+        <p:nvGrpSpPr>
+          <p:cNvPr id="13" name="Group 12">
+            <a:extLst>
+              <a:ext uri="{FF2B5EF4-FFF2-40B4-BE49-F238E27FC236}">
+                <a16:creationId xmlns:a16="http://schemas.microsoft.com/office/drawing/2014/main" id="{A80A6E81-6B71-43DF-877B-E964A9A4CB68}"/>
+              </a:ext>
+              <a:ext uri="{C183D7F6-B498-43B3-948B-1728B52AA6E4}">
+                <adec:decorative xmlns:adec="http://schemas.microsoft.com/office/drawing/2017/decorative" val="1"/>
+              </a:ext>
+            </a:extLst>
+          </p:cNvPr>
+          <p:cNvGrpSpPr>
+            <a:grpSpLocks noGrp="1" noUngrp="1" noRot="1" noChangeAspect="1" noMove="1" noResize="1"/>
+          </p:cNvGrpSpPr>
+          <p:nvPr>
+            <p:extLst>
+              <p:ext uri="{386F3935-93C4-4BCD-93E2-E3B085C9AB24}">
+                <p16:designElem xmlns:p16="http://schemas.microsoft.com/office/powerpoint/2015/main" val="1"/>
+              </p:ext>
+            </p:extLst>
+          </p:nvPr>
+        </p:nvGrpSpPr>
+        <p:grpSpPr>
+          <a:xfrm>
+            <a:off x="9206969" y="2963333"/>
+            <a:ext cx="2981858" cy="3208867"/>
+            <a:chOff x="9206969" y="2963333"/>
+            <a:chExt cx="2981858" cy="3208867"/>
+          </a:xfrm>
+        </p:grpSpPr>
+        <p:cxnSp>
+          <p:nvCxnSpPr>
+            <p:cNvPr id="14" name="Straight Connector 13">
+              <a:extLst>
+                <a:ext uri="{FF2B5EF4-FFF2-40B4-BE49-F238E27FC236}">
+                  <a16:creationId xmlns:a16="http://schemas.microsoft.com/office/drawing/2014/main" id="{4E35C3AD-357F-4004-A3F3-2D4EAF34A63D}"/>
+                </a:ext>
+                <a:ext uri="{C183D7F6-B498-43B3-948B-1728B52AA6E4}">
+                  <adec:decorative xmlns:adec="http://schemas.microsoft.com/office/drawing/2017/decorative" val="1"/>
+                </a:ext>
+              </a:extLst>
+            </p:cNvPr>
+            <p:cNvCxnSpPr/>
+            <p:nvPr>
+              <p:extLst>
+                <p:ext uri="{386F3935-93C4-4BCD-93E2-E3B085C9AB24}">
+                  <p16:designElem xmlns:p16="http://schemas.microsoft.com/office/powerpoint/2015/main" val="1"/>
+                </p:ext>
+              </p:extLst>
+            </p:nvPr>
+          </p:nvCxnSpPr>
+          <p:spPr>
+            <a:xfrm flipH="1">
+              <a:off x="11276012" y="2963333"/>
+              <a:ext cx="912814" cy="912812"/>
+            </a:xfrm>
+            <a:prstGeom prst="line">
+              <a:avLst/>
+            </a:prstGeom>
+            <a:ln w="9525">
+              <a:solidFill>
+                <a:schemeClr val="tx2">
+                  <a:lumMod val="75000"/>
+                  <a:alpha val="80000"/>
+                </a:schemeClr>
+              </a:solidFill>
+            </a:ln>
+          </p:spPr>
+          <p:style>
+            <a:lnRef idx="2">
+              <a:schemeClr val="accent1"/>
+            </a:lnRef>
+            <a:fillRef idx="0">
+              <a:schemeClr val="accent1"/>
+            </a:fillRef>
+            <a:effectRef idx="1">
+              <a:schemeClr val="accent1"/>
+            </a:effectRef>
+            <a:fontRef idx="minor">
+              <a:schemeClr val="tx1"/>
+            </a:fontRef>
+          </p:style>
+        </p:cxnSp>
+        <p:cxnSp>
+          <p:nvCxnSpPr>
+            <p:cNvPr id="15" name="Straight Connector 14">
+              <a:extLst>
+                <a:ext uri="{FF2B5EF4-FFF2-40B4-BE49-F238E27FC236}">
+                  <a16:creationId xmlns:a16="http://schemas.microsoft.com/office/drawing/2014/main" id="{337B6032-0A70-4F26-A9A3-B4D60DF11818}"/>
+                </a:ext>
+                <a:ext uri="{C183D7F6-B498-43B3-948B-1728B52AA6E4}">
+                  <adec:decorative xmlns:adec="http://schemas.microsoft.com/office/drawing/2017/decorative" val="1"/>
+                </a:ext>
+              </a:extLst>
+            </p:cNvPr>
+            <p:cNvCxnSpPr/>
+            <p:nvPr>
+              <p:extLst>
+                <p:ext uri="{386F3935-93C4-4BCD-93E2-E3B085C9AB24}">
+                  <p16:designElem xmlns:p16="http://schemas.microsoft.com/office/powerpoint/2015/main" val="1"/>
+                </p:ext>
+              </p:extLst>
+            </p:nvPr>
+          </p:nvCxnSpPr>
+          <p:spPr>
+            <a:xfrm flipH="1">
+              <a:off x="9206969" y="3190344"/>
+              <a:ext cx="2981857" cy="2981856"/>
+            </a:xfrm>
+            <a:prstGeom prst="line">
+              <a:avLst/>
+            </a:prstGeom>
+            <a:ln w="9525">
+              <a:solidFill>
+                <a:schemeClr val="tx2">
+                  <a:lumMod val="75000"/>
+                  <a:alpha val="80000"/>
+                </a:schemeClr>
+              </a:solidFill>
+            </a:ln>
+          </p:spPr>
+          <p:style>
+            <a:lnRef idx="2">
+              <a:schemeClr val="accent1"/>
+            </a:lnRef>
+            <a:fillRef idx="0">
+              <a:schemeClr val="accent1"/>
+            </a:fillRef>
+            <a:effectRef idx="1">
+              <a:schemeClr val="accent1"/>
+            </a:effectRef>
+            <a:fontRef idx="minor">
+              <a:schemeClr val="tx1"/>
+            </a:fontRef>
+          </p:style>
+        </p:cxnSp>
+        <p:cxnSp>
+          <p:nvCxnSpPr>
+            <p:cNvPr id="16" name="Straight Connector 15">
+              <a:extLst>
+                <a:ext uri="{FF2B5EF4-FFF2-40B4-BE49-F238E27FC236}">
+                  <a16:creationId xmlns:a16="http://schemas.microsoft.com/office/drawing/2014/main" id="{DE192CE3-3DD1-448F-93BE-42983DA0D5A9}"/>
+                </a:ext>
+                <a:ext uri="{C183D7F6-B498-43B3-948B-1728B52AA6E4}">
+                  <adec:decorative xmlns:adec="http://schemas.microsoft.com/office/drawing/2017/decorative" val="1"/>
+                </a:ext>
+              </a:extLst>
+            </p:cNvPr>
+            <p:cNvCxnSpPr/>
+            <p:nvPr>
+              <p:extLst>
+                <p:ext uri="{386F3935-93C4-4BCD-93E2-E3B085C9AB24}">
+                  <p16:designElem xmlns:p16="http://schemas.microsoft.com/office/powerpoint/2015/main" val="1"/>
+                </p:ext>
+              </p:extLst>
+            </p:nvPr>
+          </p:nvCxnSpPr>
+          <p:spPr>
+            <a:xfrm flipH="1">
+              <a:off x="10292292" y="3285067"/>
+              <a:ext cx="1896534" cy="1896533"/>
+            </a:xfrm>
+            <a:prstGeom prst="line">
+              <a:avLst/>
+            </a:prstGeom>
+            <a:ln w="9525">
+              <a:solidFill>
+                <a:schemeClr val="tx2">
+                  <a:lumMod val="75000"/>
+                  <a:alpha val="80000"/>
+                </a:schemeClr>
+              </a:solidFill>
+            </a:ln>
+          </p:spPr>
+          <p:style>
+            <a:lnRef idx="2">
+              <a:schemeClr val="accent1"/>
+            </a:lnRef>
+            <a:fillRef idx="0">
+              <a:schemeClr val="accent1"/>
+            </a:fillRef>
+            <a:effectRef idx="1">
+              <a:schemeClr val="accent1"/>
+            </a:effectRef>
+            <a:fontRef idx="minor">
+              <a:schemeClr val="tx1"/>
+            </a:fontRef>
+          </p:style>
+        </p:cxnSp>
+        <p:cxnSp>
+          <p:nvCxnSpPr>
+            <p:cNvPr id="17" name="Straight Connector 16">
+              <a:extLst>
+                <a:ext uri="{FF2B5EF4-FFF2-40B4-BE49-F238E27FC236}">
+                  <a16:creationId xmlns:a16="http://schemas.microsoft.com/office/drawing/2014/main" id="{E6D3DA09-5C72-4562-BEDE-1937DF87E81D}"/>
+                </a:ext>
+                <a:ext uri="{C183D7F6-B498-43B3-948B-1728B52AA6E4}">
+                  <adec:decorative xmlns:adec="http://schemas.microsoft.com/office/drawing/2017/decorative" val="1"/>
+                </a:ext>
+              </a:extLst>
+            </p:cNvPr>
+            <p:cNvCxnSpPr/>
+            <p:nvPr>
+              <p:extLst>
+                <p:ext uri="{386F3935-93C4-4BCD-93E2-E3B085C9AB24}">
+                  <p16:designElem xmlns:p16="http://schemas.microsoft.com/office/powerpoint/2015/main" val="1"/>
+                </p:ext>
+              </p:extLst>
+            </p:nvPr>
+          </p:nvCxnSpPr>
+          <p:spPr>
+            <a:xfrm flipH="1">
+              <a:off x="10443103" y="3131080"/>
+              <a:ext cx="1745722" cy="1745720"/>
+            </a:xfrm>
+            <a:prstGeom prst="line">
+              <a:avLst/>
+            </a:prstGeom>
+            <a:ln w="28575">
+              <a:solidFill>
+                <a:schemeClr val="tx2">
+                  <a:lumMod val="75000"/>
+                  <a:alpha val="80000"/>
+                </a:schemeClr>
+              </a:solidFill>
+            </a:ln>
+          </p:spPr>
+          <p:style>
+            <a:lnRef idx="2">
+              <a:schemeClr val="accent1"/>
+            </a:lnRef>
+            <a:fillRef idx="0">
+              <a:schemeClr val="accent1"/>
+            </a:fillRef>
+            <a:effectRef idx="1">
+              <a:schemeClr val="accent1"/>
+            </a:effectRef>
+            <a:fontRef idx="minor">
+              <a:schemeClr val="tx1"/>
+            </a:fontRef>
+          </p:style>
+        </p:cxnSp>
+        <p:cxnSp>
+          <p:nvCxnSpPr>
+            <p:cNvPr id="18" name="Straight Connector 17">
+              <a:extLst>
+                <a:ext uri="{FF2B5EF4-FFF2-40B4-BE49-F238E27FC236}">
+                  <a16:creationId xmlns:a16="http://schemas.microsoft.com/office/drawing/2014/main" id="{D6ACA7CA-2A20-49D7-9053-E076463D79A3}"/>
+                </a:ext>
+                <a:ext uri="{C183D7F6-B498-43B3-948B-1728B52AA6E4}">
+                  <adec:decorative xmlns:adec="http://schemas.microsoft.com/office/drawing/2017/decorative" val="1"/>
+                </a:ext>
+              </a:extLst>
+            </p:cNvPr>
+            <p:cNvCxnSpPr/>
+            <p:nvPr>
+              <p:extLst>
+                <p:ext uri="{386F3935-93C4-4BCD-93E2-E3B085C9AB24}">
+                  <p16:designElem xmlns:p16="http://schemas.microsoft.com/office/powerpoint/2015/main" val="1"/>
+                </p:ext>
+              </p:extLst>
+            </p:nvPr>
+          </p:nvCxnSpPr>
+          <p:spPr>
+            <a:xfrm flipH="1">
+              <a:off x="10918826" y="3683001"/>
+              <a:ext cx="1270001" cy="1269999"/>
+            </a:xfrm>
+            <a:prstGeom prst="line">
+              <a:avLst/>
+            </a:prstGeom>
+            <a:ln w="28575">
+              <a:solidFill>
+                <a:schemeClr val="tx2">
+                  <a:lumMod val="75000"/>
+                  <a:alpha val="80000"/>
+                </a:schemeClr>
+              </a:solidFill>
+            </a:ln>
+          </p:spPr>
+          <p:style>
+            <a:lnRef idx="2">
+              <a:schemeClr val="accent1"/>
+            </a:lnRef>
+            <a:fillRef idx="0">
+              <a:schemeClr val="accent1"/>
+            </a:fillRef>
+            <a:effectRef idx="1">
+              <a:schemeClr val="accent1"/>
+            </a:effectRef>
+            <a:fontRef idx="minor">
+              <a:schemeClr val="tx1"/>
+            </a:fontRef>
+          </p:style>
+        </p:cxnSp>
+      </p:grpSp>
+      <p:sp>
+        <p:nvSpPr>
+          <p:cNvPr id="5" name="TextBox 4">
+            <a:extLst>
+              <a:ext uri="{FF2B5EF4-FFF2-40B4-BE49-F238E27FC236}">
+                <a16:creationId xmlns:a16="http://schemas.microsoft.com/office/drawing/2014/main" id="{451D15B0-3D96-4063-BF1B-08000927FA50}"/>
+              </a:ext>
+            </a:extLst>
+          </p:cNvPr>
+          <p:cNvSpPr txBox="1"/>
+          <p:nvPr/>
+        </p:nvSpPr>
+        <p:spPr>
+          <a:xfrm>
+            <a:off x="771547" y="1600425"/>
+            <a:ext cx="5807460" cy="4445879"/>
+          </a:xfrm>
+          <a:prstGeom prst="rect">
+            <a:avLst/>
+          </a:prstGeom>
+        </p:spPr>
+        <p:txBody>
+          <a:bodyPr vert="horz" lIns="91440" tIns="45720" rIns="91440" bIns="45720" rtlCol="0" anchor="ctr">
+            <a:normAutofit/>
+          </a:bodyPr>
+          <a:lstStyle/>
+          <a:p>
+            <a:pPr defTabSz="457200">
+              <a:lnSpc>
+                <a:spcPct val="90000"/>
+              </a:lnSpc>
+              <a:spcBef>
+                <a:spcPct val="20000"/>
+              </a:spcBef>
+              <a:spcAft>
+                <a:spcPts val="600"/>
+              </a:spcAft>
+              <a:buClr>
+                <a:schemeClr val="tx1"/>
+              </a:buClr>
+              <a:buSzPct val="80000"/>
+              <a:buFont typeface="Wingdings 3" panose="05040102010807070707" pitchFamily="18" charset="2"/>
+              <a:buChar char=""/>
+            </a:pPr>
+            <a:r>
+              <a:rPr lang="en-US" sz="1500" dirty="0"/>
+              <a:t>Given that this system is for a motor vehicle, we decided that it would be an important function to provide the user with vehicle data generated by the Engine Control Module.</a:t>
+            </a:r>
+          </a:p>
+          <a:p>
+            <a:pPr defTabSz="457200">
+              <a:lnSpc>
+                <a:spcPct val="90000"/>
+              </a:lnSpc>
+              <a:spcBef>
+                <a:spcPct val="20000"/>
+              </a:spcBef>
+              <a:spcAft>
+                <a:spcPts val="600"/>
+              </a:spcAft>
+              <a:buClr>
+                <a:schemeClr val="tx1"/>
+              </a:buClr>
+              <a:buSzPct val="80000"/>
+              <a:buFont typeface="Wingdings 3" panose="05040102010807070707" pitchFamily="18" charset="2"/>
+              <a:buChar char=""/>
+            </a:pPr>
+            <a:endParaRPr lang="en-US" sz="1500" dirty="0"/>
+          </a:p>
+          <a:p>
+            <a:pPr defTabSz="457200">
+              <a:lnSpc>
+                <a:spcPct val="90000"/>
+              </a:lnSpc>
+              <a:spcBef>
+                <a:spcPct val="20000"/>
+              </a:spcBef>
+              <a:spcAft>
+                <a:spcPts val="600"/>
+              </a:spcAft>
+              <a:buClr>
+                <a:schemeClr val="tx1"/>
+              </a:buClr>
+              <a:buSzPct val="80000"/>
+              <a:buFont typeface="Wingdings 3" panose="05040102010807070707" pitchFamily="18" charset="2"/>
+              <a:buChar char=""/>
+            </a:pPr>
+            <a:r>
+              <a:rPr lang="en-US" sz="1500" dirty="0"/>
+              <a:t>Using the On Board Diagnostic interface, common in most vehicles, we can pull, display, and reset real time data from the engines CPU, including maintenance codes used by mechanics to diagnose engine issues.</a:t>
+            </a:r>
+          </a:p>
+          <a:p>
+            <a:pPr defTabSz="457200">
+              <a:lnSpc>
+                <a:spcPct val="90000"/>
+              </a:lnSpc>
+              <a:spcBef>
+                <a:spcPct val="20000"/>
+              </a:spcBef>
+              <a:spcAft>
+                <a:spcPts val="600"/>
+              </a:spcAft>
+              <a:buClr>
+                <a:schemeClr val="tx1"/>
+              </a:buClr>
+              <a:buSzPct val="80000"/>
+              <a:buFont typeface="Wingdings 3" panose="05040102010807070707" pitchFamily="18" charset="2"/>
+              <a:buChar char=""/>
+            </a:pPr>
+            <a:endParaRPr lang="en-US" sz="1500" dirty="0"/>
+          </a:p>
+          <a:p>
+            <a:pPr defTabSz="457200">
+              <a:lnSpc>
+                <a:spcPct val="90000"/>
+              </a:lnSpc>
+              <a:spcBef>
+                <a:spcPct val="20000"/>
+              </a:spcBef>
+              <a:spcAft>
+                <a:spcPts val="600"/>
+              </a:spcAft>
+              <a:buClr>
+                <a:schemeClr val="tx1"/>
+              </a:buClr>
+              <a:buSzPct val="80000"/>
+              <a:buFont typeface="Wingdings 3" panose="05040102010807070707" pitchFamily="18" charset="2"/>
+              <a:buChar char=""/>
+            </a:pPr>
+            <a:r>
+              <a:rPr lang="en-US" sz="1500" dirty="0"/>
+              <a:t>A server on the Raspberry Pi is set up to receive incoming data retrieved by the OBDII and then displayed on the user interface</a:t>
+            </a:r>
+          </a:p>
+          <a:p>
+            <a:pPr defTabSz="457200">
+              <a:lnSpc>
+                <a:spcPct val="90000"/>
+              </a:lnSpc>
+              <a:spcBef>
+                <a:spcPct val="20000"/>
+              </a:spcBef>
+              <a:spcAft>
+                <a:spcPts val="600"/>
+              </a:spcAft>
+              <a:buClr>
+                <a:schemeClr val="tx1"/>
+              </a:buClr>
+              <a:buSzPct val="80000"/>
+              <a:buFont typeface="Wingdings 3" panose="05040102010807070707" pitchFamily="18" charset="2"/>
+              <a:buChar char=""/>
+            </a:pPr>
+            <a:endParaRPr lang="en-US" sz="1500" dirty="0"/>
+          </a:p>
+          <a:p>
+            <a:pPr defTabSz="457200">
+              <a:lnSpc>
+                <a:spcPct val="90000"/>
+              </a:lnSpc>
+              <a:spcBef>
+                <a:spcPct val="20000"/>
+              </a:spcBef>
+              <a:spcAft>
+                <a:spcPts val="600"/>
+              </a:spcAft>
+              <a:buClr>
+                <a:schemeClr val="tx1"/>
+              </a:buClr>
+              <a:buSzPct val="80000"/>
+              <a:buFont typeface="Wingdings 3" panose="05040102010807070707" pitchFamily="18" charset="2"/>
+              <a:buChar char=""/>
+            </a:pPr>
+            <a:r>
+              <a:rPr lang="en-US" sz="1500" dirty="0"/>
+              <a:t>Additional data pertinent to the use of this vehicle includes engine load, intake temperature, and throttle position.</a:t>
+            </a:r>
+          </a:p>
+        </p:txBody>
+      </p:sp>
+    </p:spTree>
+    <p:extLst>
+      <p:ext uri="{BB962C8B-B14F-4D97-AF65-F5344CB8AC3E}">
+        <p14:creationId xmlns:p14="http://schemas.microsoft.com/office/powerpoint/2010/main" val="1597216609"/>
       </p:ext>
     </p:extLst>
   </p:cSld>
